--- a/ProjectDocumentation/ProjectArchitecture.pptx
+++ b/ProjectDocumentation/ProjectArchitecture.pptx
@@ -9,6 +9,9 @@
     <p:sldId id="257" r:id="rId3"/>
     <p:sldId id="258" r:id="rId4"/>
     <p:sldId id="259" r:id="rId5"/>
+    <p:sldId id="260" r:id="rId6"/>
+    <p:sldId id="262" r:id="rId7"/>
+    <p:sldId id="261" r:id="rId8"/>
   </p:sldIdLst>
   <p:sldSz cx="12192000" cy="6858000"/>
   <p:notesSz cx="6858000" cy="9144000"/>
@@ -3182,7 +3185,7 @@
           <a:p>
             <a:r>
               <a:rPr lang="en-US" dirty="0" smtClean="0"/>
-              <a:t>Talking through app</a:t>
+              <a:t>Splash Screen</a:t>
             </a:r>
             <a:endParaRPr lang="en-US" dirty="0"/>
           </a:p>
@@ -3205,7 +3208,7 @@
           <a:p>
             <a:r>
               <a:rPr lang="en-US" dirty="0" smtClean="0"/>
-              <a:t>Starts with a main menu probably?</a:t>
+              <a:t>Starts with App splash screen</a:t>
             </a:r>
             <a:endParaRPr lang="en-US" dirty="0"/>
           </a:p>
@@ -3258,7 +3261,7 @@
           <a:p>
             <a:r>
               <a:rPr lang="en-US" dirty="0" smtClean="0"/>
-              <a:t>Gameplay</a:t>
+              <a:t>Menu</a:t>
             </a:r>
             <a:endParaRPr lang="en-US" dirty="0"/>
           </a:p>
@@ -3279,7 +3282,7 @@
           <a:bodyPr/>
           <a:lstStyle/>
           <a:p>
-            <a:endParaRPr lang="en-US"/>
+            <a:endParaRPr lang="en-US" dirty="0"/>
           </a:p>
         </p:txBody>
       </p:sp>
@@ -3287,6 +3290,251 @@
     <p:extLst>
       <p:ext uri="{BB962C8B-B14F-4D97-AF65-F5344CB8AC3E}">
         <p14:creationId xmlns:p14="http://schemas.microsoft.com/office/powerpoint/2010/main" val="3819403296"/>
+      </p:ext>
+    </p:extLst>
+  </p:cSld>
+  <p:clrMapOvr>
+    <a:masterClrMapping/>
+  </p:clrMapOvr>
+</p:sld>
+</file>
+
+<file path=ppt/slides/slide5.xml><?xml version="1.0" encoding="utf-8"?>
+<p:sld xmlns:a="http://schemas.openxmlformats.org/drawingml/2006/main" xmlns:r="http://schemas.openxmlformats.org/officeDocument/2006/relationships" xmlns:p="http://schemas.openxmlformats.org/presentationml/2006/main">
+  <p:cSld>
+    <p:spTree>
+      <p:nvGrpSpPr>
+        <p:cNvPr id="1" name=""/>
+        <p:cNvGrpSpPr/>
+        <p:nvPr/>
+      </p:nvGrpSpPr>
+      <p:grpSpPr>
+        <a:xfrm>
+          <a:off x="0" y="0"/>
+          <a:ext cx="0" cy="0"/>
+          <a:chOff x="0" y="0"/>
+          <a:chExt cx="0" cy="0"/>
+        </a:xfrm>
+      </p:grpSpPr>
+      <p:sp>
+        <p:nvSpPr>
+          <p:cNvPr id="2" name="Title 1"/>
+          <p:cNvSpPr>
+            <a:spLocks noGrp="1"/>
+          </p:cNvSpPr>
+          <p:nvPr>
+            <p:ph type="title"/>
+          </p:nvPr>
+        </p:nvSpPr>
+        <p:spPr/>
+        <p:txBody>
+          <a:bodyPr/>
+          <a:lstStyle/>
+          <a:p>
+            <a:r>
+              <a:rPr lang="en-US" dirty="0" smtClean="0"/>
+              <a:t>Gameplay</a:t>
+            </a:r>
+            <a:endParaRPr lang="en-US" dirty="0"/>
+          </a:p>
+        </p:txBody>
+      </p:sp>
+      <p:sp>
+        <p:nvSpPr>
+          <p:cNvPr id="3" name="Content Placeholder 2"/>
+          <p:cNvSpPr>
+            <a:spLocks noGrp="1"/>
+          </p:cNvSpPr>
+          <p:nvPr>
+            <p:ph idx="1"/>
+          </p:nvPr>
+        </p:nvSpPr>
+        <p:spPr/>
+        <p:txBody>
+          <a:bodyPr/>
+          <a:lstStyle/>
+          <a:p>
+            <a:r>
+              <a:rPr lang="en-US" dirty="0" smtClean="0"/>
+              <a:t>You are the </a:t>
+            </a:r>
+            <a:r>
+              <a:rPr lang="en-US" dirty="0" err="1" smtClean="0"/>
+              <a:t>REKTangle</a:t>
+            </a:r>
+            <a:endParaRPr lang="en-US" dirty="0" smtClean="0"/>
+          </a:p>
+          <a:p>
+            <a:r>
+              <a:rPr lang="en-US" dirty="0" smtClean="0"/>
+              <a:t>You try not to get REKT, but it is inevitable…</a:t>
+            </a:r>
+            <a:endParaRPr lang="en-US" dirty="0"/>
+          </a:p>
+        </p:txBody>
+      </p:sp>
+    </p:spTree>
+    <p:extLst>
+      <p:ext uri="{BB962C8B-B14F-4D97-AF65-F5344CB8AC3E}">
+        <p14:creationId xmlns:p14="http://schemas.microsoft.com/office/powerpoint/2010/main" val="2103777319"/>
+      </p:ext>
+    </p:extLst>
+  </p:cSld>
+  <p:clrMapOvr>
+    <a:masterClrMapping/>
+  </p:clrMapOvr>
+</p:sld>
+</file>
+
+<file path=ppt/slides/slide6.xml><?xml version="1.0" encoding="utf-8"?>
+<p:sld xmlns:a="http://schemas.openxmlformats.org/drawingml/2006/main" xmlns:r="http://schemas.openxmlformats.org/officeDocument/2006/relationships" xmlns:p="http://schemas.openxmlformats.org/presentationml/2006/main">
+  <p:cSld>
+    <p:spTree>
+      <p:nvGrpSpPr>
+        <p:cNvPr id="1" name=""/>
+        <p:cNvGrpSpPr/>
+        <p:nvPr/>
+      </p:nvGrpSpPr>
+      <p:grpSpPr>
+        <a:xfrm>
+          <a:off x="0" y="0"/>
+          <a:ext cx="0" cy="0"/>
+          <a:chOff x="0" y="0"/>
+          <a:chExt cx="0" cy="0"/>
+        </a:xfrm>
+      </p:grpSpPr>
+      <p:sp>
+        <p:nvSpPr>
+          <p:cNvPr id="2" name="Title 1"/>
+          <p:cNvSpPr>
+            <a:spLocks noGrp="1"/>
+          </p:cNvSpPr>
+          <p:nvPr>
+            <p:ph type="title"/>
+          </p:nvPr>
+        </p:nvSpPr>
+        <p:spPr/>
+        <p:txBody>
+          <a:bodyPr/>
+          <a:lstStyle/>
+          <a:p>
+            <a:r>
+              <a:rPr lang="en-US" dirty="0" smtClean="0"/>
+              <a:t>Handling movement and Collisions</a:t>
+            </a:r>
+            <a:endParaRPr lang="en-US" dirty="0"/>
+          </a:p>
+        </p:txBody>
+      </p:sp>
+      <p:sp>
+        <p:nvSpPr>
+          <p:cNvPr id="3" name="Content Placeholder 2"/>
+          <p:cNvSpPr>
+            <a:spLocks noGrp="1"/>
+          </p:cNvSpPr>
+          <p:nvPr>
+            <p:ph idx="1"/>
+          </p:nvPr>
+        </p:nvSpPr>
+        <p:spPr/>
+        <p:txBody>
+          <a:bodyPr/>
+          <a:lstStyle/>
+          <a:p>
+            <a:r>
+              <a:rPr lang="en-US" dirty="0" smtClean="0"/>
+              <a:t>Lots of back </a:t>
+            </a:r>
+            <a:r>
+              <a:rPr lang="en-US" smtClean="0"/>
+              <a:t>end work</a:t>
+            </a:r>
+          </a:p>
+          <a:p>
+            <a:endParaRPr lang="en-US"/>
+          </a:p>
+        </p:txBody>
+      </p:sp>
+    </p:spTree>
+    <p:extLst>
+      <p:ext uri="{BB962C8B-B14F-4D97-AF65-F5344CB8AC3E}">
+        <p14:creationId xmlns:p14="http://schemas.microsoft.com/office/powerpoint/2010/main" val="2950191913"/>
+      </p:ext>
+    </p:extLst>
+  </p:cSld>
+  <p:clrMapOvr>
+    <a:masterClrMapping/>
+  </p:clrMapOvr>
+</p:sld>
+</file>
+
+<file path=ppt/slides/slide7.xml><?xml version="1.0" encoding="utf-8"?>
+<p:sld xmlns:a="http://schemas.openxmlformats.org/drawingml/2006/main" xmlns:r="http://schemas.openxmlformats.org/officeDocument/2006/relationships" xmlns:p="http://schemas.openxmlformats.org/presentationml/2006/main">
+  <p:cSld>
+    <p:spTree>
+      <p:nvGrpSpPr>
+        <p:cNvPr id="1" name=""/>
+        <p:cNvGrpSpPr/>
+        <p:nvPr/>
+      </p:nvGrpSpPr>
+      <p:grpSpPr>
+        <a:xfrm>
+          <a:off x="0" y="0"/>
+          <a:ext cx="0" cy="0"/>
+          <a:chOff x="0" y="0"/>
+          <a:chExt cx="0" cy="0"/>
+        </a:xfrm>
+      </p:grpSpPr>
+      <p:sp>
+        <p:nvSpPr>
+          <p:cNvPr id="2" name="Title 1"/>
+          <p:cNvSpPr>
+            <a:spLocks noGrp="1"/>
+          </p:cNvSpPr>
+          <p:nvPr>
+            <p:ph type="title"/>
+          </p:nvPr>
+        </p:nvSpPr>
+        <p:spPr/>
+        <p:txBody>
+          <a:bodyPr/>
+          <a:lstStyle/>
+          <a:p>
+            <a:r>
+              <a:rPr lang="en-US" dirty="0" smtClean="0"/>
+              <a:t>Pause Screen</a:t>
+            </a:r>
+            <a:endParaRPr lang="en-US" dirty="0"/>
+          </a:p>
+        </p:txBody>
+      </p:sp>
+      <p:sp>
+        <p:nvSpPr>
+          <p:cNvPr id="3" name="Content Placeholder 2"/>
+          <p:cNvSpPr>
+            <a:spLocks noGrp="1"/>
+          </p:cNvSpPr>
+          <p:nvPr>
+            <p:ph idx="1"/>
+          </p:nvPr>
+        </p:nvSpPr>
+        <p:spPr/>
+        <p:txBody>
+          <a:bodyPr/>
+          <a:lstStyle/>
+          <a:p>
+            <a:r>
+              <a:rPr lang="en-US" dirty="0" smtClean="0"/>
+              <a:t>Options, save, quit</a:t>
+            </a:r>
+            <a:endParaRPr lang="en-US" dirty="0"/>
+          </a:p>
+        </p:txBody>
+      </p:sp>
+    </p:spTree>
+    <p:extLst>
+      <p:ext uri="{BB962C8B-B14F-4D97-AF65-F5344CB8AC3E}">
+        <p14:creationId xmlns:p14="http://schemas.microsoft.com/office/powerpoint/2010/main" val="2434724047"/>
       </p:ext>
     </p:extLst>
   </p:cSld>

--- a/ProjectDocumentation/ProjectArchitecture.pptx
+++ b/ProjectDocumentation/ProjectArchitecture.pptx
@@ -2,16 +2,17 @@
 <file path=ppt/presentation.xml><?xml version="1.0" encoding="utf-8"?>
 <p:presentation xmlns:a="http://schemas.openxmlformats.org/drawingml/2006/main" xmlns:r="http://schemas.openxmlformats.org/officeDocument/2006/relationships" xmlns:p="http://schemas.openxmlformats.org/presentationml/2006/main" saveSubsetFonts="1">
   <p:sldMasterIdLst>
-    <p:sldMasterId id="2147483648" r:id="rId1"/>
+    <p:sldMasterId id="2147483744" r:id="rId1"/>
   </p:sldMasterIdLst>
   <p:sldIdLst>
     <p:sldId id="256" r:id="rId2"/>
     <p:sldId id="257" r:id="rId3"/>
     <p:sldId id="258" r:id="rId4"/>
     <p:sldId id="259" r:id="rId5"/>
-    <p:sldId id="260" r:id="rId6"/>
-    <p:sldId id="262" r:id="rId7"/>
-    <p:sldId id="261" r:id="rId8"/>
+    <p:sldId id="263" r:id="rId6"/>
+    <p:sldId id="260" r:id="rId7"/>
+    <p:sldId id="262" r:id="rId8"/>
+    <p:sldId id="261" r:id="rId9"/>
   </p:sldIdLst>
   <p:sldSz cx="12192000" cy="6858000"/>
   <p:notesSz cx="6858000" cy="9144000"/>
@@ -142,15 +143,32 @@
         </p:nvSpPr>
         <p:spPr>
           <a:xfrm>
-            <a:off x="1524000" y="1122363"/>
-            <a:ext cx="9144000" cy="2387600"/>
+            <a:off x="1751012" y="609601"/>
+            <a:ext cx="8676222" cy="3200400"/>
           </a:xfrm>
         </p:spPr>
         <p:txBody>
-          <a:bodyPr anchor="b"/>
+          <a:bodyPr anchor="b">
+            <a:normAutofit/>
+          </a:bodyPr>
           <a:lstStyle>
             <a:lvl1pPr algn="ctr">
-              <a:defRPr sz="6000"/>
+              <a:defRPr sz="4800">
+                <a:effectLst>
+                  <a:glow rad="38100">
+                    <a:schemeClr val="bg1">
+                      <a:lumMod val="65000"/>
+                      <a:lumOff val="35000"/>
+                      <a:alpha val="50000"/>
+                    </a:schemeClr>
+                  </a:glow>
+                  <a:outerShdw blurRad="28575" dist="31750" dir="13200000" algn="tl" rotWithShape="0">
+                    <a:srgbClr val="000000">
+                      <a:alpha val="25000"/>
+                    </a:srgbClr>
+                  </a:outerShdw>
+                </a:effectLst>
+              </a:defRPr>
             </a:lvl1pPr>
           </a:lstStyle>
           <a:p>
@@ -158,7 +176,7 @@
               <a:rPr lang="en-US" smtClean="0"/>
               <a:t>Click to edit Master title style</a:t>
             </a:r>
-            <a:endParaRPr lang="en-US"/>
+            <a:endParaRPr lang="en-US" dirty="0"/>
           </a:p>
         </p:txBody>
       </p:sp>
@@ -174,48 +192,113 @@
         </p:nvSpPr>
         <p:spPr>
           <a:xfrm>
-            <a:off x="1524000" y="3602038"/>
-            <a:ext cx="9144000" cy="1655762"/>
+            <a:off x="1751012" y="3886200"/>
+            <a:ext cx="8676222" cy="1905000"/>
           </a:xfrm>
         </p:spPr>
         <p:txBody>
-          <a:bodyPr/>
+          <a:bodyPr anchor="t">
+            <a:normAutofit/>
+          </a:bodyPr>
           <a:lstStyle>
             <a:lvl1pPr marL="0" indent="0" algn="ctr">
               <a:buNone/>
-              <a:defRPr sz="2400"/>
+              <a:defRPr sz="2100">
+                <a:gradFill flip="none" rotWithShape="1">
+                  <a:gsLst>
+                    <a:gs pos="0">
+                      <a:schemeClr val="tx1"/>
+                    </a:gs>
+                    <a:gs pos="100000">
+                      <a:schemeClr val="tx1">
+                        <a:lumMod val="75000"/>
+                      </a:schemeClr>
+                    </a:gs>
+                  </a:gsLst>
+                  <a:lin ang="5400000" scaled="0"/>
+                  <a:tileRect/>
+                </a:gradFill>
+              </a:defRPr>
             </a:lvl1pPr>
             <a:lvl2pPr marL="457200" indent="0" algn="ctr">
               <a:buNone/>
-              <a:defRPr sz="2000"/>
+              <a:defRPr>
+                <a:solidFill>
+                  <a:schemeClr val="tx1">
+                    <a:tint val="75000"/>
+                  </a:schemeClr>
+                </a:solidFill>
+              </a:defRPr>
             </a:lvl2pPr>
             <a:lvl3pPr marL="914400" indent="0" algn="ctr">
               <a:buNone/>
-              <a:defRPr sz="1800"/>
+              <a:defRPr>
+                <a:solidFill>
+                  <a:schemeClr val="tx1">
+                    <a:tint val="75000"/>
+                  </a:schemeClr>
+                </a:solidFill>
+              </a:defRPr>
             </a:lvl3pPr>
             <a:lvl4pPr marL="1371600" indent="0" algn="ctr">
               <a:buNone/>
-              <a:defRPr sz="1600"/>
+              <a:defRPr>
+                <a:solidFill>
+                  <a:schemeClr val="tx1">
+                    <a:tint val="75000"/>
+                  </a:schemeClr>
+                </a:solidFill>
+              </a:defRPr>
             </a:lvl4pPr>
             <a:lvl5pPr marL="1828800" indent="0" algn="ctr">
               <a:buNone/>
-              <a:defRPr sz="1600"/>
+              <a:defRPr>
+                <a:solidFill>
+                  <a:schemeClr val="tx1">
+                    <a:tint val="75000"/>
+                  </a:schemeClr>
+                </a:solidFill>
+              </a:defRPr>
             </a:lvl5pPr>
             <a:lvl6pPr marL="2286000" indent="0" algn="ctr">
               <a:buNone/>
-              <a:defRPr sz="1600"/>
+              <a:defRPr>
+                <a:solidFill>
+                  <a:schemeClr val="tx1">
+                    <a:tint val="75000"/>
+                  </a:schemeClr>
+                </a:solidFill>
+              </a:defRPr>
             </a:lvl6pPr>
             <a:lvl7pPr marL="2743200" indent="0" algn="ctr">
               <a:buNone/>
-              <a:defRPr sz="1600"/>
+              <a:defRPr>
+                <a:solidFill>
+                  <a:schemeClr val="tx1">
+                    <a:tint val="75000"/>
+                  </a:schemeClr>
+                </a:solidFill>
+              </a:defRPr>
             </a:lvl7pPr>
             <a:lvl8pPr marL="3200400" indent="0" algn="ctr">
               <a:buNone/>
-              <a:defRPr sz="1600"/>
+              <a:defRPr>
+                <a:solidFill>
+                  <a:schemeClr val="tx1">
+                    <a:tint val="75000"/>
+                  </a:schemeClr>
+                </a:solidFill>
+              </a:defRPr>
             </a:lvl8pPr>
             <a:lvl9pPr marL="3657600" indent="0" algn="ctr">
               <a:buNone/>
-              <a:defRPr sz="1600"/>
+              <a:defRPr>
+                <a:solidFill>
+                  <a:schemeClr val="tx1">
+                    <a:tint val="75000"/>
+                  </a:schemeClr>
+                </a:solidFill>
+              </a:defRPr>
             </a:lvl9pPr>
           </a:lstStyle>
           <a:p>
@@ -223,7 +306,7 @@
               <a:rPr lang="en-US" smtClean="0"/>
               <a:t>Click to edit Master subtitle style</a:t>
             </a:r>
-            <a:endParaRPr lang="en-US"/>
+            <a:endParaRPr lang="en-US" dirty="0"/>
           </a:p>
         </p:txBody>
       </p:sp>
@@ -295,7 +378,7 @@
     </p:spTree>
     <p:extLst>
       <p:ext uri="{BB962C8B-B14F-4D97-AF65-F5344CB8AC3E}">
-        <p14:creationId xmlns:p14="http://schemas.microsoft.com/office/powerpoint/2010/main" val="4067314549"/>
+        <p14:creationId xmlns:p14="http://schemas.microsoft.com/office/powerpoint/2010/main" val="2875836284"/>
       </p:ext>
     </p:extLst>
   </p:cSld>
@@ -306,6 +389,2113 @@
 </file>
 
 <file path=ppt/slideLayouts/slideLayout10.xml><?xml version="1.0" encoding="utf-8"?>
+<p:sldLayout xmlns:a="http://schemas.openxmlformats.org/drawingml/2006/main" xmlns:r="http://schemas.openxmlformats.org/officeDocument/2006/relationships" xmlns:p="http://schemas.openxmlformats.org/presentationml/2006/main" preserve="1">
+  <p:cSld name="Panoramic Picture with Caption">
+    <p:spTree>
+      <p:nvGrpSpPr>
+        <p:cNvPr id="1" name=""/>
+        <p:cNvGrpSpPr/>
+        <p:nvPr/>
+      </p:nvGrpSpPr>
+      <p:grpSpPr>
+        <a:xfrm>
+          <a:off x="0" y="0"/>
+          <a:ext cx="0" cy="0"/>
+          <a:chOff x="0" y="0"/>
+          <a:chExt cx="0" cy="0"/>
+        </a:xfrm>
+      </p:grpSpPr>
+      <p:sp>
+        <p:nvSpPr>
+          <p:cNvPr id="2" name="Title 1"/>
+          <p:cNvSpPr>
+            <a:spLocks noGrp="1"/>
+          </p:cNvSpPr>
+          <p:nvPr>
+            <p:ph type="title"/>
+          </p:nvPr>
+        </p:nvSpPr>
+        <p:spPr>
+          <a:xfrm>
+            <a:off x="1141413" y="4732865"/>
+            <a:ext cx="9906000" cy="566738"/>
+          </a:xfrm>
+        </p:spPr>
+        <p:txBody>
+          <a:bodyPr anchor="b">
+            <a:normAutofit/>
+          </a:bodyPr>
+          <a:lstStyle>
+            <a:lvl1pPr algn="l">
+              <a:defRPr sz="2400" b="0"/>
+            </a:lvl1pPr>
+          </a:lstStyle>
+          <a:p>
+            <a:r>
+              <a:rPr lang="en-US" smtClean="0"/>
+              <a:t>Click to edit Master title style</a:t>
+            </a:r>
+            <a:endParaRPr lang="en-US" dirty="0"/>
+          </a:p>
+        </p:txBody>
+      </p:sp>
+      <p:sp>
+        <p:nvSpPr>
+          <p:cNvPr id="3" name="Picture Placeholder 2"/>
+          <p:cNvSpPr>
+            <a:spLocks noGrp="1" noChangeAspect="1"/>
+          </p:cNvSpPr>
+          <p:nvPr>
+            <p:ph type="pic" idx="1"/>
+          </p:nvPr>
+        </p:nvSpPr>
+        <p:spPr>
+          <a:xfrm>
+            <a:off x="1979612" y="932112"/>
+            <a:ext cx="8225944" cy="3164976"/>
+          </a:xfrm>
+          <a:prstGeom prst="roundRect">
+            <a:avLst>
+              <a:gd name="adj" fmla="val 4380"/>
+            </a:avLst>
+          </a:prstGeom>
+          <a:ln w="38100">
+            <a:gradFill flip="none" rotWithShape="1">
+              <a:gsLst>
+                <a:gs pos="0">
+                  <a:schemeClr val="bg2"/>
+                </a:gs>
+                <a:gs pos="100000">
+                  <a:schemeClr val="bg2">
+                    <a:lumMod val="75000"/>
+                  </a:schemeClr>
+                </a:gs>
+              </a:gsLst>
+              <a:lin ang="5400000" scaled="0"/>
+              <a:tileRect/>
+            </a:gradFill>
+          </a:ln>
+          <a:effectLst>
+            <a:innerShdw blurRad="57150" dist="38100" dir="14460000">
+              <a:srgbClr val="000000">
+                <a:alpha val="70000"/>
+              </a:srgbClr>
+            </a:innerShdw>
+          </a:effectLst>
+        </p:spPr>
+        <p:txBody>
+          <a:bodyPr anchor="t">
+            <a:normAutofit/>
+          </a:bodyPr>
+          <a:lstStyle>
+            <a:lvl1pPr marL="0" indent="0" algn="ctr">
+              <a:buNone/>
+              <a:defRPr sz="1600"/>
+            </a:lvl1pPr>
+            <a:lvl2pPr marL="457200" indent="0">
+              <a:buNone/>
+              <a:defRPr sz="1600"/>
+            </a:lvl2pPr>
+            <a:lvl3pPr marL="914400" indent="0">
+              <a:buNone/>
+              <a:defRPr sz="1600"/>
+            </a:lvl3pPr>
+            <a:lvl4pPr marL="1371600" indent="0">
+              <a:buNone/>
+              <a:defRPr sz="1600"/>
+            </a:lvl4pPr>
+            <a:lvl5pPr marL="1828800" indent="0">
+              <a:buNone/>
+              <a:defRPr sz="1600"/>
+            </a:lvl5pPr>
+            <a:lvl6pPr marL="2286000" indent="0">
+              <a:buNone/>
+              <a:defRPr sz="1600"/>
+            </a:lvl6pPr>
+            <a:lvl7pPr marL="2743200" indent="0">
+              <a:buNone/>
+              <a:defRPr sz="1600"/>
+            </a:lvl7pPr>
+            <a:lvl8pPr marL="3200400" indent="0">
+              <a:buNone/>
+              <a:defRPr sz="1600"/>
+            </a:lvl8pPr>
+            <a:lvl9pPr marL="3657600" indent="0">
+              <a:buNone/>
+              <a:defRPr sz="1600"/>
+            </a:lvl9pPr>
+          </a:lstStyle>
+          <a:p>
+            <a:r>
+              <a:rPr lang="en-US" smtClean="0"/>
+              <a:t>Click icon to add picture</a:t>
+            </a:r>
+            <a:endParaRPr lang="en-US" dirty="0"/>
+          </a:p>
+        </p:txBody>
+      </p:sp>
+      <p:sp>
+        <p:nvSpPr>
+          <p:cNvPr id="4" name="Text Placeholder 3"/>
+          <p:cNvSpPr>
+            <a:spLocks noGrp="1"/>
+          </p:cNvSpPr>
+          <p:nvPr>
+            <p:ph type="body" sz="half" idx="2"/>
+          </p:nvPr>
+        </p:nvSpPr>
+        <p:spPr>
+          <a:xfrm>
+            <a:off x="1141413" y="5299603"/>
+            <a:ext cx="9906000" cy="493712"/>
+          </a:xfrm>
+        </p:spPr>
+        <p:txBody>
+          <a:bodyPr>
+            <a:normAutofit/>
+          </a:bodyPr>
+          <a:lstStyle>
+            <a:lvl1pPr marL="0" indent="0">
+              <a:buNone/>
+              <a:defRPr sz="1400"/>
+            </a:lvl1pPr>
+            <a:lvl2pPr marL="457200" indent="0">
+              <a:buNone/>
+              <a:defRPr sz="1200"/>
+            </a:lvl2pPr>
+            <a:lvl3pPr marL="914400" indent="0">
+              <a:buNone/>
+              <a:defRPr sz="1000"/>
+            </a:lvl3pPr>
+            <a:lvl4pPr marL="1371600" indent="0">
+              <a:buNone/>
+              <a:defRPr sz="900"/>
+            </a:lvl4pPr>
+            <a:lvl5pPr marL="1828800" indent="0">
+              <a:buNone/>
+              <a:defRPr sz="900"/>
+            </a:lvl5pPr>
+            <a:lvl6pPr marL="2286000" indent="0">
+              <a:buNone/>
+              <a:defRPr sz="900"/>
+            </a:lvl6pPr>
+            <a:lvl7pPr marL="2743200" indent="0">
+              <a:buNone/>
+              <a:defRPr sz="900"/>
+            </a:lvl7pPr>
+            <a:lvl8pPr marL="3200400" indent="0">
+              <a:buNone/>
+              <a:defRPr sz="900"/>
+            </a:lvl8pPr>
+            <a:lvl9pPr marL="3657600" indent="0">
+              <a:buNone/>
+              <a:defRPr sz="900"/>
+            </a:lvl9pPr>
+          </a:lstStyle>
+          <a:p>
+            <a:pPr lvl="0"/>
+            <a:r>
+              <a:rPr lang="en-US" smtClean="0"/>
+              <a:t>Click to edit Master text styles</a:t>
+            </a:r>
+          </a:p>
+        </p:txBody>
+      </p:sp>
+      <p:sp>
+        <p:nvSpPr>
+          <p:cNvPr id="5" name="Date Placeholder 4"/>
+          <p:cNvSpPr>
+            <a:spLocks noGrp="1"/>
+          </p:cNvSpPr>
+          <p:nvPr>
+            <p:ph type="dt" sz="half" idx="10"/>
+          </p:nvPr>
+        </p:nvSpPr>
+        <p:spPr/>
+        <p:txBody>
+          <a:bodyPr/>
+          <a:lstStyle/>
+          <a:p>
+            <a:fld id="{012E2821-CEEE-4C36-9372-C58F838928D9}" type="datetimeFigureOut">
+              <a:rPr lang="en-US" smtClean="0"/>
+              <a:t>12/5/2015</a:t>
+            </a:fld>
+            <a:endParaRPr lang="en-US"/>
+          </a:p>
+        </p:txBody>
+      </p:sp>
+      <p:sp>
+        <p:nvSpPr>
+          <p:cNvPr id="6" name="Footer Placeholder 5"/>
+          <p:cNvSpPr>
+            <a:spLocks noGrp="1"/>
+          </p:cNvSpPr>
+          <p:nvPr>
+            <p:ph type="ftr" sz="quarter" idx="11"/>
+          </p:nvPr>
+        </p:nvSpPr>
+        <p:spPr/>
+        <p:txBody>
+          <a:bodyPr/>
+          <a:lstStyle/>
+          <a:p>
+            <a:endParaRPr lang="en-US"/>
+          </a:p>
+        </p:txBody>
+      </p:sp>
+      <p:sp>
+        <p:nvSpPr>
+          <p:cNvPr id="7" name="Slide Number Placeholder 6"/>
+          <p:cNvSpPr>
+            <a:spLocks noGrp="1"/>
+          </p:cNvSpPr>
+          <p:nvPr>
+            <p:ph type="sldNum" sz="quarter" idx="12"/>
+          </p:nvPr>
+        </p:nvSpPr>
+        <p:spPr/>
+        <p:txBody>
+          <a:bodyPr/>
+          <a:lstStyle/>
+          <a:p>
+            <a:fld id="{E04AC5AB-6409-4E1B-BAED-244F754D288F}" type="slidenum">
+              <a:rPr lang="en-US" smtClean="0"/>
+              <a:t>‹#›</a:t>
+            </a:fld>
+            <a:endParaRPr lang="en-US"/>
+          </a:p>
+        </p:txBody>
+      </p:sp>
+    </p:spTree>
+    <p:extLst>
+      <p:ext uri="{BB962C8B-B14F-4D97-AF65-F5344CB8AC3E}">
+        <p14:creationId xmlns:p14="http://schemas.microsoft.com/office/powerpoint/2010/main" val="71284375"/>
+      </p:ext>
+    </p:extLst>
+  </p:cSld>
+  <p:clrMapOvr>
+    <a:masterClrMapping/>
+  </p:clrMapOvr>
+</p:sldLayout>
+</file>
+
+<file path=ppt/slideLayouts/slideLayout11.xml><?xml version="1.0" encoding="utf-8"?>
+<p:sldLayout xmlns:a="http://schemas.openxmlformats.org/drawingml/2006/main" xmlns:r="http://schemas.openxmlformats.org/officeDocument/2006/relationships" xmlns:p="http://schemas.openxmlformats.org/presentationml/2006/main" preserve="1">
+  <p:cSld name="Title and Caption">
+    <p:spTree>
+      <p:nvGrpSpPr>
+        <p:cNvPr id="1" name=""/>
+        <p:cNvGrpSpPr/>
+        <p:nvPr/>
+      </p:nvGrpSpPr>
+      <p:grpSpPr>
+        <a:xfrm>
+          <a:off x="0" y="0"/>
+          <a:ext cx="0" cy="0"/>
+          <a:chOff x="0" y="0"/>
+          <a:chExt cx="0" cy="0"/>
+        </a:xfrm>
+      </p:grpSpPr>
+      <p:sp>
+        <p:nvSpPr>
+          <p:cNvPr id="2" name="Title 1"/>
+          <p:cNvSpPr>
+            <a:spLocks noGrp="1"/>
+          </p:cNvSpPr>
+          <p:nvPr>
+            <p:ph type="title"/>
+          </p:nvPr>
+        </p:nvSpPr>
+        <p:spPr>
+          <a:xfrm>
+            <a:off x="1141412" y="609601"/>
+            <a:ext cx="9905999" cy="3124199"/>
+          </a:xfrm>
+        </p:spPr>
+        <p:txBody>
+          <a:bodyPr anchor="ctr">
+            <a:normAutofit/>
+          </a:bodyPr>
+          <a:lstStyle>
+            <a:lvl1pPr algn="l">
+              <a:defRPr sz="3200" b="0" cap="all"/>
+            </a:lvl1pPr>
+          </a:lstStyle>
+          <a:p>
+            <a:r>
+              <a:rPr lang="en-US" smtClean="0"/>
+              <a:t>Click to edit Master title style</a:t>
+            </a:r>
+            <a:endParaRPr lang="en-US" dirty="0"/>
+          </a:p>
+        </p:txBody>
+      </p:sp>
+      <p:sp>
+        <p:nvSpPr>
+          <p:cNvPr id="3" name="Text Placeholder 2"/>
+          <p:cNvSpPr>
+            <a:spLocks noGrp="1"/>
+          </p:cNvSpPr>
+          <p:nvPr>
+            <p:ph type="body" idx="1"/>
+          </p:nvPr>
+        </p:nvSpPr>
+        <p:spPr>
+          <a:xfrm>
+            <a:off x="1141411" y="4343400"/>
+            <a:ext cx="9906000" cy="1447800"/>
+          </a:xfrm>
+        </p:spPr>
+        <p:txBody>
+          <a:bodyPr anchor="ctr">
+            <a:normAutofit/>
+          </a:bodyPr>
+          <a:lstStyle>
+            <a:lvl1pPr marL="0" indent="0" algn="l">
+              <a:buNone/>
+              <a:defRPr sz="2000">
+                <a:gradFill flip="none" rotWithShape="1">
+                  <a:gsLst>
+                    <a:gs pos="0">
+                      <a:schemeClr val="tx1"/>
+                    </a:gs>
+                    <a:gs pos="100000">
+                      <a:schemeClr val="tx1">
+                        <a:lumMod val="75000"/>
+                      </a:schemeClr>
+                    </a:gs>
+                  </a:gsLst>
+                  <a:lin ang="5400000" scaled="0"/>
+                  <a:tileRect/>
+                </a:gradFill>
+              </a:defRPr>
+            </a:lvl1pPr>
+            <a:lvl2pPr marL="457200" indent="0">
+              <a:buNone/>
+              <a:defRPr sz="1800">
+                <a:solidFill>
+                  <a:schemeClr val="tx1">
+                    <a:tint val="75000"/>
+                  </a:schemeClr>
+                </a:solidFill>
+              </a:defRPr>
+            </a:lvl2pPr>
+            <a:lvl3pPr marL="914400" indent="0">
+              <a:buNone/>
+              <a:defRPr sz="1600">
+                <a:solidFill>
+                  <a:schemeClr val="tx1">
+                    <a:tint val="75000"/>
+                  </a:schemeClr>
+                </a:solidFill>
+              </a:defRPr>
+            </a:lvl3pPr>
+            <a:lvl4pPr marL="1371600" indent="0">
+              <a:buNone/>
+              <a:defRPr sz="1400">
+                <a:solidFill>
+                  <a:schemeClr val="tx1">
+                    <a:tint val="75000"/>
+                  </a:schemeClr>
+                </a:solidFill>
+              </a:defRPr>
+            </a:lvl4pPr>
+            <a:lvl5pPr marL="1828800" indent="0">
+              <a:buNone/>
+              <a:defRPr sz="1400">
+                <a:solidFill>
+                  <a:schemeClr val="tx1">
+                    <a:tint val="75000"/>
+                  </a:schemeClr>
+                </a:solidFill>
+              </a:defRPr>
+            </a:lvl5pPr>
+            <a:lvl6pPr marL="2286000" indent="0">
+              <a:buNone/>
+              <a:defRPr sz="1400">
+                <a:solidFill>
+                  <a:schemeClr val="tx1">
+                    <a:tint val="75000"/>
+                  </a:schemeClr>
+                </a:solidFill>
+              </a:defRPr>
+            </a:lvl6pPr>
+            <a:lvl7pPr marL="2743200" indent="0">
+              <a:buNone/>
+              <a:defRPr sz="1400">
+                <a:solidFill>
+                  <a:schemeClr val="tx1">
+                    <a:tint val="75000"/>
+                  </a:schemeClr>
+                </a:solidFill>
+              </a:defRPr>
+            </a:lvl7pPr>
+            <a:lvl8pPr marL="3200400" indent="0">
+              <a:buNone/>
+              <a:defRPr sz="1400">
+                <a:solidFill>
+                  <a:schemeClr val="tx1">
+                    <a:tint val="75000"/>
+                  </a:schemeClr>
+                </a:solidFill>
+              </a:defRPr>
+            </a:lvl8pPr>
+            <a:lvl9pPr marL="3657600" indent="0">
+              <a:buNone/>
+              <a:defRPr sz="1400">
+                <a:solidFill>
+                  <a:schemeClr val="tx1">
+                    <a:tint val="75000"/>
+                  </a:schemeClr>
+                </a:solidFill>
+              </a:defRPr>
+            </a:lvl9pPr>
+          </a:lstStyle>
+          <a:p>
+            <a:pPr lvl="0"/>
+            <a:r>
+              <a:rPr lang="en-US" smtClean="0"/>
+              <a:t>Click to edit Master text styles</a:t>
+            </a:r>
+          </a:p>
+        </p:txBody>
+      </p:sp>
+      <p:sp>
+        <p:nvSpPr>
+          <p:cNvPr id="4" name="Date Placeholder 3"/>
+          <p:cNvSpPr>
+            <a:spLocks noGrp="1"/>
+          </p:cNvSpPr>
+          <p:nvPr>
+            <p:ph type="dt" sz="half" idx="10"/>
+          </p:nvPr>
+        </p:nvSpPr>
+        <p:spPr/>
+        <p:txBody>
+          <a:bodyPr/>
+          <a:lstStyle/>
+          <a:p>
+            <a:fld id="{012E2821-CEEE-4C36-9372-C58F838928D9}" type="datetimeFigureOut">
+              <a:rPr lang="en-US" smtClean="0"/>
+              <a:t>12/5/2015</a:t>
+            </a:fld>
+            <a:endParaRPr lang="en-US"/>
+          </a:p>
+        </p:txBody>
+      </p:sp>
+      <p:sp>
+        <p:nvSpPr>
+          <p:cNvPr id="5" name="Footer Placeholder 4"/>
+          <p:cNvSpPr>
+            <a:spLocks noGrp="1"/>
+          </p:cNvSpPr>
+          <p:nvPr>
+            <p:ph type="ftr" sz="quarter" idx="11"/>
+          </p:nvPr>
+        </p:nvSpPr>
+        <p:spPr/>
+        <p:txBody>
+          <a:bodyPr/>
+          <a:lstStyle/>
+          <a:p>
+            <a:endParaRPr lang="en-US"/>
+          </a:p>
+        </p:txBody>
+      </p:sp>
+      <p:sp>
+        <p:nvSpPr>
+          <p:cNvPr id="6" name="Slide Number Placeholder 5"/>
+          <p:cNvSpPr>
+            <a:spLocks noGrp="1"/>
+          </p:cNvSpPr>
+          <p:nvPr>
+            <p:ph type="sldNum" sz="quarter" idx="12"/>
+          </p:nvPr>
+        </p:nvSpPr>
+        <p:spPr/>
+        <p:txBody>
+          <a:bodyPr/>
+          <a:lstStyle/>
+          <a:p>
+            <a:fld id="{E04AC5AB-6409-4E1B-BAED-244F754D288F}" type="slidenum">
+              <a:rPr lang="en-US" smtClean="0"/>
+              <a:t>‹#›</a:t>
+            </a:fld>
+            <a:endParaRPr lang="en-US"/>
+          </a:p>
+        </p:txBody>
+      </p:sp>
+    </p:spTree>
+    <p:extLst>
+      <p:ext uri="{BB962C8B-B14F-4D97-AF65-F5344CB8AC3E}">
+        <p14:creationId xmlns:p14="http://schemas.microsoft.com/office/powerpoint/2010/main" val="3774634958"/>
+      </p:ext>
+    </p:extLst>
+  </p:cSld>
+  <p:clrMapOvr>
+    <a:masterClrMapping/>
+  </p:clrMapOvr>
+</p:sldLayout>
+</file>
+
+<file path=ppt/slideLayouts/slideLayout12.xml><?xml version="1.0" encoding="utf-8"?>
+<p:sldLayout xmlns:a="http://schemas.openxmlformats.org/drawingml/2006/main" xmlns:r="http://schemas.openxmlformats.org/officeDocument/2006/relationships" xmlns:p="http://schemas.openxmlformats.org/presentationml/2006/main" preserve="1">
+  <p:cSld name="Quote with Caption">
+    <p:spTree>
+      <p:nvGrpSpPr>
+        <p:cNvPr id="1" name=""/>
+        <p:cNvGrpSpPr/>
+        <p:nvPr/>
+      </p:nvGrpSpPr>
+      <p:grpSpPr>
+        <a:xfrm>
+          <a:off x="0" y="0"/>
+          <a:ext cx="0" cy="0"/>
+          <a:chOff x="0" y="0"/>
+          <a:chExt cx="0" cy="0"/>
+        </a:xfrm>
+      </p:grpSpPr>
+      <p:sp>
+        <p:nvSpPr>
+          <p:cNvPr id="14" name="TextBox 13"/>
+          <p:cNvSpPr txBox="1"/>
+          <p:nvPr/>
+        </p:nvSpPr>
+        <p:spPr>
+          <a:xfrm>
+            <a:off x="836612" y="786824"/>
+            <a:ext cx="609600" cy="584776"/>
+          </a:xfrm>
+          <a:prstGeom prst="rect">
+            <a:avLst/>
+          </a:prstGeom>
+        </p:spPr>
+        <p:txBody>
+          <a:bodyPr vert="horz" lIns="91440" tIns="45720" rIns="91440" bIns="45720" rtlCol="0" anchor="ctr">
+            <a:noAutofit/>
+          </a:bodyPr>
+          <a:lstStyle>
+            <a:lvl1pPr>
+              <a:spcBef>
+                <a:spcPct val="0"/>
+              </a:spcBef>
+              <a:buNone/>
+              <a:defRPr sz="3200" b="0" cap="all">
+                <a:ln w="3175" cmpd="sng">
+                  <a:noFill/>
+                </a:ln>
+                <a:effectLst>
+                  <a:glow rad="38100">
+                    <a:schemeClr val="bg1">
+                      <a:lumMod val="65000"/>
+                      <a:lumOff val="35000"/>
+                      <a:alpha val="40000"/>
+                    </a:schemeClr>
+                  </a:glow>
+                  <a:outerShdw blurRad="28575" dist="38100" dir="14040000" algn="tl" rotWithShape="0">
+                    <a:srgbClr val="000000">
+                      <a:alpha val="25000"/>
+                    </a:srgbClr>
+                  </a:outerShdw>
+                </a:effectLst>
+              </a:defRPr>
+            </a:lvl1pPr>
+            <a:lvl2pPr>
+              <a:defRPr>
+                <a:solidFill>
+                  <a:schemeClr val="tx2"/>
+                </a:solidFill>
+              </a:defRPr>
+            </a:lvl2pPr>
+            <a:lvl3pPr>
+              <a:defRPr>
+                <a:solidFill>
+                  <a:schemeClr val="tx2"/>
+                </a:solidFill>
+              </a:defRPr>
+            </a:lvl3pPr>
+            <a:lvl4pPr>
+              <a:defRPr>
+                <a:solidFill>
+                  <a:schemeClr val="tx2"/>
+                </a:solidFill>
+              </a:defRPr>
+            </a:lvl4pPr>
+            <a:lvl5pPr>
+              <a:defRPr>
+                <a:solidFill>
+                  <a:schemeClr val="tx2"/>
+                </a:solidFill>
+              </a:defRPr>
+            </a:lvl5pPr>
+            <a:lvl6pPr>
+              <a:defRPr>
+                <a:solidFill>
+                  <a:schemeClr val="tx2"/>
+                </a:solidFill>
+              </a:defRPr>
+            </a:lvl6pPr>
+            <a:lvl7pPr>
+              <a:defRPr>
+                <a:solidFill>
+                  <a:schemeClr val="tx2"/>
+                </a:solidFill>
+              </a:defRPr>
+            </a:lvl7pPr>
+            <a:lvl8pPr>
+              <a:defRPr>
+                <a:solidFill>
+                  <a:schemeClr val="tx2"/>
+                </a:solidFill>
+              </a:defRPr>
+            </a:lvl8pPr>
+            <a:lvl9pPr>
+              <a:defRPr>
+                <a:solidFill>
+                  <a:schemeClr val="tx2"/>
+                </a:solidFill>
+              </a:defRPr>
+            </a:lvl9pPr>
+          </a:lstStyle>
+          <a:p>
+            <a:pPr lvl="0"/>
+            <a:r>
+              <a:rPr lang="en-US" sz="8000" dirty="0">
+                <a:solidFill>
+                  <a:schemeClr val="accent1"/>
+                </a:solidFill>
+              </a:rPr>
+              <a:t>“</a:t>
+            </a:r>
+          </a:p>
+        </p:txBody>
+      </p:sp>
+      <p:sp>
+        <p:nvSpPr>
+          <p:cNvPr id="15" name="TextBox 14"/>
+          <p:cNvSpPr txBox="1"/>
+          <p:nvPr/>
+        </p:nvSpPr>
+        <p:spPr>
+          <a:xfrm>
+            <a:off x="10437812" y="2743200"/>
+            <a:ext cx="609600" cy="584776"/>
+          </a:xfrm>
+          <a:prstGeom prst="rect">
+            <a:avLst/>
+          </a:prstGeom>
+        </p:spPr>
+        <p:txBody>
+          <a:bodyPr vert="horz" lIns="91440" tIns="45720" rIns="91440" bIns="45720" rtlCol="0" anchor="ctr">
+            <a:noAutofit/>
+          </a:bodyPr>
+          <a:lstStyle>
+            <a:lvl1pPr>
+              <a:spcBef>
+                <a:spcPct val="0"/>
+              </a:spcBef>
+              <a:buNone/>
+              <a:defRPr sz="3200" b="0" cap="all">
+                <a:ln w="3175" cmpd="sng">
+                  <a:noFill/>
+                </a:ln>
+                <a:effectLst>
+                  <a:glow rad="38100">
+                    <a:schemeClr val="bg1">
+                      <a:lumMod val="65000"/>
+                      <a:lumOff val="35000"/>
+                      <a:alpha val="40000"/>
+                    </a:schemeClr>
+                  </a:glow>
+                  <a:outerShdw blurRad="28575" dist="38100" dir="14040000" algn="tl" rotWithShape="0">
+                    <a:srgbClr val="000000">
+                      <a:alpha val="25000"/>
+                    </a:srgbClr>
+                  </a:outerShdw>
+                </a:effectLst>
+              </a:defRPr>
+            </a:lvl1pPr>
+            <a:lvl2pPr>
+              <a:defRPr>
+                <a:solidFill>
+                  <a:schemeClr val="tx2"/>
+                </a:solidFill>
+              </a:defRPr>
+            </a:lvl2pPr>
+            <a:lvl3pPr>
+              <a:defRPr>
+                <a:solidFill>
+                  <a:schemeClr val="tx2"/>
+                </a:solidFill>
+              </a:defRPr>
+            </a:lvl3pPr>
+            <a:lvl4pPr>
+              <a:defRPr>
+                <a:solidFill>
+                  <a:schemeClr val="tx2"/>
+                </a:solidFill>
+              </a:defRPr>
+            </a:lvl4pPr>
+            <a:lvl5pPr>
+              <a:defRPr>
+                <a:solidFill>
+                  <a:schemeClr val="tx2"/>
+                </a:solidFill>
+              </a:defRPr>
+            </a:lvl5pPr>
+            <a:lvl6pPr>
+              <a:defRPr>
+                <a:solidFill>
+                  <a:schemeClr val="tx2"/>
+                </a:solidFill>
+              </a:defRPr>
+            </a:lvl6pPr>
+            <a:lvl7pPr>
+              <a:defRPr>
+                <a:solidFill>
+                  <a:schemeClr val="tx2"/>
+                </a:solidFill>
+              </a:defRPr>
+            </a:lvl7pPr>
+            <a:lvl8pPr>
+              <a:defRPr>
+                <a:solidFill>
+                  <a:schemeClr val="tx2"/>
+                </a:solidFill>
+              </a:defRPr>
+            </a:lvl8pPr>
+            <a:lvl9pPr>
+              <a:defRPr>
+                <a:solidFill>
+                  <a:schemeClr val="tx2"/>
+                </a:solidFill>
+              </a:defRPr>
+            </a:lvl9pPr>
+          </a:lstStyle>
+          <a:p>
+            <a:pPr lvl="0" algn="r"/>
+            <a:r>
+              <a:rPr lang="en-US" sz="8000" dirty="0">
+                <a:solidFill>
+                  <a:schemeClr val="accent1"/>
+                </a:solidFill>
+              </a:rPr>
+              <a:t>”</a:t>
+            </a:r>
+          </a:p>
+        </p:txBody>
+      </p:sp>
+      <p:sp>
+        <p:nvSpPr>
+          <p:cNvPr id="2" name="Title 1"/>
+          <p:cNvSpPr>
+            <a:spLocks noGrp="1"/>
+          </p:cNvSpPr>
+          <p:nvPr>
+            <p:ph type="title"/>
+          </p:nvPr>
+        </p:nvSpPr>
+        <p:spPr>
+          <a:xfrm>
+            <a:off x="1446213" y="609601"/>
+            <a:ext cx="9296398" cy="2743199"/>
+          </a:xfrm>
+        </p:spPr>
+        <p:txBody>
+          <a:bodyPr anchor="ctr">
+            <a:normAutofit/>
+          </a:bodyPr>
+          <a:lstStyle>
+            <a:lvl1pPr algn="l">
+              <a:defRPr sz="3200" b="0" cap="all">
+                <a:solidFill>
+                  <a:schemeClr val="tx1"/>
+                </a:solidFill>
+              </a:defRPr>
+            </a:lvl1pPr>
+          </a:lstStyle>
+          <a:p>
+            <a:r>
+              <a:rPr lang="en-US" smtClean="0"/>
+              <a:t>Click to edit Master title style</a:t>
+            </a:r>
+            <a:endParaRPr lang="en-US" dirty="0"/>
+          </a:p>
+        </p:txBody>
+      </p:sp>
+      <p:sp>
+        <p:nvSpPr>
+          <p:cNvPr id="10" name="Text Placeholder 9"/>
+          <p:cNvSpPr>
+            <a:spLocks noGrp="1"/>
+          </p:cNvSpPr>
+          <p:nvPr>
+            <p:ph type="body" sz="quarter" idx="13"/>
+          </p:nvPr>
+        </p:nvSpPr>
+        <p:spPr>
+          <a:xfrm>
+            <a:off x="1674812" y="3352800"/>
+            <a:ext cx="8839202" cy="381000"/>
+          </a:xfrm>
+        </p:spPr>
+        <p:txBody>
+          <a:bodyPr anchor="ctr"/>
+          <a:lstStyle>
+            <a:lvl1pPr marL="0" indent="0">
+              <a:buFontTx/>
+              <a:buNone/>
+              <a:defRPr/>
+            </a:lvl1pPr>
+            <a:lvl2pPr marL="457200" indent="0">
+              <a:buFontTx/>
+              <a:buNone/>
+              <a:defRPr/>
+            </a:lvl2pPr>
+            <a:lvl3pPr marL="914400" indent="0">
+              <a:buFontTx/>
+              <a:buNone/>
+              <a:defRPr/>
+            </a:lvl3pPr>
+            <a:lvl4pPr marL="1371600" indent="0">
+              <a:buFontTx/>
+              <a:buNone/>
+              <a:defRPr/>
+            </a:lvl4pPr>
+            <a:lvl5pPr marL="1828800" indent="0">
+              <a:buFontTx/>
+              <a:buNone/>
+              <a:defRPr/>
+            </a:lvl5pPr>
+          </a:lstStyle>
+          <a:p>
+            <a:pPr lvl="0"/>
+            <a:r>
+              <a:rPr lang="en-US" smtClean="0"/>
+              <a:t>Click to edit Master text styles</a:t>
+            </a:r>
+          </a:p>
+        </p:txBody>
+      </p:sp>
+      <p:sp>
+        <p:nvSpPr>
+          <p:cNvPr id="3" name="Text Placeholder 2"/>
+          <p:cNvSpPr>
+            <a:spLocks noGrp="1"/>
+          </p:cNvSpPr>
+          <p:nvPr>
+            <p:ph type="body" idx="1"/>
+          </p:nvPr>
+        </p:nvSpPr>
+        <p:spPr>
+          <a:xfrm>
+            <a:off x="1141411" y="4343400"/>
+            <a:ext cx="9906000" cy="1447800"/>
+          </a:xfrm>
+        </p:spPr>
+        <p:txBody>
+          <a:bodyPr vert="horz" lIns="91440" tIns="45720" rIns="91440" bIns="45720" rtlCol="0" anchor="ctr">
+            <a:normAutofit/>
+          </a:bodyPr>
+          <a:lstStyle>
+            <a:lvl1pPr>
+              <a:buNone/>
+              <a:defRPr lang="en-US" sz="2000">
+                <a:gradFill flip="none" rotWithShape="1">
+                  <a:gsLst>
+                    <a:gs pos="0">
+                      <a:schemeClr val="tx1"/>
+                    </a:gs>
+                    <a:gs pos="100000">
+                      <a:schemeClr val="tx1">
+                        <a:lumMod val="75000"/>
+                      </a:schemeClr>
+                    </a:gs>
+                  </a:gsLst>
+                  <a:lin ang="5400000" scaled="0"/>
+                  <a:tileRect/>
+                </a:gradFill>
+              </a:defRPr>
+            </a:lvl1pPr>
+          </a:lstStyle>
+          <a:p>
+            <a:pPr marL="0" lvl="0" indent="0">
+              <a:buNone/>
+            </a:pPr>
+            <a:r>
+              <a:rPr lang="en-US" smtClean="0"/>
+              <a:t>Click to edit Master text styles</a:t>
+            </a:r>
+          </a:p>
+        </p:txBody>
+      </p:sp>
+      <p:sp>
+        <p:nvSpPr>
+          <p:cNvPr id="4" name="Date Placeholder 3"/>
+          <p:cNvSpPr>
+            <a:spLocks noGrp="1"/>
+          </p:cNvSpPr>
+          <p:nvPr>
+            <p:ph type="dt" sz="half" idx="10"/>
+          </p:nvPr>
+        </p:nvSpPr>
+        <p:spPr/>
+        <p:txBody>
+          <a:bodyPr/>
+          <a:lstStyle/>
+          <a:p>
+            <a:fld id="{012E2821-CEEE-4C36-9372-C58F838928D9}" type="datetimeFigureOut">
+              <a:rPr lang="en-US" smtClean="0"/>
+              <a:t>12/5/2015</a:t>
+            </a:fld>
+            <a:endParaRPr lang="en-US"/>
+          </a:p>
+        </p:txBody>
+      </p:sp>
+      <p:sp>
+        <p:nvSpPr>
+          <p:cNvPr id="5" name="Footer Placeholder 4"/>
+          <p:cNvSpPr>
+            <a:spLocks noGrp="1"/>
+          </p:cNvSpPr>
+          <p:nvPr>
+            <p:ph type="ftr" sz="quarter" idx="11"/>
+          </p:nvPr>
+        </p:nvSpPr>
+        <p:spPr/>
+        <p:txBody>
+          <a:bodyPr/>
+          <a:lstStyle/>
+          <a:p>
+            <a:endParaRPr lang="en-US"/>
+          </a:p>
+        </p:txBody>
+      </p:sp>
+      <p:sp>
+        <p:nvSpPr>
+          <p:cNvPr id="6" name="Slide Number Placeholder 5"/>
+          <p:cNvSpPr>
+            <a:spLocks noGrp="1"/>
+          </p:cNvSpPr>
+          <p:nvPr>
+            <p:ph type="sldNum" sz="quarter" idx="12"/>
+          </p:nvPr>
+        </p:nvSpPr>
+        <p:spPr/>
+        <p:txBody>
+          <a:bodyPr/>
+          <a:lstStyle/>
+          <a:p>
+            <a:fld id="{E04AC5AB-6409-4E1B-BAED-244F754D288F}" type="slidenum">
+              <a:rPr lang="en-US" smtClean="0"/>
+              <a:t>‹#›</a:t>
+            </a:fld>
+            <a:endParaRPr lang="en-US"/>
+          </a:p>
+        </p:txBody>
+      </p:sp>
+    </p:spTree>
+    <p:extLst>
+      <p:ext uri="{BB962C8B-B14F-4D97-AF65-F5344CB8AC3E}">
+        <p14:creationId xmlns:p14="http://schemas.microsoft.com/office/powerpoint/2010/main" val="967130818"/>
+      </p:ext>
+    </p:extLst>
+  </p:cSld>
+  <p:clrMapOvr>
+    <a:masterClrMapping/>
+  </p:clrMapOvr>
+</p:sldLayout>
+</file>
+
+<file path=ppt/slideLayouts/slideLayout13.xml><?xml version="1.0" encoding="utf-8"?>
+<p:sldLayout xmlns:a="http://schemas.openxmlformats.org/drawingml/2006/main" xmlns:r="http://schemas.openxmlformats.org/officeDocument/2006/relationships" xmlns:p="http://schemas.openxmlformats.org/presentationml/2006/main" preserve="1">
+  <p:cSld name="Name Card">
+    <p:spTree>
+      <p:nvGrpSpPr>
+        <p:cNvPr id="1" name=""/>
+        <p:cNvGrpSpPr/>
+        <p:nvPr/>
+      </p:nvGrpSpPr>
+      <p:grpSpPr>
+        <a:xfrm>
+          <a:off x="0" y="0"/>
+          <a:ext cx="0" cy="0"/>
+          <a:chOff x="0" y="0"/>
+          <a:chExt cx="0" cy="0"/>
+        </a:xfrm>
+      </p:grpSpPr>
+      <p:sp>
+        <p:nvSpPr>
+          <p:cNvPr id="2" name="Title 1"/>
+          <p:cNvSpPr>
+            <a:spLocks noGrp="1"/>
+          </p:cNvSpPr>
+          <p:nvPr>
+            <p:ph type="title"/>
+          </p:nvPr>
+        </p:nvSpPr>
+        <p:spPr>
+          <a:xfrm>
+            <a:off x="1141412" y="3308581"/>
+            <a:ext cx="9906000" cy="1468800"/>
+          </a:xfrm>
+        </p:spPr>
+        <p:txBody>
+          <a:bodyPr anchor="b">
+            <a:normAutofit/>
+          </a:bodyPr>
+          <a:lstStyle>
+            <a:lvl1pPr algn="l">
+              <a:defRPr sz="3200" b="0" cap="all"/>
+            </a:lvl1pPr>
+          </a:lstStyle>
+          <a:p>
+            <a:r>
+              <a:rPr lang="en-US" smtClean="0"/>
+              <a:t>Click to edit Master title style</a:t>
+            </a:r>
+            <a:endParaRPr lang="en-US" dirty="0"/>
+          </a:p>
+        </p:txBody>
+      </p:sp>
+      <p:sp>
+        <p:nvSpPr>
+          <p:cNvPr id="3" name="Text Placeholder 2"/>
+          <p:cNvSpPr>
+            <a:spLocks noGrp="1"/>
+          </p:cNvSpPr>
+          <p:nvPr>
+            <p:ph type="body" idx="1"/>
+          </p:nvPr>
+        </p:nvSpPr>
+        <p:spPr>
+          <a:xfrm>
+            <a:off x="1141410" y="4777381"/>
+            <a:ext cx="9906001" cy="860400"/>
+          </a:xfrm>
+        </p:spPr>
+        <p:txBody>
+          <a:bodyPr vert="horz" lIns="91440" tIns="45720" rIns="91440" bIns="45720" rtlCol="0" anchor="t">
+            <a:normAutofit/>
+          </a:bodyPr>
+          <a:lstStyle>
+            <a:lvl1pPr>
+              <a:defRPr lang="en-US" sz="2000">
+                <a:gradFill flip="none" rotWithShape="1">
+                  <a:gsLst>
+                    <a:gs pos="0">
+                      <a:schemeClr val="tx1"/>
+                    </a:gs>
+                    <a:gs pos="100000">
+                      <a:schemeClr val="tx1">
+                        <a:lumMod val="75000"/>
+                      </a:schemeClr>
+                    </a:gs>
+                  </a:gsLst>
+                  <a:lin ang="5400000" scaled="0"/>
+                  <a:tileRect/>
+                </a:gradFill>
+              </a:defRPr>
+            </a:lvl1pPr>
+          </a:lstStyle>
+          <a:p>
+            <a:pPr marL="0" lvl="0" indent="0">
+              <a:buNone/>
+            </a:pPr>
+            <a:r>
+              <a:rPr lang="en-US" smtClean="0"/>
+              <a:t>Click to edit Master text styles</a:t>
+            </a:r>
+          </a:p>
+        </p:txBody>
+      </p:sp>
+      <p:sp>
+        <p:nvSpPr>
+          <p:cNvPr id="4" name="Date Placeholder 3"/>
+          <p:cNvSpPr>
+            <a:spLocks noGrp="1"/>
+          </p:cNvSpPr>
+          <p:nvPr>
+            <p:ph type="dt" sz="half" idx="10"/>
+          </p:nvPr>
+        </p:nvSpPr>
+        <p:spPr/>
+        <p:txBody>
+          <a:bodyPr/>
+          <a:lstStyle/>
+          <a:p>
+            <a:fld id="{012E2821-CEEE-4C36-9372-C58F838928D9}" type="datetimeFigureOut">
+              <a:rPr lang="en-US" smtClean="0"/>
+              <a:t>12/5/2015</a:t>
+            </a:fld>
+            <a:endParaRPr lang="en-US"/>
+          </a:p>
+        </p:txBody>
+      </p:sp>
+      <p:sp>
+        <p:nvSpPr>
+          <p:cNvPr id="5" name="Footer Placeholder 4"/>
+          <p:cNvSpPr>
+            <a:spLocks noGrp="1"/>
+          </p:cNvSpPr>
+          <p:nvPr>
+            <p:ph type="ftr" sz="quarter" idx="11"/>
+          </p:nvPr>
+        </p:nvSpPr>
+        <p:spPr/>
+        <p:txBody>
+          <a:bodyPr/>
+          <a:lstStyle/>
+          <a:p>
+            <a:endParaRPr lang="en-US"/>
+          </a:p>
+        </p:txBody>
+      </p:sp>
+      <p:sp>
+        <p:nvSpPr>
+          <p:cNvPr id="6" name="Slide Number Placeholder 5"/>
+          <p:cNvSpPr>
+            <a:spLocks noGrp="1"/>
+          </p:cNvSpPr>
+          <p:nvPr>
+            <p:ph type="sldNum" sz="quarter" idx="12"/>
+          </p:nvPr>
+        </p:nvSpPr>
+        <p:spPr/>
+        <p:txBody>
+          <a:bodyPr/>
+          <a:lstStyle/>
+          <a:p>
+            <a:fld id="{E04AC5AB-6409-4E1B-BAED-244F754D288F}" type="slidenum">
+              <a:rPr lang="en-US" smtClean="0"/>
+              <a:t>‹#›</a:t>
+            </a:fld>
+            <a:endParaRPr lang="en-US"/>
+          </a:p>
+        </p:txBody>
+      </p:sp>
+    </p:spTree>
+    <p:extLst>
+      <p:ext uri="{BB962C8B-B14F-4D97-AF65-F5344CB8AC3E}">
+        <p14:creationId xmlns:p14="http://schemas.microsoft.com/office/powerpoint/2010/main" val="812802041"/>
+      </p:ext>
+    </p:extLst>
+  </p:cSld>
+  <p:clrMapOvr>
+    <a:masterClrMapping/>
+  </p:clrMapOvr>
+</p:sldLayout>
+</file>
+
+<file path=ppt/slideLayouts/slideLayout14.xml><?xml version="1.0" encoding="utf-8"?>
+<p:sldLayout xmlns:a="http://schemas.openxmlformats.org/drawingml/2006/main" xmlns:r="http://schemas.openxmlformats.org/officeDocument/2006/relationships" xmlns:p="http://schemas.openxmlformats.org/presentationml/2006/main" preserve="1">
+  <p:cSld name="Quote Name Card">
+    <p:spTree>
+      <p:nvGrpSpPr>
+        <p:cNvPr id="1" name=""/>
+        <p:cNvGrpSpPr/>
+        <p:nvPr/>
+      </p:nvGrpSpPr>
+      <p:grpSpPr>
+        <a:xfrm>
+          <a:off x="0" y="0"/>
+          <a:ext cx="0" cy="0"/>
+          <a:chOff x="0" y="0"/>
+          <a:chExt cx="0" cy="0"/>
+        </a:xfrm>
+      </p:grpSpPr>
+      <p:sp>
+        <p:nvSpPr>
+          <p:cNvPr id="14" name="TextBox 13"/>
+          <p:cNvSpPr txBox="1"/>
+          <p:nvPr/>
+        </p:nvSpPr>
+        <p:spPr>
+          <a:xfrm>
+            <a:off x="836612" y="786824"/>
+            <a:ext cx="609600" cy="584776"/>
+          </a:xfrm>
+          <a:prstGeom prst="rect">
+            <a:avLst/>
+          </a:prstGeom>
+        </p:spPr>
+        <p:txBody>
+          <a:bodyPr vert="horz" lIns="91440" tIns="45720" rIns="91440" bIns="45720" rtlCol="0" anchor="ctr">
+            <a:noAutofit/>
+          </a:bodyPr>
+          <a:lstStyle>
+            <a:lvl1pPr>
+              <a:spcBef>
+                <a:spcPct val="0"/>
+              </a:spcBef>
+              <a:buNone/>
+              <a:defRPr sz="3200" b="0" cap="all">
+                <a:ln w="3175" cmpd="sng">
+                  <a:noFill/>
+                </a:ln>
+                <a:effectLst>
+                  <a:glow rad="38100">
+                    <a:schemeClr val="bg1">
+                      <a:lumMod val="65000"/>
+                      <a:lumOff val="35000"/>
+                      <a:alpha val="40000"/>
+                    </a:schemeClr>
+                  </a:glow>
+                  <a:outerShdw blurRad="28575" dist="38100" dir="14040000" algn="tl" rotWithShape="0">
+                    <a:srgbClr val="000000">
+                      <a:alpha val="25000"/>
+                    </a:srgbClr>
+                  </a:outerShdw>
+                </a:effectLst>
+              </a:defRPr>
+            </a:lvl1pPr>
+            <a:lvl2pPr>
+              <a:defRPr>
+                <a:solidFill>
+                  <a:schemeClr val="tx2"/>
+                </a:solidFill>
+              </a:defRPr>
+            </a:lvl2pPr>
+            <a:lvl3pPr>
+              <a:defRPr>
+                <a:solidFill>
+                  <a:schemeClr val="tx2"/>
+                </a:solidFill>
+              </a:defRPr>
+            </a:lvl3pPr>
+            <a:lvl4pPr>
+              <a:defRPr>
+                <a:solidFill>
+                  <a:schemeClr val="tx2"/>
+                </a:solidFill>
+              </a:defRPr>
+            </a:lvl4pPr>
+            <a:lvl5pPr>
+              <a:defRPr>
+                <a:solidFill>
+                  <a:schemeClr val="tx2"/>
+                </a:solidFill>
+              </a:defRPr>
+            </a:lvl5pPr>
+            <a:lvl6pPr>
+              <a:defRPr>
+                <a:solidFill>
+                  <a:schemeClr val="tx2"/>
+                </a:solidFill>
+              </a:defRPr>
+            </a:lvl6pPr>
+            <a:lvl7pPr>
+              <a:defRPr>
+                <a:solidFill>
+                  <a:schemeClr val="tx2"/>
+                </a:solidFill>
+              </a:defRPr>
+            </a:lvl7pPr>
+            <a:lvl8pPr>
+              <a:defRPr>
+                <a:solidFill>
+                  <a:schemeClr val="tx2"/>
+                </a:solidFill>
+              </a:defRPr>
+            </a:lvl8pPr>
+            <a:lvl9pPr>
+              <a:defRPr>
+                <a:solidFill>
+                  <a:schemeClr val="tx2"/>
+                </a:solidFill>
+              </a:defRPr>
+            </a:lvl9pPr>
+          </a:lstStyle>
+          <a:p>
+            <a:pPr lvl="0"/>
+            <a:r>
+              <a:rPr lang="en-US" sz="8000" dirty="0">
+                <a:solidFill>
+                  <a:schemeClr val="accent1"/>
+                </a:solidFill>
+              </a:rPr>
+              <a:t>“</a:t>
+            </a:r>
+          </a:p>
+        </p:txBody>
+      </p:sp>
+      <p:sp>
+        <p:nvSpPr>
+          <p:cNvPr id="15" name="TextBox 14"/>
+          <p:cNvSpPr txBox="1"/>
+          <p:nvPr/>
+        </p:nvSpPr>
+        <p:spPr>
+          <a:xfrm>
+            <a:off x="10437812" y="2743200"/>
+            <a:ext cx="609600" cy="584776"/>
+          </a:xfrm>
+          <a:prstGeom prst="rect">
+            <a:avLst/>
+          </a:prstGeom>
+        </p:spPr>
+        <p:txBody>
+          <a:bodyPr vert="horz" lIns="91440" tIns="45720" rIns="91440" bIns="45720" rtlCol="0" anchor="ctr">
+            <a:noAutofit/>
+          </a:bodyPr>
+          <a:lstStyle>
+            <a:lvl1pPr>
+              <a:spcBef>
+                <a:spcPct val="0"/>
+              </a:spcBef>
+              <a:buNone/>
+              <a:defRPr sz="3200" b="0" cap="all">
+                <a:ln w="3175" cmpd="sng">
+                  <a:noFill/>
+                </a:ln>
+                <a:effectLst>
+                  <a:glow rad="38100">
+                    <a:schemeClr val="bg1">
+                      <a:lumMod val="65000"/>
+                      <a:lumOff val="35000"/>
+                      <a:alpha val="40000"/>
+                    </a:schemeClr>
+                  </a:glow>
+                  <a:outerShdw blurRad="28575" dist="38100" dir="14040000" algn="tl" rotWithShape="0">
+                    <a:srgbClr val="000000">
+                      <a:alpha val="25000"/>
+                    </a:srgbClr>
+                  </a:outerShdw>
+                </a:effectLst>
+              </a:defRPr>
+            </a:lvl1pPr>
+            <a:lvl2pPr>
+              <a:defRPr>
+                <a:solidFill>
+                  <a:schemeClr val="tx2"/>
+                </a:solidFill>
+              </a:defRPr>
+            </a:lvl2pPr>
+            <a:lvl3pPr>
+              <a:defRPr>
+                <a:solidFill>
+                  <a:schemeClr val="tx2"/>
+                </a:solidFill>
+              </a:defRPr>
+            </a:lvl3pPr>
+            <a:lvl4pPr>
+              <a:defRPr>
+                <a:solidFill>
+                  <a:schemeClr val="tx2"/>
+                </a:solidFill>
+              </a:defRPr>
+            </a:lvl4pPr>
+            <a:lvl5pPr>
+              <a:defRPr>
+                <a:solidFill>
+                  <a:schemeClr val="tx2"/>
+                </a:solidFill>
+              </a:defRPr>
+            </a:lvl5pPr>
+            <a:lvl6pPr>
+              <a:defRPr>
+                <a:solidFill>
+                  <a:schemeClr val="tx2"/>
+                </a:solidFill>
+              </a:defRPr>
+            </a:lvl6pPr>
+            <a:lvl7pPr>
+              <a:defRPr>
+                <a:solidFill>
+                  <a:schemeClr val="tx2"/>
+                </a:solidFill>
+              </a:defRPr>
+            </a:lvl7pPr>
+            <a:lvl8pPr>
+              <a:defRPr>
+                <a:solidFill>
+                  <a:schemeClr val="tx2"/>
+                </a:solidFill>
+              </a:defRPr>
+            </a:lvl8pPr>
+            <a:lvl9pPr>
+              <a:defRPr>
+                <a:solidFill>
+                  <a:schemeClr val="tx2"/>
+                </a:solidFill>
+              </a:defRPr>
+            </a:lvl9pPr>
+          </a:lstStyle>
+          <a:p>
+            <a:pPr lvl="0" algn="r"/>
+            <a:r>
+              <a:rPr lang="en-US" sz="8000" dirty="0">
+                <a:solidFill>
+                  <a:schemeClr val="accent1"/>
+                </a:solidFill>
+              </a:rPr>
+              <a:t>”</a:t>
+            </a:r>
+          </a:p>
+        </p:txBody>
+      </p:sp>
+      <p:sp>
+        <p:nvSpPr>
+          <p:cNvPr id="2" name="Title 1"/>
+          <p:cNvSpPr>
+            <a:spLocks noGrp="1"/>
+          </p:cNvSpPr>
+          <p:nvPr>
+            <p:ph type="title"/>
+          </p:nvPr>
+        </p:nvSpPr>
+        <p:spPr>
+          <a:xfrm>
+            <a:off x="1446213" y="609601"/>
+            <a:ext cx="9296398" cy="2743199"/>
+          </a:xfrm>
+        </p:spPr>
+        <p:txBody>
+          <a:bodyPr anchor="ctr">
+            <a:normAutofit/>
+          </a:bodyPr>
+          <a:lstStyle>
+            <a:lvl1pPr algn="l">
+              <a:defRPr sz="3200" b="0" cap="all">
+                <a:gradFill flip="none" rotWithShape="1">
+                  <a:gsLst>
+                    <a:gs pos="0">
+                      <a:schemeClr val="tx1"/>
+                    </a:gs>
+                    <a:gs pos="100000">
+                      <a:schemeClr val="tx1">
+                        <a:lumMod val="75000"/>
+                      </a:schemeClr>
+                    </a:gs>
+                  </a:gsLst>
+                  <a:lin ang="5400000" scaled="0"/>
+                  <a:tileRect/>
+                </a:gradFill>
+              </a:defRPr>
+            </a:lvl1pPr>
+          </a:lstStyle>
+          <a:p>
+            <a:r>
+              <a:rPr lang="en-US" smtClean="0"/>
+              <a:t>Click to edit Master title style</a:t>
+            </a:r>
+            <a:endParaRPr lang="en-US" dirty="0"/>
+          </a:p>
+        </p:txBody>
+      </p:sp>
+      <p:sp>
+        <p:nvSpPr>
+          <p:cNvPr id="10" name="Text Placeholder 9"/>
+          <p:cNvSpPr>
+            <a:spLocks noGrp="1"/>
+          </p:cNvSpPr>
+          <p:nvPr>
+            <p:ph type="body" sz="quarter" idx="13"/>
+          </p:nvPr>
+        </p:nvSpPr>
+        <p:spPr>
+          <a:xfrm>
+            <a:off x="1141412" y="3886200"/>
+            <a:ext cx="9906000" cy="889000"/>
+          </a:xfrm>
+        </p:spPr>
+        <p:txBody>
+          <a:bodyPr vert="horz" lIns="91440" tIns="45720" rIns="91440" bIns="45720" rtlCol="0" anchor="b">
+            <a:normAutofit/>
+          </a:bodyPr>
+          <a:lstStyle>
+            <a:lvl1pPr>
+              <a:buNone/>
+              <a:defRPr lang="en-US" sz="2400" b="0" cap="all" dirty="0">
+                <a:ln w="3175" cmpd="sng">
+                  <a:noFill/>
+                </a:ln>
+                <a:gradFill flip="none" rotWithShape="1">
+                  <a:gsLst>
+                    <a:gs pos="0">
+                      <a:schemeClr val="tx1"/>
+                    </a:gs>
+                    <a:gs pos="100000">
+                      <a:schemeClr val="tx1">
+                        <a:lumMod val="75000"/>
+                      </a:schemeClr>
+                    </a:gs>
+                  </a:gsLst>
+                  <a:lin ang="5400000" scaled="0"/>
+                  <a:tileRect/>
+                </a:gradFill>
+                <a:effectLst>
+                  <a:glow rad="38100">
+                    <a:schemeClr val="bg1">
+                      <a:lumMod val="65000"/>
+                      <a:lumOff val="35000"/>
+                      <a:alpha val="40000"/>
+                    </a:schemeClr>
+                  </a:glow>
+                  <a:outerShdw blurRad="28575" dist="38100" dir="14040000" algn="tl" rotWithShape="0">
+                    <a:srgbClr val="000000">
+                      <a:alpha val="25000"/>
+                    </a:srgbClr>
+                  </a:outerShdw>
+                </a:effectLst>
+              </a:defRPr>
+            </a:lvl1pPr>
+          </a:lstStyle>
+          <a:p>
+            <a:pPr marL="0" lvl="0">
+              <a:spcBef>
+                <a:spcPct val="0"/>
+              </a:spcBef>
+              <a:buNone/>
+            </a:pPr>
+            <a:r>
+              <a:rPr lang="en-US" smtClean="0"/>
+              <a:t>Click to edit Master text styles</a:t>
+            </a:r>
+          </a:p>
+        </p:txBody>
+      </p:sp>
+      <p:sp>
+        <p:nvSpPr>
+          <p:cNvPr id="3" name="Text Placeholder 2"/>
+          <p:cNvSpPr>
+            <a:spLocks noGrp="1"/>
+          </p:cNvSpPr>
+          <p:nvPr>
+            <p:ph type="body" idx="1"/>
+          </p:nvPr>
+        </p:nvSpPr>
+        <p:spPr>
+          <a:xfrm>
+            <a:off x="1141411" y="4775200"/>
+            <a:ext cx="9906000" cy="1016000"/>
+          </a:xfrm>
+        </p:spPr>
+        <p:txBody>
+          <a:bodyPr anchor="t">
+            <a:normAutofit/>
+          </a:bodyPr>
+          <a:lstStyle>
+            <a:lvl1pPr marL="0" indent="0" algn="l">
+              <a:buNone/>
+              <a:defRPr sz="1800">
+                <a:gradFill flip="none" rotWithShape="1">
+                  <a:gsLst>
+                    <a:gs pos="0">
+                      <a:schemeClr val="tx1"/>
+                    </a:gs>
+                    <a:gs pos="100000">
+                      <a:schemeClr val="tx1">
+                        <a:lumMod val="75000"/>
+                      </a:schemeClr>
+                    </a:gs>
+                  </a:gsLst>
+                  <a:lin ang="5400000" scaled="0"/>
+                  <a:tileRect/>
+                </a:gradFill>
+              </a:defRPr>
+            </a:lvl1pPr>
+            <a:lvl2pPr marL="457200" indent="0">
+              <a:buNone/>
+              <a:defRPr sz="1800">
+                <a:solidFill>
+                  <a:schemeClr val="tx1">
+                    <a:tint val="75000"/>
+                  </a:schemeClr>
+                </a:solidFill>
+              </a:defRPr>
+            </a:lvl2pPr>
+            <a:lvl3pPr marL="914400" indent="0">
+              <a:buNone/>
+              <a:defRPr sz="1600">
+                <a:solidFill>
+                  <a:schemeClr val="tx1">
+                    <a:tint val="75000"/>
+                  </a:schemeClr>
+                </a:solidFill>
+              </a:defRPr>
+            </a:lvl3pPr>
+            <a:lvl4pPr marL="1371600" indent="0">
+              <a:buNone/>
+              <a:defRPr sz="1400">
+                <a:solidFill>
+                  <a:schemeClr val="tx1">
+                    <a:tint val="75000"/>
+                  </a:schemeClr>
+                </a:solidFill>
+              </a:defRPr>
+            </a:lvl4pPr>
+            <a:lvl5pPr marL="1828800" indent="0">
+              <a:buNone/>
+              <a:defRPr sz="1400">
+                <a:solidFill>
+                  <a:schemeClr val="tx1">
+                    <a:tint val="75000"/>
+                  </a:schemeClr>
+                </a:solidFill>
+              </a:defRPr>
+            </a:lvl5pPr>
+            <a:lvl6pPr marL="2286000" indent="0">
+              <a:buNone/>
+              <a:defRPr sz="1400">
+                <a:solidFill>
+                  <a:schemeClr val="tx1">
+                    <a:tint val="75000"/>
+                  </a:schemeClr>
+                </a:solidFill>
+              </a:defRPr>
+            </a:lvl6pPr>
+            <a:lvl7pPr marL="2743200" indent="0">
+              <a:buNone/>
+              <a:defRPr sz="1400">
+                <a:solidFill>
+                  <a:schemeClr val="tx1">
+                    <a:tint val="75000"/>
+                  </a:schemeClr>
+                </a:solidFill>
+              </a:defRPr>
+            </a:lvl7pPr>
+            <a:lvl8pPr marL="3200400" indent="0">
+              <a:buNone/>
+              <a:defRPr sz="1400">
+                <a:solidFill>
+                  <a:schemeClr val="tx1">
+                    <a:tint val="75000"/>
+                  </a:schemeClr>
+                </a:solidFill>
+              </a:defRPr>
+            </a:lvl8pPr>
+            <a:lvl9pPr marL="3657600" indent="0">
+              <a:buNone/>
+              <a:defRPr sz="1400">
+                <a:solidFill>
+                  <a:schemeClr val="tx1">
+                    <a:tint val="75000"/>
+                  </a:schemeClr>
+                </a:solidFill>
+              </a:defRPr>
+            </a:lvl9pPr>
+          </a:lstStyle>
+          <a:p>
+            <a:pPr lvl="0"/>
+            <a:r>
+              <a:rPr lang="en-US" smtClean="0"/>
+              <a:t>Click to edit Master text styles</a:t>
+            </a:r>
+          </a:p>
+        </p:txBody>
+      </p:sp>
+      <p:sp>
+        <p:nvSpPr>
+          <p:cNvPr id="4" name="Date Placeholder 3"/>
+          <p:cNvSpPr>
+            <a:spLocks noGrp="1"/>
+          </p:cNvSpPr>
+          <p:nvPr>
+            <p:ph type="dt" sz="half" idx="10"/>
+          </p:nvPr>
+        </p:nvSpPr>
+        <p:spPr/>
+        <p:txBody>
+          <a:bodyPr/>
+          <a:lstStyle/>
+          <a:p>
+            <a:fld id="{012E2821-CEEE-4C36-9372-C58F838928D9}" type="datetimeFigureOut">
+              <a:rPr lang="en-US" smtClean="0"/>
+              <a:t>12/5/2015</a:t>
+            </a:fld>
+            <a:endParaRPr lang="en-US"/>
+          </a:p>
+        </p:txBody>
+      </p:sp>
+      <p:sp>
+        <p:nvSpPr>
+          <p:cNvPr id="5" name="Footer Placeholder 4"/>
+          <p:cNvSpPr>
+            <a:spLocks noGrp="1"/>
+          </p:cNvSpPr>
+          <p:nvPr>
+            <p:ph type="ftr" sz="quarter" idx="11"/>
+          </p:nvPr>
+        </p:nvSpPr>
+        <p:spPr/>
+        <p:txBody>
+          <a:bodyPr/>
+          <a:lstStyle/>
+          <a:p>
+            <a:endParaRPr lang="en-US"/>
+          </a:p>
+        </p:txBody>
+      </p:sp>
+      <p:sp>
+        <p:nvSpPr>
+          <p:cNvPr id="6" name="Slide Number Placeholder 5"/>
+          <p:cNvSpPr>
+            <a:spLocks noGrp="1"/>
+          </p:cNvSpPr>
+          <p:nvPr>
+            <p:ph type="sldNum" sz="quarter" idx="12"/>
+          </p:nvPr>
+        </p:nvSpPr>
+        <p:spPr/>
+        <p:txBody>
+          <a:bodyPr/>
+          <a:lstStyle/>
+          <a:p>
+            <a:fld id="{E04AC5AB-6409-4E1B-BAED-244F754D288F}" type="slidenum">
+              <a:rPr lang="en-US" smtClean="0"/>
+              <a:t>‹#›</a:t>
+            </a:fld>
+            <a:endParaRPr lang="en-US"/>
+          </a:p>
+        </p:txBody>
+      </p:sp>
+    </p:spTree>
+    <p:extLst>
+      <p:ext uri="{BB962C8B-B14F-4D97-AF65-F5344CB8AC3E}">
+        <p14:creationId xmlns:p14="http://schemas.microsoft.com/office/powerpoint/2010/main" val="929088342"/>
+      </p:ext>
+    </p:extLst>
+  </p:cSld>
+  <p:clrMapOvr>
+    <a:masterClrMapping/>
+  </p:clrMapOvr>
+</p:sldLayout>
+</file>
+
+<file path=ppt/slideLayouts/slideLayout15.xml><?xml version="1.0" encoding="utf-8"?>
+<p:sldLayout xmlns:a="http://schemas.openxmlformats.org/drawingml/2006/main" xmlns:r="http://schemas.openxmlformats.org/officeDocument/2006/relationships" xmlns:p="http://schemas.openxmlformats.org/presentationml/2006/main" preserve="1">
+  <p:cSld name="True or False">
+    <p:spTree>
+      <p:nvGrpSpPr>
+        <p:cNvPr id="1" name=""/>
+        <p:cNvGrpSpPr/>
+        <p:nvPr/>
+      </p:nvGrpSpPr>
+      <p:grpSpPr>
+        <a:xfrm>
+          <a:off x="0" y="0"/>
+          <a:ext cx="0" cy="0"/>
+          <a:chOff x="0" y="0"/>
+          <a:chExt cx="0" cy="0"/>
+        </a:xfrm>
+      </p:grpSpPr>
+      <p:sp>
+        <p:nvSpPr>
+          <p:cNvPr id="2" name="Title 1"/>
+          <p:cNvSpPr>
+            <a:spLocks noGrp="1"/>
+          </p:cNvSpPr>
+          <p:nvPr>
+            <p:ph type="title"/>
+          </p:nvPr>
+        </p:nvSpPr>
+        <p:spPr>
+          <a:xfrm>
+            <a:off x="1141412" y="609601"/>
+            <a:ext cx="9905999" cy="2743199"/>
+          </a:xfrm>
+        </p:spPr>
+        <p:txBody>
+          <a:bodyPr vert="horz" lIns="91440" tIns="45720" rIns="91440" bIns="45720" rtlCol="0" anchor="ctr">
+            <a:normAutofit/>
+          </a:bodyPr>
+          <a:lstStyle>
+            <a:lvl1pPr>
+              <a:defRPr lang="en-US" b="0" dirty="0"/>
+            </a:lvl1pPr>
+          </a:lstStyle>
+          <a:p>
+            <a:pPr marL="0" lvl="0"/>
+            <a:r>
+              <a:rPr lang="en-US" smtClean="0"/>
+              <a:t>Click to edit Master title style</a:t>
+            </a:r>
+            <a:endParaRPr lang="en-US" dirty="0"/>
+          </a:p>
+        </p:txBody>
+      </p:sp>
+      <p:sp>
+        <p:nvSpPr>
+          <p:cNvPr id="10" name="Text Placeholder 9"/>
+          <p:cNvSpPr>
+            <a:spLocks noGrp="1"/>
+          </p:cNvSpPr>
+          <p:nvPr>
+            <p:ph type="body" sz="quarter" idx="13"/>
+          </p:nvPr>
+        </p:nvSpPr>
+        <p:spPr>
+          <a:xfrm>
+            <a:off x="1141412" y="3505200"/>
+            <a:ext cx="9906000" cy="838200"/>
+          </a:xfrm>
+        </p:spPr>
+        <p:txBody>
+          <a:bodyPr vert="horz" lIns="91440" tIns="45720" rIns="91440" bIns="45720" rtlCol="0" anchor="b">
+            <a:normAutofit/>
+          </a:bodyPr>
+          <a:lstStyle>
+            <a:lvl1pPr>
+              <a:buNone/>
+              <a:defRPr lang="en-US" sz="2800" b="0" cap="all" dirty="0">
+                <a:ln w="3175" cmpd="sng">
+                  <a:noFill/>
+                </a:ln>
+                <a:gradFill flip="none" rotWithShape="1">
+                  <a:gsLst>
+                    <a:gs pos="0">
+                      <a:schemeClr val="tx1"/>
+                    </a:gs>
+                    <a:gs pos="100000">
+                      <a:schemeClr val="tx1">
+                        <a:lumMod val="75000"/>
+                      </a:schemeClr>
+                    </a:gs>
+                  </a:gsLst>
+                  <a:lin ang="5400000" scaled="0"/>
+                  <a:tileRect/>
+                </a:gradFill>
+                <a:effectLst>
+                  <a:glow rad="38100">
+                    <a:schemeClr val="bg1">
+                      <a:lumMod val="65000"/>
+                      <a:lumOff val="35000"/>
+                      <a:alpha val="40000"/>
+                    </a:schemeClr>
+                  </a:glow>
+                  <a:outerShdw blurRad="28575" dist="38100" dir="14040000" algn="tl" rotWithShape="0">
+                    <a:srgbClr val="000000">
+                      <a:alpha val="25000"/>
+                    </a:srgbClr>
+                  </a:outerShdw>
+                </a:effectLst>
+              </a:defRPr>
+            </a:lvl1pPr>
+          </a:lstStyle>
+          <a:p>
+            <a:pPr marL="0" lvl="0">
+              <a:spcBef>
+                <a:spcPct val="0"/>
+              </a:spcBef>
+              <a:buNone/>
+            </a:pPr>
+            <a:r>
+              <a:rPr lang="en-US" smtClean="0"/>
+              <a:t>Click to edit Master text styles</a:t>
+            </a:r>
+          </a:p>
+        </p:txBody>
+      </p:sp>
+      <p:sp>
+        <p:nvSpPr>
+          <p:cNvPr id="3" name="Text Placeholder 2"/>
+          <p:cNvSpPr>
+            <a:spLocks noGrp="1"/>
+          </p:cNvSpPr>
+          <p:nvPr>
+            <p:ph type="body" idx="1"/>
+          </p:nvPr>
+        </p:nvSpPr>
+        <p:spPr>
+          <a:xfrm>
+            <a:off x="1141411" y="4343400"/>
+            <a:ext cx="9906000" cy="1447800"/>
+          </a:xfrm>
+        </p:spPr>
+        <p:txBody>
+          <a:bodyPr anchor="t">
+            <a:normAutofit/>
+          </a:bodyPr>
+          <a:lstStyle>
+            <a:lvl1pPr marL="0" indent="0" algn="l">
+              <a:buNone/>
+              <a:defRPr sz="1800">
+                <a:gradFill flip="none" rotWithShape="1">
+                  <a:gsLst>
+                    <a:gs pos="0">
+                      <a:schemeClr val="tx1"/>
+                    </a:gs>
+                    <a:gs pos="100000">
+                      <a:schemeClr val="tx1">
+                        <a:lumMod val="75000"/>
+                      </a:schemeClr>
+                    </a:gs>
+                  </a:gsLst>
+                  <a:lin ang="5400000" scaled="0"/>
+                  <a:tileRect/>
+                </a:gradFill>
+              </a:defRPr>
+            </a:lvl1pPr>
+            <a:lvl2pPr marL="457200" indent="0">
+              <a:buNone/>
+              <a:defRPr sz="1800">
+                <a:solidFill>
+                  <a:schemeClr val="tx1">
+                    <a:tint val="75000"/>
+                  </a:schemeClr>
+                </a:solidFill>
+              </a:defRPr>
+            </a:lvl2pPr>
+            <a:lvl3pPr marL="914400" indent="0">
+              <a:buNone/>
+              <a:defRPr sz="1600">
+                <a:solidFill>
+                  <a:schemeClr val="tx1">
+                    <a:tint val="75000"/>
+                  </a:schemeClr>
+                </a:solidFill>
+              </a:defRPr>
+            </a:lvl3pPr>
+            <a:lvl4pPr marL="1371600" indent="0">
+              <a:buNone/>
+              <a:defRPr sz="1400">
+                <a:solidFill>
+                  <a:schemeClr val="tx1">
+                    <a:tint val="75000"/>
+                  </a:schemeClr>
+                </a:solidFill>
+              </a:defRPr>
+            </a:lvl4pPr>
+            <a:lvl5pPr marL="1828800" indent="0">
+              <a:buNone/>
+              <a:defRPr sz="1400">
+                <a:solidFill>
+                  <a:schemeClr val="tx1">
+                    <a:tint val="75000"/>
+                  </a:schemeClr>
+                </a:solidFill>
+              </a:defRPr>
+            </a:lvl5pPr>
+            <a:lvl6pPr marL="2286000" indent="0">
+              <a:buNone/>
+              <a:defRPr sz="1400">
+                <a:solidFill>
+                  <a:schemeClr val="tx1">
+                    <a:tint val="75000"/>
+                  </a:schemeClr>
+                </a:solidFill>
+              </a:defRPr>
+            </a:lvl6pPr>
+            <a:lvl7pPr marL="2743200" indent="0">
+              <a:buNone/>
+              <a:defRPr sz="1400">
+                <a:solidFill>
+                  <a:schemeClr val="tx1">
+                    <a:tint val="75000"/>
+                  </a:schemeClr>
+                </a:solidFill>
+              </a:defRPr>
+            </a:lvl7pPr>
+            <a:lvl8pPr marL="3200400" indent="0">
+              <a:buNone/>
+              <a:defRPr sz="1400">
+                <a:solidFill>
+                  <a:schemeClr val="tx1">
+                    <a:tint val="75000"/>
+                  </a:schemeClr>
+                </a:solidFill>
+              </a:defRPr>
+            </a:lvl8pPr>
+            <a:lvl9pPr marL="3657600" indent="0">
+              <a:buNone/>
+              <a:defRPr sz="1400">
+                <a:solidFill>
+                  <a:schemeClr val="tx1">
+                    <a:tint val="75000"/>
+                  </a:schemeClr>
+                </a:solidFill>
+              </a:defRPr>
+            </a:lvl9pPr>
+          </a:lstStyle>
+          <a:p>
+            <a:pPr lvl="0"/>
+            <a:r>
+              <a:rPr lang="en-US" smtClean="0"/>
+              <a:t>Click to edit Master text styles</a:t>
+            </a:r>
+          </a:p>
+        </p:txBody>
+      </p:sp>
+      <p:sp>
+        <p:nvSpPr>
+          <p:cNvPr id="4" name="Date Placeholder 3"/>
+          <p:cNvSpPr>
+            <a:spLocks noGrp="1"/>
+          </p:cNvSpPr>
+          <p:nvPr>
+            <p:ph type="dt" sz="half" idx="10"/>
+          </p:nvPr>
+        </p:nvSpPr>
+        <p:spPr/>
+        <p:txBody>
+          <a:bodyPr/>
+          <a:lstStyle/>
+          <a:p>
+            <a:fld id="{012E2821-CEEE-4C36-9372-C58F838928D9}" type="datetimeFigureOut">
+              <a:rPr lang="en-US" smtClean="0"/>
+              <a:t>12/5/2015</a:t>
+            </a:fld>
+            <a:endParaRPr lang="en-US"/>
+          </a:p>
+        </p:txBody>
+      </p:sp>
+      <p:sp>
+        <p:nvSpPr>
+          <p:cNvPr id="5" name="Footer Placeholder 4"/>
+          <p:cNvSpPr>
+            <a:spLocks noGrp="1"/>
+          </p:cNvSpPr>
+          <p:nvPr>
+            <p:ph type="ftr" sz="quarter" idx="11"/>
+          </p:nvPr>
+        </p:nvSpPr>
+        <p:spPr/>
+        <p:txBody>
+          <a:bodyPr/>
+          <a:lstStyle/>
+          <a:p>
+            <a:endParaRPr lang="en-US"/>
+          </a:p>
+        </p:txBody>
+      </p:sp>
+      <p:sp>
+        <p:nvSpPr>
+          <p:cNvPr id="6" name="Slide Number Placeholder 5"/>
+          <p:cNvSpPr>
+            <a:spLocks noGrp="1"/>
+          </p:cNvSpPr>
+          <p:nvPr>
+            <p:ph type="sldNum" sz="quarter" idx="12"/>
+          </p:nvPr>
+        </p:nvSpPr>
+        <p:spPr/>
+        <p:txBody>
+          <a:bodyPr/>
+          <a:lstStyle/>
+          <a:p>
+            <a:fld id="{E04AC5AB-6409-4E1B-BAED-244F754D288F}" type="slidenum">
+              <a:rPr lang="en-US" smtClean="0"/>
+              <a:t>‹#›</a:t>
+            </a:fld>
+            <a:endParaRPr lang="en-US"/>
+          </a:p>
+        </p:txBody>
+      </p:sp>
+    </p:spTree>
+    <p:extLst>
+      <p:ext uri="{BB962C8B-B14F-4D97-AF65-F5344CB8AC3E}">
+        <p14:creationId xmlns:p14="http://schemas.microsoft.com/office/powerpoint/2010/main" val="1001147116"/>
+      </p:ext>
+    </p:extLst>
+  </p:cSld>
+  <p:clrMapOvr>
+    <a:masterClrMapping/>
+  </p:clrMapOvr>
+</p:sldLayout>
+</file>
+
+<file path=ppt/slideLayouts/slideLayout16.xml><?xml version="1.0" encoding="utf-8"?>
 <p:sldLayout xmlns:a="http://schemas.openxmlformats.org/drawingml/2006/main" xmlns:r="http://schemas.openxmlformats.org/officeDocument/2006/relationships" xmlns:p="http://schemas.openxmlformats.org/presentationml/2006/main" type="vertTx" preserve="1">
   <p:cSld name="Title and Vertical Text">
     <p:spTree>
@@ -324,7 +2514,7 @@
       </p:grpSpPr>
       <p:sp>
         <p:nvSpPr>
-          <p:cNvPr id="2" name="Title 1"/>
+          <p:cNvPr id="7" name="Title 1"/>
           <p:cNvSpPr>
             <a:spLocks noGrp="1"/>
           </p:cNvSpPr>
@@ -332,7 +2522,12 @@
             <p:ph type="title"/>
           </p:nvPr>
         </p:nvSpPr>
-        <p:spPr/>
+        <p:spPr>
+          <a:xfrm>
+            <a:off x="1141413" y="609600"/>
+            <a:ext cx="9905998" cy="1905000"/>
+          </a:xfrm>
+        </p:spPr>
         <p:txBody>
           <a:bodyPr/>
           <a:lstStyle/>
@@ -341,7 +2536,7 @@
               <a:rPr lang="en-US" smtClean="0"/>
               <a:t>Click to edit Master title style</a:t>
             </a:r>
-            <a:endParaRPr lang="en-US"/>
+            <a:endParaRPr lang="en-US" dirty="0"/>
           </a:p>
         </p:txBody>
       </p:sp>
@@ -357,7 +2552,7 @@
         </p:nvSpPr>
         <p:spPr/>
         <p:txBody>
-          <a:bodyPr vert="eaVert"/>
+          <a:bodyPr vert="eaVert" anchor="t"/>
           <a:lstStyle/>
           <a:p>
             <a:pPr lvl="0"/>
@@ -393,7 +2588,7 @@
               <a:rPr lang="en-US" smtClean="0"/>
               <a:t>Fifth level</a:t>
             </a:r>
-            <a:endParaRPr lang="en-US"/>
+            <a:endParaRPr lang="en-US" dirty="0"/>
           </a:p>
         </p:txBody>
       </p:sp>
@@ -465,7 +2660,7 @@
     </p:spTree>
     <p:extLst>
       <p:ext uri="{BB962C8B-B14F-4D97-AF65-F5344CB8AC3E}">
-        <p14:creationId xmlns:p14="http://schemas.microsoft.com/office/powerpoint/2010/main" val="2916576035"/>
+        <p14:creationId xmlns:p14="http://schemas.microsoft.com/office/powerpoint/2010/main" val="3523244295"/>
       </p:ext>
     </p:extLst>
   </p:cSld>
@@ -475,7 +2670,7 @@
 </p:sldLayout>
 </file>
 
-<file path=ppt/slideLayouts/slideLayout11.xml><?xml version="1.0" encoding="utf-8"?>
+<file path=ppt/slideLayouts/slideLayout17.xml><?xml version="1.0" encoding="utf-8"?>
 <p:sldLayout xmlns:a="http://schemas.openxmlformats.org/drawingml/2006/main" xmlns:r="http://schemas.openxmlformats.org/officeDocument/2006/relationships" xmlns:p="http://schemas.openxmlformats.org/presentationml/2006/main" type="vertTitleAndTx" preserve="1">
   <p:cSld name="Vertical Title and Text">
     <p:spTree>
@@ -504,8 +2699,8 @@
         </p:nvSpPr>
         <p:spPr>
           <a:xfrm>
-            <a:off x="8724900" y="365125"/>
-            <a:ext cx="2628900" cy="5811838"/>
+            <a:off x="8836898" y="609599"/>
+            <a:ext cx="2210514" cy="5181601"/>
           </a:xfrm>
         </p:spPr>
         <p:txBody>
@@ -516,7 +2711,7 @@
               <a:rPr lang="en-US" smtClean="0"/>
               <a:t>Click to edit Master title style</a:t>
             </a:r>
-            <a:endParaRPr lang="en-US"/>
+            <a:endParaRPr lang="en-US" dirty="0"/>
           </a:p>
         </p:txBody>
       </p:sp>
@@ -532,12 +2727,12 @@
         </p:nvSpPr>
         <p:spPr>
           <a:xfrm>
-            <a:off x="838200" y="365125"/>
-            <a:ext cx="7734300" cy="5811838"/>
+            <a:off x="1141412" y="609600"/>
+            <a:ext cx="7543800" cy="5181600"/>
           </a:xfrm>
         </p:spPr>
         <p:txBody>
-          <a:bodyPr vert="eaVert"/>
+          <a:bodyPr vert="eaVert" anchor="t"/>
           <a:lstStyle/>
           <a:p>
             <a:pPr lvl="0"/>
@@ -573,7 +2768,7 @@
               <a:rPr lang="en-US" smtClean="0"/>
               <a:t>Fifth level</a:t>
             </a:r>
-            <a:endParaRPr lang="en-US"/>
+            <a:endParaRPr lang="en-US" dirty="0"/>
           </a:p>
         </p:txBody>
       </p:sp>
@@ -645,7 +2840,7 @@
     </p:spTree>
     <p:extLst>
       <p:ext uri="{BB962C8B-B14F-4D97-AF65-F5344CB8AC3E}">
-        <p14:creationId xmlns:p14="http://schemas.microsoft.com/office/powerpoint/2010/main" val="3758548287"/>
+        <p14:creationId xmlns:p14="http://schemas.microsoft.com/office/powerpoint/2010/main" val="3079264980"/>
       </p:ext>
     </p:extLst>
   </p:cSld>
@@ -691,7 +2886,7 @@
               <a:rPr lang="en-US" smtClean="0"/>
               <a:t>Click to edit Master title style</a:t>
             </a:r>
-            <a:endParaRPr lang="en-US"/>
+            <a:endParaRPr lang="en-US" dirty="0"/>
           </a:p>
         </p:txBody>
       </p:sp>
@@ -707,7 +2902,7 @@
         </p:nvSpPr>
         <p:spPr/>
         <p:txBody>
-          <a:bodyPr/>
+          <a:bodyPr anchor="ctr"/>
           <a:lstStyle/>
           <a:p>
             <a:pPr lvl="0"/>
@@ -743,7 +2938,7 @@
               <a:rPr lang="en-US" smtClean="0"/>
               <a:t>Fifth level</a:t>
             </a:r>
-            <a:endParaRPr lang="en-US"/>
+            <a:endParaRPr lang="en-US" dirty="0"/>
           </a:p>
         </p:txBody>
       </p:sp>
@@ -815,7 +3010,7 @@
     </p:spTree>
     <p:extLst>
       <p:ext uri="{BB962C8B-B14F-4D97-AF65-F5344CB8AC3E}">
-        <p14:creationId xmlns:p14="http://schemas.microsoft.com/office/powerpoint/2010/main" val="1299058026"/>
+        <p14:creationId xmlns:p14="http://schemas.microsoft.com/office/powerpoint/2010/main" val="3013522287"/>
       </p:ext>
     </p:extLst>
   </p:cSld>
@@ -854,15 +3049,15 @@
         </p:nvSpPr>
         <p:spPr>
           <a:xfrm>
-            <a:off x="831850" y="1709738"/>
-            <a:ext cx="10515600" cy="2852737"/>
+            <a:off x="1751013" y="3308581"/>
+            <a:ext cx="8686800" cy="1468800"/>
           </a:xfrm>
         </p:spPr>
         <p:txBody>
           <a:bodyPr anchor="b"/>
           <a:lstStyle>
-            <a:lvl1pPr>
-              <a:defRPr sz="6000"/>
+            <a:lvl1pPr algn="r">
+              <a:defRPr sz="4000" b="0" cap="all"/>
             </a:lvl1pPr>
           </a:lstStyle>
           <a:p>
@@ -870,7 +3065,7 @@
               <a:rPr lang="en-US" smtClean="0"/>
               <a:t>Click to edit Master title style</a:t>
             </a:r>
-            <a:endParaRPr lang="en-US"/>
+            <a:endParaRPr lang="en-US" dirty="0"/>
           </a:p>
         </p:txBody>
       </p:sp>
@@ -886,102 +3081,113 @@
         </p:nvSpPr>
         <p:spPr>
           <a:xfrm>
-            <a:off x="831850" y="4589463"/>
-            <a:ext cx="10515600" cy="1500187"/>
+            <a:off x="1751011" y="4777381"/>
+            <a:ext cx="8686801" cy="860400"/>
           </a:xfrm>
         </p:spPr>
         <p:txBody>
-          <a:bodyPr/>
+          <a:bodyPr anchor="t">
+            <a:normAutofit/>
+          </a:bodyPr>
           <a:lstStyle>
-            <a:lvl1pPr marL="0" indent="0">
-              <a:buNone/>
-              <a:defRPr sz="2400">
+            <a:lvl1pPr marL="0" indent="0" algn="r">
+              <a:buNone/>
+              <a:defRPr sz="2000">
+                <a:gradFill flip="none" rotWithShape="1">
+                  <a:gsLst>
+                    <a:gs pos="0">
+                      <a:schemeClr val="tx1"/>
+                    </a:gs>
+                    <a:gs pos="100000">
+                      <a:schemeClr val="tx1">
+                        <a:lumMod val="75000"/>
+                      </a:schemeClr>
+                    </a:gs>
+                  </a:gsLst>
+                  <a:lin ang="5400000" scaled="0"/>
+                  <a:tileRect/>
+                </a:gradFill>
+              </a:defRPr>
+            </a:lvl1pPr>
+            <a:lvl2pPr marL="457200" indent="0">
+              <a:buNone/>
+              <a:defRPr sz="1800">
                 <a:solidFill>
                   <a:schemeClr val="tx1">
                     <a:tint val="75000"/>
                   </a:schemeClr>
                 </a:solidFill>
               </a:defRPr>
-            </a:lvl1pPr>
-            <a:lvl2pPr marL="457200" indent="0">
-              <a:buNone/>
-              <a:defRPr sz="2000">
+            </a:lvl2pPr>
+            <a:lvl3pPr marL="914400" indent="0">
+              <a:buNone/>
+              <a:defRPr sz="1600">
                 <a:solidFill>
                   <a:schemeClr val="tx1">
                     <a:tint val="75000"/>
                   </a:schemeClr>
                 </a:solidFill>
               </a:defRPr>
-            </a:lvl2pPr>
-            <a:lvl3pPr marL="914400" indent="0">
-              <a:buNone/>
-              <a:defRPr sz="1800">
+            </a:lvl3pPr>
+            <a:lvl4pPr marL="1371600" indent="0">
+              <a:buNone/>
+              <a:defRPr sz="1400">
                 <a:solidFill>
                   <a:schemeClr val="tx1">
                     <a:tint val="75000"/>
                   </a:schemeClr>
                 </a:solidFill>
               </a:defRPr>
-            </a:lvl3pPr>
-            <a:lvl4pPr marL="1371600" indent="0">
-              <a:buNone/>
-              <a:defRPr sz="1600">
+            </a:lvl4pPr>
+            <a:lvl5pPr marL="1828800" indent="0">
+              <a:buNone/>
+              <a:defRPr sz="1400">
                 <a:solidFill>
                   <a:schemeClr val="tx1">
                     <a:tint val="75000"/>
                   </a:schemeClr>
                 </a:solidFill>
               </a:defRPr>
-            </a:lvl4pPr>
-            <a:lvl5pPr marL="1828800" indent="0">
-              <a:buNone/>
-              <a:defRPr sz="1600">
+            </a:lvl5pPr>
+            <a:lvl6pPr marL="2286000" indent="0">
+              <a:buNone/>
+              <a:defRPr sz="1400">
                 <a:solidFill>
                   <a:schemeClr val="tx1">
                     <a:tint val="75000"/>
                   </a:schemeClr>
                 </a:solidFill>
               </a:defRPr>
-            </a:lvl5pPr>
-            <a:lvl6pPr marL="2286000" indent="0">
-              <a:buNone/>
-              <a:defRPr sz="1600">
+            </a:lvl6pPr>
+            <a:lvl7pPr marL="2743200" indent="0">
+              <a:buNone/>
+              <a:defRPr sz="1400">
                 <a:solidFill>
                   <a:schemeClr val="tx1">
                     <a:tint val="75000"/>
                   </a:schemeClr>
                 </a:solidFill>
               </a:defRPr>
-            </a:lvl6pPr>
-            <a:lvl7pPr marL="2743200" indent="0">
-              <a:buNone/>
-              <a:defRPr sz="1600">
+            </a:lvl7pPr>
+            <a:lvl8pPr marL="3200400" indent="0">
+              <a:buNone/>
+              <a:defRPr sz="1400">
                 <a:solidFill>
                   <a:schemeClr val="tx1">
                     <a:tint val="75000"/>
                   </a:schemeClr>
                 </a:solidFill>
               </a:defRPr>
-            </a:lvl7pPr>
-            <a:lvl8pPr marL="3200400" indent="0">
-              <a:buNone/>
-              <a:defRPr sz="1600">
+            </a:lvl8pPr>
+            <a:lvl9pPr marL="3657600" indent="0">
+              <a:buNone/>
+              <a:defRPr sz="1400">
                 <a:solidFill>
                   <a:schemeClr val="tx1">
                     <a:tint val="75000"/>
                   </a:schemeClr>
                 </a:solidFill>
               </a:defRPr>
-            </a:lvl8pPr>
-            <a:lvl9pPr marL="3657600" indent="0">
-              <a:buNone/>
-              <a:defRPr sz="1600">
-                <a:solidFill>
-                  <a:schemeClr val="tx1">
-                    <a:tint val="75000"/>
-                  </a:schemeClr>
-                </a:solidFill>
-              </a:defRPr>
             </a:lvl9pPr>
           </a:lstStyle>
           <a:p>
@@ -1061,7 +3267,7 @@
     </p:spTree>
     <p:extLst>
       <p:ext uri="{BB962C8B-B14F-4D97-AF65-F5344CB8AC3E}">
-        <p14:creationId xmlns:p14="http://schemas.microsoft.com/office/powerpoint/2010/main" val="3368741927"/>
+        <p14:creationId xmlns:p14="http://schemas.microsoft.com/office/powerpoint/2010/main" val="2740699242"/>
       </p:ext>
     </p:extLst>
   </p:cSld>
@@ -1107,7 +3313,7 @@
               <a:rPr lang="en-US" smtClean="0"/>
               <a:t>Click to edit Master title style</a:t>
             </a:r>
-            <a:endParaRPr lang="en-US"/>
+            <a:endParaRPr lang="en-US" dirty="0"/>
           </a:p>
         </p:txBody>
       </p:sp>
@@ -1123,13 +3329,43 @@
         </p:nvSpPr>
         <p:spPr>
           <a:xfrm>
-            <a:off x="838200" y="1825625"/>
-            <a:ext cx="5181600" cy="4351338"/>
+            <a:off x="1141412" y="2666999"/>
+            <a:ext cx="4876800" cy="3124201"/>
           </a:xfrm>
         </p:spPr>
         <p:txBody>
-          <a:bodyPr/>
-          <a:lstStyle/>
+          <a:bodyPr>
+            <a:normAutofit/>
+          </a:bodyPr>
+          <a:lstStyle>
+            <a:lvl1pPr>
+              <a:defRPr sz="1800"/>
+            </a:lvl1pPr>
+            <a:lvl2pPr>
+              <a:defRPr sz="1600"/>
+            </a:lvl2pPr>
+            <a:lvl3pPr>
+              <a:defRPr sz="1400"/>
+            </a:lvl3pPr>
+            <a:lvl4pPr>
+              <a:defRPr sz="1200"/>
+            </a:lvl4pPr>
+            <a:lvl5pPr>
+              <a:defRPr sz="1200"/>
+            </a:lvl5pPr>
+            <a:lvl6pPr>
+              <a:defRPr sz="1200"/>
+            </a:lvl6pPr>
+            <a:lvl7pPr>
+              <a:defRPr sz="1200"/>
+            </a:lvl7pPr>
+            <a:lvl8pPr>
+              <a:defRPr sz="1200"/>
+            </a:lvl8pPr>
+            <a:lvl9pPr>
+              <a:defRPr sz="1200"/>
+            </a:lvl9pPr>
+          </a:lstStyle>
           <a:p>
             <a:pPr lvl="0"/>
             <a:r>
@@ -1164,7 +3400,7 @@
               <a:rPr lang="en-US" smtClean="0"/>
               <a:t>Fifth level</a:t>
             </a:r>
-            <a:endParaRPr lang="en-US"/>
+            <a:endParaRPr lang="en-US" dirty="0"/>
           </a:p>
         </p:txBody>
       </p:sp>
@@ -1180,13 +3416,43 @@
         </p:nvSpPr>
         <p:spPr>
           <a:xfrm>
-            <a:off x="6172200" y="1825625"/>
-            <a:ext cx="5181600" cy="4351338"/>
+            <a:off x="6170612" y="2667000"/>
+            <a:ext cx="4876800" cy="3124200"/>
           </a:xfrm>
         </p:spPr>
         <p:txBody>
-          <a:bodyPr/>
-          <a:lstStyle/>
+          <a:bodyPr>
+            <a:normAutofit/>
+          </a:bodyPr>
+          <a:lstStyle>
+            <a:lvl1pPr>
+              <a:defRPr sz="1800"/>
+            </a:lvl1pPr>
+            <a:lvl2pPr>
+              <a:defRPr sz="1600"/>
+            </a:lvl2pPr>
+            <a:lvl3pPr>
+              <a:defRPr sz="1400"/>
+            </a:lvl3pPr>
+            <a:lvl4pPr>
+              <a:defRPr sz="1200"/>
+            </a:lvl4pPr>
+            <a:lvl5pPr>
+              <a:defRPr sz="1200"/>
+            </a:lvl5pPr>
+            <a:lvl6pPr>
+              <a:defRPr sz="1200"/>
+            </a:lvl6pPr>
+            <a:lvl7pPr>
+              <a:defRPr sz="1200"/>
+            </a:lvl7pPr>
+            <a:lvl8pPr>
+              <a:defRPr sz="1200"/>
+            </a:lvl8pPr>
+            <a:lvl9pPr>
+              <a:defRPr sz="1200"/>
+            </a:lvl9pPr>
+          </a:lstStyle>
           <a:p>
             <a:pPr lvl="0"/>
             <a:r>
@@ -1221,7 +3487,7 @@
               <a:rPr lang="en-US" smtClean="0"/>
               <a:t>Fifth level</a:t>
             </a:r>
-            <a:endParaRPr lang="en-US"/>
+            <a:endParaRPr lang="en-US" dirty="0"/>
           </a:p>
         </p:txBody>
       </p:sp>
@@ -1293,7 +3559,7 @@
     </p:spTree>
     <p:extLst>
       <p:ext uri="{BB962C8B-B14F-4D97-AF65-F5344CB8AC3E}">
-        <p14:creationId xmlns:p14="http://schemas.microsoft.com/office/powerpoint/2010/main" val="3287974244"/>
+        <p14:creationId xmlns:p14="http://schemas.microsoft.com/office/powerpoint/2010/main" val="3680955245"/>
       </p:ext>
     </p:extLst>
   </p:cSld>
@@ -1330,46 +3596,47 @@
             <p:ph type="title"/>
           </p:nvPr>
         </p:nvSpPr>
+        <p:spPr/>
+        <p:txBody>
+          <a:bodyPr/>
+          <a:lstStyle>
+            <a:lvl1pPr>
+              <a:defRPr/>
+            </a:lvl1pPr>
+          </a:lstStyle>
+          <a:p>
+            <a:r>
+              <a:rPr lang="en-US" smtClean="0"/>
+              <a:t>Click to edit Master title style</a:t>
+            </a:r>
+            <a:endParaRPr lang="en-US" dirty="0"/>
+          </a:p>
+        </p:txBody>
+      </p:sp>
+      <p:sp>
+        <p:nvSpPr>
+          <p:cNvPr id="3" name="Text Placeholder 2"/>
+          <p:cNvSpPr>
+            <a:spLocks noGrp="1"/>
+          </p:cNvSpPr>
+          <p:nvPr>
+            <p:ph type="body" idx="1"/>
+          </p:nvPr>
+        </p:nvSpPr>
         <p:spPr>
           <a:xfrm>
-            <a:off x="839788" y="365125"/>
-            <a:ext cx="10515600" cy="1325563"/>
+            <a:off x="1429280" y="2658533"/>
+            <a:ext cx="4588931" cy="576262"/>
           </a:xfrm>
         </p:spPr>
         <p:txBody>
-          <a:bodyPr/>
-          <a:lstStyle/>
-          <a:p>
-            <a:r>
-              <a:rPr lang="en-US" smtClean="0"/>
-              <a:t>Click to edit Master title style</a:t>
-            </a:r>
-            <a:endParaRPr lang="en-US"/>
-          </a:p>
-        </p:txBody>
-      </p:sp>
-      <p:sp>
-        <p:nvSpPr>
-          <p:cNvPr id="3" name="Text Placeholder 2"/>
-          <p:cNvSpPr>
-            <a:spLocks noGrp="1"/>
-          </p:cNvSpPr>
-          <p:nvPr>
-            <p:ph type="body" idx="1"/>
-          </p:nvPr>
-        </p:nvSpPr>
-        <p:spPr>
-          <a:xfrm>
-            <a:off x="839788" y="1681163"/>
-            <a:ext cx="5157787" cy="823912"/>
-          </a:xfrm>
-        </p:spPr>
-        <p:txBody>
-          <a:bodyPr anchor="b"/>
+          <a:bodyPr anchor="b">
+            <a:noAutofit/>
+          </a:bodyPr>
           <a:lstStyle>
             <a:lvl1pPr marL="0" indent="0">
               <a:buNone/>
-              <a:defRPr sz="2400" b="1"/>
+              <a:defRPr sz="2800" b="0"/>
             </a:lvl1pPr>
             <a:lvl2pPr marL="457200" indent="0">
               <a:buNone/>
@@ -1425,13 +3692,43 @@
         </p:nvSpPr>
         <p:spPr>
           <a:xfrm>
-            <a:off x="839788" y="2505075"/>
-            <a:ext cx="5157787" cy="3684588"/>
+            <a:off x="1141412" y="3243262"/>
+            <a:ext cx="4876800" cy="2547937"/>
           </a:xfrm>
         </p:spPr>
         <p:txBody>
-          <a:bodyPr/>
-          <a:lstStyle/>
+          <a:bodyPr anchor="t">
+            <a:normAutofit/>
+          </a:bodyPr>
+          <a:lstStyle>
+            <a:lvl1pPr>
+              <a:defRPr sz="1800"/>
+            </a:lvl1pPr>
+            <a:lvl2pPr>
+              <a:defRPr sz="1600"/>
+            </a:lvl2pPr>
+            <a:lvl3pPr>
+              <a:defRPr sz="1400"/>
+            </a:lvl3pPr>
+            <a:lvl4pPr>
+              <a:defRPr sz="1200"/>
+            </a:lvl4pPr>
+            <a:lvl5pPr>
+              <a:defRPr sz="1200"/>
+            </a:lvl5pPr>
+            <a:lvl6pPr>
+              <a:defRPr sz="1200"/>
+            </a:lvl6pPr>
+            <a:lvl7pPr>
+              <a:defRPr sz="1200"/>
+            </a:lvl7pPr>
+            <a:lvl8pPr>
+              <a:defRPr sz="1200"/>
+            </a:lvl8pPr>
+            <a:lvl9pPr>
+              <a:defRPr sz="1200"/>
+            </a:lvl9pPr>
+          </a:lstStyle>
           <a:p>
             <a:pPr lvl="0"/>
             <a:r>
@@ -1466,7 +3763,7 @@
               <a:rPr lang="en-US" smtClean="0"/>
               <a:t>Fifth level</a:t>
             </a:r>
-            <a:endParaRPr lang="en-US"/>
+            <a:endParaRPr lang="en-US" dirty="0"/>
           </a:p>
         </p:txBody>
       </p:sp>
@@ -1482,16 +3779,18 @@
         </p:nvSpPr>
         <p:spPr>
           <a:xfrm>
-            <a:off x="6172200" y="1681163"/>
-            <a:ext cx="5183188" cy="823912"/>
+            <a:off x="6443133" y="2667000"/>
+            <a:ext cx="4604280" cy="576262"/>
           </a:xfrm>
         </p:spPr>
         <p:txBody>
-          <a:bodyPr anchor="b"/>
+          <a:bodyPr anchor="b">
+            <a:noAutofit/>
+          </a:bodyPr>
           <a:lstStyle>
             <a:lvl1pPr marL="0" indent="0">
               <a:buNone/>
-              <a:defRPr sz="2400" b="1"/>
+              <a:defRPr sz="2800" b="0"/>
             </a:lvl1pPr>
             <a:lvl2pPr marL="457200" indent="0">
               <a:buNone/>
@@ -1547,13 +3846,43 @@
         </p:nvSpPr>
         <p:spPr>
           <a:xfrm>
-            <a:off x="6172200" y="2505075"/>
-            <a:ext cx="5183188" cy="3684588"/>
+            <a:off x="6170612" y="3243262"/>
+            <a:ext cx="4876801" cy="2547937"/>
           </a:xfrm>
         </p:spPr>
         <p:txBody>
-          <a:bodyPr/>
-          <a:lstStyle/>
+          <a:bodyPr anchor="t">
+            <a:normAutofit/>
+          </a:bodyPr>
+          <a:lstStyle>
+            <a:lvl1pPr>
+              <a:defRPr sz="1800"/>
+            </a:lvl1pPr>
+            <a:lvl2pPr>
+              <a:defRPr sz="1600"/>
+            </a:lvl2pPr>
+            <a:lvl3pPr>
+              <a:defRPr sz="1400"/>
+            </a:lvl3pPr>
+            <a:lvl4pPr>
+              <a:defRPr sz="1200"/>
+            </a:lvl4pPr>
+            <a:lvl5pPr>
+              <a:defRPr sz="1200"/>
+            </a:lvl5pPr>
+            <a:lvl6pPr>
+              <a:defRPr sz="1200"/>
+            </a:lvl6pPr>
+            <a:lvl7pPr>
+              <a:defRPr sz="1200"/>
+            </a:lvl7pPr>
+            <a:lvl8pPr>
+              <a:defRPr sz="1200"/>
+            </a:lvl8pPr>
+            <a:lvl9pPr>
+              <a:defRPr sz="1200"/>
+            </a:lvl9pPr>
+          </a:lstStyle>
           <a:p>
             <a:pPr lvl="0"/>
             <a:r>
@@ -1588,7 +3917,7 @@
               <a:rPr lang="en-US" smtClean="0"/>
               <a:t>Fifth level</a:t>
             </a:r>
-            <a:endParaRPr lang="en-US"/>
+            <a:endParaRPr lang="en-US" dirty="0"/>
           </a:p>
         </p:txBody>
       </p:sp>
@@ -1660,7 +3989,7 @@
     </p:spTree>
     <p:extLst>
       <p:ext uri="{BB962C8B-B14F-4D97-AF65-F5344CB8AC3E}">
-        <p14:creationId xmlns:p14="http://schemas.microsoft.com/office/powerpoint/2010/main" val="1018166250"/>
+        <p14:creationId xmlns:p14="http://schemas.microsoft.com/office/powerpoint/2010/main" val="1262346417"/>
       </p:ext>
     </p:extLst>
   </p:cSld>
@@ -1706,7 +4035,7 @@
               <a:rPr lang="en-US" smtClean="0"/>
               <a:t>Click to edit Master title style</a:t>
             </a:r>
-            <a:endParaRPr lang="en-US"/>
+            <a:endParaRPr lang="en-US" dirty="0"/>
           </a:p>
         </p:txBody>
       </p:sp>
@@ -1778,7 +4107,7 @@
     </p:spTree>
     <p:extLst>
       <p:ext uri="{BB962C8B-B14F-4D97-AF65-F5344CB8AC3E}">
-        <p14:creationId xmlns:p14="http://schemas.microsoft.com/office/powerpoint/2010/main" val="224021547"/>
+        <p14:creationId xmlns:p14="http://schemas.microsoft.com/office/powerpoint/2010/main" val="2299237781"/>
       </p:ext>
     </p:extLst>
   </p:cSld>
@@ -1873,7 +4202,7 @@
     </p:spTree>
     <p:extLst>
       <p:ext uri="{BB962C8B-B14F-4D97-AF65-F5344CB8AC3E}">
-        <p14:creationId xmlns:p14="http://schemas.microsoft.com/office/powerpoint/2010/main" val="672782498"/>
+        <p14:creationId xmlns:p14="http://schemas.microsoft.com/office/powerpoint/2010/main" val="1365265993"/>
       </p:ext>
     </p:extLst>
   </p:cSld>
@@ -1912,129 +4241,135 @@
         </p:nvSpPr>
         <p:spPr>
           <a:xfrm>
-            <a:off x="839788" y="457200"/>
-            <a:ext cx="3932237" cy="1600200"/>
+            <a:off x="1141411" y="1600200"/>
+            <a:ext cx="3549121" cy="1371600"/>
           </a:xfrm>
         </p:spPr>
         <p:txBody>
-          <a:bodyPr anchor="b"/>
+          <a:bodyPr anchor="b">
+            <a:normAutofit/>
+          </a:bodyPr>
+          <a:lstStyle>
+            <a:lvl1pPr algn="l">
+              <a:defRPr sz="2400" b="0"/>
+            </a:lvl1pPr>
+          </a:lstStyle>
+          <a:p>
+            <a:r>
+              <a:rPr lang="en-US" smtClean="0"/>
+              <a:t>Click to edit Master title style</a:t>
+            </a:r>
+            <a:endParaRPr lang="en-US" dirty="0"/>
+          </a:p>
+        </p:txBody>
+      </p:sp>
+      <p:sp>
+        <p:nvSpPr>
+          <p:cNvPr id="3" name="Content Placeholder 2"/>
+          <p:cNvSpPr>
+            <a:spLocks noGrp="1"/>
+          </p:cNvSpPr>
+          <p:nvPr>
+            <p:ph idx="1"/>
+          </p:nvPr>
+        </p:nvSpPr>
+        <p:spPr>
+          <a:xfrm>
+            <a:off x="5103812" y="609601"/>
+            <a:ext cx="5943601" cy="5181600"/>
+          </a:xfrm>
+        </p:spPr>
+        <p:txBody>
+          <a:bodyPr anchor="ctr">
+            <a:normAutofit/>
+          </a:bodyPr>
           <a:lstStyle>
             <a:lvl1pPr>
-              <a:defRPr sz="3200"/>
+              <a:defRPr sz="2000"/>
             </a:lvl1pPr>
+            <a:lvl2pPr>
+              <a:defRPr sz="1800"/>
+            </a:lvl2pPr>
+            <a:lvl3pPr>
+              <a:defRPr sz="1600"/>
+            </a:lvl3pPr>
+            <a:lvl4pPr>
+              <a:defRPr sz="1400"/>
+            </a:lvl4pPr>
+            <a:lvl5pPr>
+              <a:defRPr sz="1400"/>
+            </a:lvl5pPr>
+            <a:lvl6pPr>
+              <a:defRPr sz="1400"/>
+            </a:lvl6pPr>
+            <a:lvl7pPr>
+              <a:defRPr sz="1400"/>
+            </a:lvl7pPr>
+            <a:lvl8pPr>
+              <a:defRPr sz="1400"/>
+            </a:lvl8pPr>
+            <a:lvl9pPr>
+              <a:defRPr sz="1400"/>
+            </a:lvl9pPr>
           </a:lstStyle>
           <a:p>
-            <a:r>
-              <a:rPr lang="en-US" smtClean="0"/>
-              <a:t>Click to edit Master title style</a:t>
-            </a:r>
-            <a:endParaRPr lang="en-US"/>
-          </a:p>
-        </p:txBody>
-      </p:sp>
-      <p:sp>
-        <p:nvSpPr>
-          <p:cNvPr id="3" name="Content Placeholder 2"/>
-          <p:cNvSpPr>
-            <a:spLocks noGrp="1"/>
-          </p:cNvSpPr>
-          <p:nvPr>
-            <p:ph idx="1"/>
+            <a:pPr lvl="0"/>
+            <a:r>
+              <a:rPr lang="en-US" smtClean="0"/>
+              <a:t>Click to edit Master text styles</a:t>
+            </a:r>
+          </a:p>
+          <a:p>
+            <a:pPr lvl="1"/>
+            <a:r>
+              <a:rPr lang="en-US" smtClean="0"/>
+              <a:t>Second level</a:t>
+            </a:r>
+          </a:p>
+          <a:p>
+            <a:pPr lvl="2"/>
+            <a:r>
+              <a:rPr lang="en-US" smtClean="0"/>
+              <a:t>Third level</a:t>
+            </a:r>
+          </a:p>
+          <a:p>
+            <a:pPr lvl="3"/>
+            <a:r>
+              <a:rPr lang="en-US" smtClean="0"/>
+              <a:t>Fourth level</a:t>
+            </a:r>
+          </a:p>
+          <a:p>
+            <a:pPr lvl="4"/>
+            <a:r>
+              <a:rPr lang="en-US" smtClean="0"/>
+              <a:t>Fifth level</a:t>
+            </a:r>
+            <a:endParaRPr lang="en-US" dirty="0"/>
+          </a:p>
+        </p:txBody>
+      </p:sp>
+      <p:sp>
+        <p:nvSpPr>
+          <p:cNvPr id="4" name="Text Placeholder 3"/>
+          <p:cNvSpPr>
+            <a:spLocks noGrp="1"/>
+          </p:cNvSpPr>
+          <p:nvPr>
+            <p:ph type="body" sz="half" idx="2"/>
           </p:nvPr>
         </p:nvSpPr>
         <p:spPr>
           <a:xfrm>
-            <a:off x="5183188" y="987425"/>
-            <a:ext cx="6172200" cy="4873625"/>
+            <a:off x="1141411" y="2971800"/>
+            <a:ext cx="3549121" cy="1828800"/>
           </a:xfrm>
         </p:spPr>
         <p:txBody>
-          <a:bodyPr/>
-          <a:lstStyle>
-            <a:lvl1pPr>
-              <a:defRPr sz="3200"/>
-            </a:lvl1pPr>
-            <a:lvl2pPr>
-              <a:defRPr sz="2800"/>
-            </a:lvl2pPr>
-            <a:lvl3pPr>
-              <a:defRPr sz="2400"/>
-            </a:lvl3pPr>
-            <a:lvl4pPr>
-              <a:defRPr sz="2000"/>
-            </a:lvl4pPr>
-            <a:lvl5pPr>
-              <a:defRPr sz="2000"/>
-            </a:lvl5pPr>
-            <a:lvl6pPr>
-              <a:defRPr sz="2000"/>
-            </a:lvl6pPr>
-            <a:lvl7pPr>
-              <a:defRPr sz="2000"/>
-            </a:lvl7pPr>
-            <a:lvl8pPr>
-              <a:defRPr sz="2000"/>
-            </a:lvl8pPr>
-            <a:lvl9pPr>
-              <a:defRPr sz="2000"/>
-            </a:lvl9pPr>
-          </a:lstStyle>
-          <a:p>
-            <a:pPr lvl="0"/>
-            <a:r>
-              <a:rPr lang="en-US" smtClean="0"/>
-              <a:t>Click to edit Master text styles</a:t>
-            </a:r>
-          </a:p>
-          <a:p>
-            <a:pPr lvl="1"/>
-            <a:r>
-              <a:rPr lang="en-US" smtClean="0"/>
-              <a:t>Second level</a:t>
-            </a:r>
-          </a:p>
-          <a:p>
-            <a:pPr lvl="2"/>
-            <a:r>
-              <a:rPr lang="en-US" smtClean="0"/>
-              <a:t>Third level</a:t>
-            </a:r>
-          </a:p>
-          <a:p>
-            <a:pPr lvl="3"/>
-            <a:r>
-              <a:rPr lang="en-US" smtClean="0"/>
-              <a:t>Fourth level</a:t>
-            </a:r>
-          </a:p>
-          <a:p>
-            <a:pPr lvl="4"/>
-            <a:r>
-              <a:rPr lang="en-US" smtClean="0"/>
-              <a:t>Fifth level</a:t>
-            </a:r>
-            <a:endParaRPr lang="en-US"/>
-          </a:p>
-        </p:txBody>
-      </p:sp>
-      <p:sp>
-        <p:nvSpPr>
-          <p:cNvPr id="4" name="Text Placeholder 3"/>
-          <p:cNvSpPr>
-            <a:spLocks noGrp="1"/>
-          </p:cNvSpPr>
-          <p:nvPr>
-            <p:ph type="body" sz="half" idx="2"/>
-          </p:nvPr>
-        </p:nvSpPr>
-        <p:spPr>
-          <a:xfrm>
-            <a:off x="839788" y="2057400"/>
-            <a:ext cx="3932237" cy="3811588"/>
-          </a:xfrm>
-        </p:spPr>
-        <p:txBody>
-          <a:bodyPr/>
+          <a:bodyPr>
+            <a:normAutofit/>
+          </a:bodyPr>
           <a:lstStyle>
             <a:lvl1pPr marL="0" indent="0">
               <a:buNone/>
@@ -2042,35 +4377,35 @@
             </a:lvl1pPr>
             <a:lvl2pPr marL="457200" indent="0">
               <a:buNone/>
-              <a:defRPr sz="1400"/>
+              <a:defRPr sz="1200"/>
             </a:lvl2pPr>
             <a:lvl3pPr marL="914400" indent="0">
               <a:buNone/>
-              <a:defRPr sz="1200"/>
+              <a:defRPr sz="1000"/>
             </a:lvl3pPr>
             <a:lvl4pPr marL="1371600" indent="0">
               <a:buNone/>
-              <a:defRPr sz="1000"/>
+              <a:defRPr sz="900"/>
             </a:lvl4pPr>
             <a:lvl5pPr marL="1828800" indent="0">
               <a:buNone/>
-              <a:defRPr sz="1000"/>
+              <a:defRPr sz="900"/>
             </a:lvl5pPr>
             <a:lvl6pPr marL="2286000" indent="0">
               <a:buNone/>
-              <a:defRPr sz="1000"/>
+              <a:defRPr sz="900"/>
             </a:lvl6pPr>
             <a:lvl7pPr marL="2743200" indent="0">
               <a:buNone/>
-              <a:defRPr sz="1000"/>
+              <a:defRPr sz="900"/>
             </a:lvl7pPr>
             <a:lvl8pPr marL="3200400" indent="0">
               <a:buNone/>
-              <a:defRPr sz="1000"/>
+              <a:defRPr sz="900"/>
             </a:lvl8pPr>
             <a:lvl9pPr marL="3657600" indent="0">
               <a:buNone/>
-              <a:defRPr sz="1000"/>
+              <a:defRPr sz="900"/>
             </a:lvl9pPr>
           </a:lstStyle>
           <a:p>
@@ -2150,7 +4485,7 @@
     </p:spTree>
     <p:extLst>
       <p:ext uri="{BB962C8B-B14F-4D97-AF65-F5344CB8AC3E}">
-        <p14:creationId xmlns:p14="http://schemas.microsoft.com/office/powerpoint/2010/main" val="1735166347"/>
+        <p14:creationId xmlns:p14="http://schemas.microsoft.com/office/powerpoint/2010/main" val="2249687920"/>
       </p:ext>
     </p:extLst>
   </p:cSld>
@@ -2189,15 +4524,17 @@
         </p:nvSpPr>
         <p:spPr>
           <a:xfrm>
-            <a:off x="839788" y="457200"/>
-            <a:ext cx="3932237" cy="1600200"/>
+            <a:off x="1141411" y="1600200"/>
+            <a:ext cx="5334001" cy="1371600"/>
           </a:xfrm>
         </p:spPr>
         <p:txBody>
-          <a:bodyPr anchor="b"/>
+          <a:bodyPr anchor="b">
+            <a:normAutofit/>
+          </a:bodyPr>
           <a:lstStyle>
-            <a:lvl1pPr>
-              <a:defRPr sz="3200"/>
+            <a:lvl1pPr algn="l">
+              <a:defRPr sz="2800" b="0"/>
             </a:lvl1pPr>
           </a:lstStyle>
           <a:p>
@@ -2205,15 +4542,15 @@
               <a:rPr lang="en-US" smtClean="0"/>
               <a:t>Click to edit Master title style</a:t>
             </a:r>
-            <a:endParaRPr lang="en-US"/>
-          </a:p>
-        </p:txBody>
-      </p:sp>
-      <p:sp>
-        <p:nvSpPr>
-          <p:cNvPr id="3" name="Picture Placeholder 2"/>
-          <p:cNvSpPr>
-            <a:spLocks noGrp="1"/>
+            <a:endParaRPr lang="en-US" dirty="0"/>
+          </a:p>
+        </p:txBody>
+      </p:sp>
+      <p:sp>
+        <p:nvSpPr>
+          <p:cNvPr id="14" name="Picture Placeholder 2"/>
+          <p:cNvSpPr>
+            <a:spLocks noGrp="1" noChangeAspect="1"/>
           </p:cNvSpPr>
           <p:nvPr>
             <p:ph type="pic" idx="1"/>
@@ -2221,112 +4558,143 @@
         </p:nvSpPr>
         <p:spPr>
           <a:xfrm>
-            <a:off x="5183188" y="987425"/>
-            <a:ext cx="6172200" cy="4873625"/>
+            <a:off x="7433733" y="-18288"/>
+            <a:ext cx="3276599" cy="6903720"/>
           </a:xfrm>
+          <a:ln w="38100">
+            <a:gradFill flip="none" rotWithShape="1">
+              <a:gsLst>
+                <a:gs pos="0">
+                  <a:schemeClr val="bg2"/>
+                </a:gs>
+                <a:gs pos="100000">
+                  <a:schemeClr val="bg2">
+                    <a:lumMod val="75000"/>
+                  </a:schemeClr>
+                </a:gs>
+              </a:gsLst>
+              <a:lin ang="5400000" scaled="0"/>
+              <a:tileRect/>
+            </a:gradFill>
+          </a:ln>
+          <a:effectLst>
+            <a:innerShdw blurRad="57150" dist="38100" dir="10800000">
+              <a:srgbClr val="000000">
+                <a:alpha val="70000"/>
+              </a:srgbClr>
+            </a:innerShdw>
+          </a:effectLst>
         </p:spPr>
         <p:txBody>
-          <a:bodyPr/>
+          <a:bodyPr anchor="t">
+            <a:normAutofit/>
+          </a:bodyPr>
           <a:lstStyle>
-            <a:lvl1pPr marL="0" indent="0">
-              <a:buNone/>
-              <a:defRPr sz="3200"/>
-            </a:lvl1pPr>
-            <a:lvl2pPr marL="457200" indent="0">
-              <a:buNone/>
-              <a:defRPr sz="2800"/>
-            </a:lvl2pPr>
-            <a:lvl3pPr marL="914400" indent="0">
-              <a:buNone/>
-              <a:defRPr sz="2400"/>
-            </a:lvl3pPr>
-            <a:lvl4pPr marL="1371600" indent="0">
-              <a:buNone/>
-              <a:defRPr sz="2000"/>
-            </a:lvl4pPr>
-            <a:lvl5pPr marL="1828800" indent="0">
-              <a:buNone/>
-              <a:defRPr sz="2000"/>
-            </a:lvl5pPr>
-            <a:lvl6pPr marL="2286000" indent="0">
-              <a:buNone/>
-              <a:defRPr sz="2000"/>
-            </a:lvl6pPr>
-            <a:lvl7pPr marL="2743200" indent="0">
-              <a:buNone/>
-              <a:defRPr sz="2000"/>
-            </a:lvl7pPr>
-            <a:lvl8pPr marL="3200400" indent="0">
-              <a:buNone/>
-              <a:defRPr sz="2000"/>
-            </a:lvl8pPr>
-            <a:lvl9pPr marL="3657600" indent="0">
-              <a:buNone/>
-              <a:defRPr sz="2000"/>
-            </a:lvl9pPr>
-          </a:lstStyle>
-          <a:p>
-            <a:endParaRPr lang="en-US"/>
-          </a:p>
-        </p:txBody>
-      </p:sp>
-      <p:sp>
-        <p:nvSpPr>
-          <p:cNvPr id="4" name="Text Placeholder 3"/>
-          <p:cNvSpPr>
-            <a:spLocks noGrp="1"/>
-          </p:cNvSpPr>
-          <p:nvPr>
-            <p:ph type="body" sz="half" idx="2"/>
-          </p:nvPr>
-        </p:nvSpPr>
-        <p:spPr>
-          <a:xfrm>
-            <a:off x="839788" y="2057400"/>
-            <a:ext cx="3932237" cy="3811588"/>
-          </a:xfrm>
-        </p:spPr>
-        <p:txBody>
-          <a:bodyPr/>
-          <a:lstStyle>
-            <a:lvl1pPr marL="0" indent="0">
+            <a:lvl1pPr marL="0" indent="0" algn="ctr">
               <a:buNone/>
               <a:defRPr sz="1600"/>
             </a:lvl1pPr>
             <a:lvl2pPr marL="457200" indent="0">
               <a:buNone/>
-              <a:defRPr sz="1400"/>
+              <a:defRPr sz="1600"/>
             </a:lvl2pPr>
             <a:lvl3pPr marL="914400" indent="0">
               <a:buNone/>
-              <a:defRPr sz="1200"/>
+              <a:defRPr sz="1600"/>
             </a:lvl3pPr>
             <a:lvl4pPr marL="1371600" indent="0">
               <a:buNone/>
-              <a:defRPr sz="1000"/>
+              <a:defRPr sz="1600"/>
             </a:lvl4pPr>
             <a:lvl5pPr marL="1828800" indent="0">
               <a:buNone/>
-              <a:defRPr sz="1000"/>
+              <a:defRPr sz="1600"/>
             </a:lvl5pPr>
             <a:lvl6pPr marL="2286000" indent="0">
               <a:buNone/>
-              <a:defRPr sz="1000"/>
+              <a:defRPr sz="1600"/>
             </a:lvl6pPr>
             <a:lvl7pPr marL="2743200" indent="0">
               <a:buNone/>
-              <a:defRPr sz="1000"/>
+              <a:defRPr sz="1600"/>
             </a:lvl7pPr>
             <a:lvl8pPr marL="3200400" indent="0">
               <a:buNone/>
-              <a:defRPr sz="1000"/>
+              <a:defRPr sz="1600"/>
             </a:lvl8pPr>
             <a:lvl9pPr marL="3657600" indent="0">
               <a:buNone/>
-              <a:defRPr sz="1000"/>
+              <a:defRPr sz="1600"/>
             </a:lvl9pPr>
           </a:lstStyle>
           <a:p>
+            <a:r>
+              <a:rPr lang="en-US" smtClean="0"/>
+              <a:t>Click icon to add picture</a:t>
+            </a:r>
+            <a:endParaRPr lang="en-US" dirty="0"/>
+          </a:p>
+        </p:txBody>
+      </p:sp>
+      <p:sp>
+        <p:nvSpPr>
+          <p:cNvPr id="4" name="Text Placeholder 3"/>
+          <p:cNvSpPr>
+            <a:spLocks noGrp="1"/>
+          </p:cNvSpPr>
+          <p:nvPr>
+            <p:ph type="body" sz="half" idx="2"/>
+          </p:nvPr>
+        </p:nvSpPr>
+        <p:spPr>
+          <a:xfrm>
+            <a:off x="1141411" y="2971800"/>
+            <a:ext cx="5334001" cy="1828800"/>
+          </a:xfrm>
+        </p:spPr>
+        <p:txBody>
+          <a:bodyPr>
+            <a:normAutofit/>
+          </a:bodyPr>
+          <a:lstStyle>
+            <a:lvl1pPr marL="0" indent="0">
+              <a:buNone/>
+              <a:defRPr sz="1800"/>
+            </a:lvl1pPr>
+            <a:lvl2pPr marL="457200" indent="0">
+              <a:buNone/>
+              <a:defRPr sz="1200"/>
+            </a:lvl2pPr>
+            <a:lvl3pPr marL="914400" indent="0">
+              <a:buNone/>
+              <a:defRPr sz="1000"/>
+            </a:lvl3pPr>
+            <a:lvl4pPr marL="1371600" indent="0">
+              <a:buNone/>
+              <a:defRPr sz="900"/>
+            </a:lvl4pPr>
+            <a:lvl5pPr marL="1828800" indent="0">
+              <a:buNone/>
+              <a:defRPr sz="900"/>
+            </a:lvl5pPr>
+            <a:lvl6pPr marL="2286000" indent="0">
+              <a:buNone/>
+              <a:defRPr sz="900"/>
+            </a:lvl6pPr>
+            <a:lvl7pPr marL="2743200" indent="0">
+              <a:buNone/>
+              <a:defRPr sz="900"/>
+            </a:lvl7pPr>
+            <a:lvl8pPr marL="3200400" indent="0">
+              <a:buNone/>
+              <a:defRPr sz="900"/>
+            </a:lvl8pPr>
+            <a:lvl9pPr marL="3657600" indent="0">
+              <a:buNone/>
+              <a:defRPr sz="900"/>
+            </a:lvl9pPr>
+          </a:lstStyle>
+          <a:p>
             <a:pPr lvl="0"/>
             <a:r>
               <a:rPr lang="en-US" smtClean="0"/>
@@ -2345,7 +4713,12 @@
             <p:ph type="dt" sz="half" idx="10"/>
           </p:nvPr>
         </p:nvSpPr>
-        <p:spPr/>
+        <p:spPr>
+          <a:xfrm>
+            <a:off x="6399212" y="5883275"/>
+            <a:ext cx="914400" cy="365125"/>
+          </a:xfrm>
+        </p:spPr>
         <p:txBody>
           <a:bodyPr/>
           <a:lstStyle/>
@@ -2368,7 +4741,12 @@
             <p:ph type="ftr" sz="quarter" idx="11"/>
           </p:nvPr>
         </p:nvSpPr>
-        <p:spPr/>
+        <p:spPr>
+          <a:xfrm>
+            <a:off x="1141412" y="5883275"/>
+            <a:ext cx="5105400" cy="365125"/>
+          </a:xfrm>
+        </p:spPr>
         <p:txBody>
           <a:bodyPr/>
           <a:lstStyle/>
@@ -2387,7 +4765,12 @@
             <p:ph type="sldNum" sz="quarter" idx="12"/>
           </p:nvPr>
         </p:nvSpPr>
-        <p:spPr/>
+        <p:spPr>
+          <a:xfrm>
+            <a:off x="10742612" y="5883275"/>
+            <a:ext cx="322567" cy="365125"/>
+          </a:xfrm>
+        </p:spPr>
         <p:txBody>
           <a:bodyPr/>
           <a:lstStyle/>
@@ -2403,7 +4786,7 @@
     </p:spTree>
     <p:extLst>
       <p:ext uri="{BB962C8B-B14F-4D97-AF65-F5344CB8AC3E}">
-        <p14:creationId xmlns:p14="http://schemas.microsoft.com/office/powerpoint/2010/main" val="4206196613"/>
+        <p14:creationId xmlns:p14="http://schemas.microsoft.com/office/powerpoint/2010/main" val="763696693"/>
       </p:ext>
     </p:extLst>
   </p:cSld>
@@ -2417,8 +4800,8 @@
 <p:sldMaster xmlns:a="http://schemas.openxmlformats.org/drawingml/2006/main" xmlns:r="http://schemas.openxmlformats.org/officeDocument/2006/relationships" xmlns:p="http://schemas.openxmlformats.org/presentationml/2006/main">
   <p:cSld>
     <p:bg>
-      <p:bgRef idx="1001">
-        <a:schemeClr val="bg1"/>
+      <p:bgRef idx="1003">
+        <a:schemeClr val="bg2"/>
       </p:bgRef>
     </p:bg>
     <p:spTree>
@@ -2447,8 +4830,8 @@
         </p:nvSpPr>
         <p:spPr>
           <a:xfrm>
-            <a:off x="838200" y="365125"/>
-            <a:ext cx="10515600" cy="1325563"/>
+            <a:off x="1141413" y="609600"/>
+            <a:ext cx="9905998" cy="1905000"/>
           </a:xfrm>
           <a:prstGeom prst="rect">
             <a:avLst/>
@@ -2464,7 +4847,7 @@
               <a:rPr lang="en-US" smtClean="0"/>
               <a:t>Click to edit Master title style</a:t>
             </a:r>
-            <a:endParaRPr lang="en-US"/>
+            <a:endParaRPr lang="en-US" dirty="0"/>
           </a:p>
         </p:txBody>
       </p:sp>
@@ -2480,15 +4863,15 @@
         </p:nvSpPr>
         <p:spPr>
           <a:xfrm>
-            <a:off x="838200" y="1825625"/>
-            <a:ext cx="10515600" cy="4351338"/>
+            <a:off x="1141413" y="2666999"/>
+            <a:ext cx="9905998" cy="3124201"/>
           </a:xfrm>
           <a:prstGeom prst="rect">
             <a:avLst/>
           </a:prstGeom>
         </p:spPr>
         <p:txBody>
-          <a:bodyPr vert="horz" lIns="91440" tIns="45720" rIns="91440" bIns="45720" rtlCol="0">
+          <a:bodyPr vert="horz" lIns="91440" tIns="45720" rIns="91440" bIns="45720" rtlCol="0" anchor="ctr">
             <a:normAutofit/>
           </a:bodyPr>
           <a:lstStyle/>
@@ -2526,7 +4909,7 @@
               <a:rPr lang="en-US" smtClean="0"/>
               <a:t>Fifth level</a:t>
             </a:r>
-            <a:endParaRPr lang="en-US"/>
+            <a:endParaRPr lang="en-US" dirty="0"/>
           </a:p>
         </p:txBody>
       </p:sp>
@@ -2542,8 +4925,8 @@
         </p:nvSpPr>
         <p:spPr>
           <a:xfrm>
-            <a:off x="838200" y="6356350"/>
-            <a:ext cx="2743200" cy="365125"/>
+            <a:off x="8837612" y="5883275"/>
+            <a:ext cx="1600200" cy="365125"/>
           </a:xfrm>
           <a:prstGeom prst="rect">
             <a:avLst/>
@@ -2552,13 +4935,21 @@
         <p:txBody>
           <a:bodyPr vert="horz" lIns="91440" tIns="45720" rIns="91440" bIns="45720" rtlCol="0" anchor="ctr"/>
           <a:lstStyle>
-            <a:lvl1pPr algn="l">
-              <a:defRPr sz="1200">
+            <a:lvl1pPr algn="r">
+              <a:defRPr sz="900" b="1" i="0">
                 <a:solidFill>
                   <a:schemeClr val="tx1">
-                    <a:tint val="75000"/>
+                    <a:lumMod val="75000"/>
                   </a:schemeClr>
                 </a:solidFill>
+                <a:effectLst>
+                  <a:outerShdw blurRad="50800" dist="38100" dir="2700000" algn="tl" rotWithShape="0">
+                    <a:srgbClr val="000000">
+                      <a:alpha val="43000"/>
+                    </a:srgbClr>
+                  </a:outerShdw>
+                </a:effectLst>
+                <a:latin typeface="+mn-lt"/>
               </a:defRPr>
             </a:lvl1pPr>
           </a:lstStyle>
@@ -2583,8 +4974,8 @@
         </p:nvSpPr>
         <p:spPr>
           <a:xfrm>
-            <a:off x="4038600" y="6356350"/>
-            <a:ext cx="4114800" cy="365125"/>
+            <a:off x="1141412" y="5883275"/>
+            <a:ext cx="7543800" cy="365125"/>
           </a:xfrm>
           <a:prstGeom prst="rect">
             <a:avLst/>
@@ -2593,13 +4984,21 @@
         <p:txBody>
           <a:bodyPr vert="horz" lIns="91440" tIns="45720" rIns="91440" bIns="45720" rtlCol="0" anchor="ctr"/>
           <a:lstStyle>
-            <a:lvl1pPr algn="ctr">
-              <a:defRPr sz="1200">
+            <a:lvl1pPr algn="l">
+              <a:defRPr sz="900" b="1" i="0">
                 <a:solidFill>
                   <a:schemeClr val="tx1">
-                    <a:tint val="75000"/>
+                    <a:lumMod val="75000"/>
                   </a:schemeClr>
                 </a:solidFill>
+                <a:effectLst>
+                  <a:outerShdw blurRad="50800" dist="38100" dir="2700000" algn="tl" rotWithShape="0">
+                    <a:srgbClr val="000000">
+                      <a:alpha val="43000"/>
+                    </a:srgbClr>
+                  </a:outerShdw>
+                </a:effectLst>
+                <a:latin typeface="+mn-lt"/>
               </a:defRPr>
             </a:lvl1pPr>
           </a:lstStyle>
@@ -2620,8 +5019,8 @@
         </p:nvSpPr>
         <p:spPr>
           <a:xfrm>
-            <a:off x="8610600" y="6356350"/>
-            <a:ext cx="2743200" cy="365125"/>
+            <a:off x="10514012" y="5883275"/>
+            <a:ext cx="551167" cy="365125"/>
           </a:xfrm>
           <a:prstGeom prst="rect">
             <a:avLst/>
@@ -2631,12 +5030,20 @@
           <a:bodyPr vert="horz" lIns="91440" tIns="45720" rIns="91440" bIns="45720" rtlCol="0" anchor="ctr"/>
           <a:lstStyle>
             <a:lvl1pPr algn="r">
-              <a:defRPr sz="1200">
+              <a:defRPr sz="900" b="1" i="0">
                 <a:solidFill>
                   <a:schemeClr val="tx1">
-                    <a:tint val="75000"/>
+                    <a:lumMod val="75000"/>
                   </a:schemeClr>
                 </a:solidFill>
+                <a:effectLst>
+                  <a:outerShdw blurRad="50800" dist="38100" dir="2700000" algn="tl" rotWithShape="0">
+                    <a:srgbClr val="000000">
+                      <a:alpha val="43000"/>
+                    </a:srgbClr>
+                  </a:outerShdw>
+                </a:effectLst>
+                <a:latin typeface="+mn-lt"/>
               </a:defRPr>
             </a:lvl1pPr>
           </a:lstStyle>
@@ -2652,202 +5059,550 @@
     </p:spTree>
     <p:extLst>
       <p:ext uri="{BB962C8B-B14F-4D97-AF65-F5344CB8AC3E}">
-        <p14:creationId xmlns:p14="http://schemas.microsoft.com/office/powerpoint/2010/main" val="74812354"/>
+        <p14:creationId xmlns:p14="http://schemas.microsoft.com/office/powerpoint/2010/main" val="2029283789"/>
       </p:ext>
     </p:extLst>
   </p:cSld>
-  <p:clrMap bg1="lt1" tx1="dk1" bg2="lt2" tx2="dk2" accent1="accent1" accent2="accent2" accent3="accent3" accent4="accent4" accent5="accent5" accent6="accent6" hlink="hlink" folHlink="folHlink"/>
+  <p:clrMap bg1="dk1" tx1="lt1" bg2="dk2" tx2="lt2" accent1="accent1" accent2="accent2" accent3="accent3" accent4="accent4" accent5="accent5" accent6="accent6" hlink="hlink" folHlink="folHlink"/>
   <p:sldLayoutIdLst>
-    <p:sldLayoutId id="2147483649" r:id="rId1"/>
-    <p:sldLayoutId id="2147483650" r:id="rId2"/>
-    <p:sldLayoutId id="2147483651" r:id="rId3"/>
-    <p:sldLayoutId id="2147483652" r:id="rId4"/>
-    <p:sldLayoutId id="2147483653" r:id="rId5"/>
-    <p:sldLayoutId id="2147483654" r:id="rId6"/>
-    <p:sldLayoutId id="2147483655" r:id="rId7"/>
-    <p:sldLayoutId id="2147483656" r:id="rId8"/>
-    <p:sldLayoutId id="2147483657" r:id="rId9"/>
-    <p:sldLayoutId id="2147483658" r:id="rId10"/>
-    <p:sldLayoutId id="2147483659" r:id="rId11"/>
+    <p:sldLayoutId id="2147483745" r:id="rId1"/>
+    <p:sldLayoutId id="2147483746" r:id="rId2"/>
+    <p:sldLayoutId id="2147483747" r:id="rId3"/>
+    <p:sldLayoutId id="2147483748" r:id="rId4"/>
+    <p:sldLayoutId id="2147483749" r:id="rId5"/>
+    <p:sldLayoutId id="2147483750" r:id="rId6"/>
+    <p:sldLayoutId id="2147483751" r:id="rId7"/>
+    <p:sldLayoutId id="2147483752" r:id="rId8"/>
+    <p:sldLayoutId id="2147483753" r:id="rId9"/>
+    <p:sldLayoutId id="2147483754" r:id="rId10"/>
+    <p:sldLayoutId id="2147483755" r:id="rId11"/>
+    <p:sldLayoutId id="2147483756" r:id="rId12"/>
+    <p:sldLayoutId id="2147483757" r:id="rId13"/>
+    <p:sldLayoutId id="2147483758" r:id="rId14"/>
+    <p:sldLayoutId id="2147483759" r:id="rId15"/>
+    <p:sldLayoutId id="2147483760" r:id="rId16"/>
+    <p:sldLayoutId id="2147483761" r:id="rId17"/>
   </p:sldLayoutIdLst>
   <p:txStyles>
     <p:titleStyle>
-      <a:lvl1pPr algn="l" defTabSz="914400" rtl="0" eaLnBrk="1" latinLnBrk="0" hangingPunct="1">
-        <a:lnSpc>
-          <a:spcPct val="90000"/>
-        </a:lnSpc>
+      <a:lvl1pPr algn="l" defTabSz="457200" rtl="0" eaLnBrk="1" latinLnBrk="0" hangingPunct="1">
         <a:spcBef>
           <a:spcPct val="0"/>
         </a:spcBef>
         <a:buNone/>
-        <a:defRPr sz="4400" kern="1200">
-          <a:solidFill>
-            <a:schemeClr val="tx1"/>
-          </a:solidFill>
+        <a:defRPr sz="3200" kern="1200" cap="all">
+          <a:ln w="3175" cmpd="sng">
+            <a:noFill/>
+          </a:ln>
+          <a:gradFill flip="none" rotWithShape="1">
+            <a:gsLst>
+              <a:gs pos="0">
+                <a:schemeClr val="tx1"/>
+              </a:gs>
+              <a:gs pos="100000">
+                <a:schemeClr val="tx1">
+                  <a:lumMod val="65000"/>
+                </a:schemeClr>
+              </a:gs>
+            </a:gsLst>
+            <a:lin ang="5580000" scaled="0"/>
+            <a:tileRect/>
+          </a:gradFill>
+          <a:effectLst>
+            <a:glow rad="38100">
+              <a:schemeClr val="bg1">
+                <a:lumMod val="65000"/>
+                <a:lumOff val="35000"/>
+                <a:alpha val="40000"/>
+              </a:schemeClr>
+            </a:glow>
+            <a:outerShdw blurRad="28575" dist="38100" dir="14040000" algn="tl" rotWithShape="0">
+              <a:srgbClr val="000000">
+                <a:alpha val="25000"/>
+              </a:srgbClr>
+            </a:outerShdw>
+          </a:effectLst>
           <a:latin typeface="+mj-lt"/>
           <a:ea typeface="+mj-ea"/>
           <a:cs typeface="+mj-cs"/>
         </a:defRPr>
       </a:lvl1pPr>
+      <a:lvl2pPr eaLnBrk="1" hangingPunct="1">
+        <a:defRPr>
+          <a:solidFill>
+            <a:schemeClr val="tx2"/>
+          </a:solidFill>
+        </a:defRPr>
+      </a:lvl2pPr>
+      <a:lvl3pPr eaLnBrk="1" hangingPunct="1">
+        <a:defRPr>
+          <a:solidFill>
+            <a:schemeClr val="tx2"/>
+          </a:solidFill>
+        </a:defRPr>
+      </a:lvl3pPr>
+      <a:lvl4pPr eaLnBrk="1" hangingPunct="1">
+        <a:defRPr>
+          <a:solidFill>
+            <a:schemeClr val="tx2"/>
+          </a:solidFill>
+        </a:defRPr>
+      </a:lvl4pPr>
+      <a:lvl5pPr eaLnBrk="1" hangingPunct="1">
+        <a:defRPr>
+          <a:solidFill>
+            <a:schemeClr val="tx2"/>
+          </a:solidFill>
+        </a:defRPr>
+      </a:lvl5pPr>
+      <a:lvl6pPr eaLnBrk="1" hangingPunct="1">
+        <a:defRPr>
+          <a:solidFill>
+            <a:schemeClr val="tx2"/>
+          </a:solidFill>
+        </a:defRPr>
+      </a:lvl6pPr>
+      <a:lvl7pPr eaLnBrk="1" hangingPunct="1">
+        <a:defRPr>
+          <a:solidFill>
+            <a:schemeClr val="tx2"/>
+          </a:solidFill>
+        </a:defRPr>
+      </a:lvl7pPr>
+      <a:lvl8pPr eaLnBrk="1" hangingPunct="1">
+        <a:defRPr>
+          <a:solidFill>
+            <a:schemeClr val="tx2"/>
+          </a:solidFill>
+        </a:defRPr>
+      </a:lvl8pPr>
+      <a:lvl9pPr eaLnBrk="1" hangingPunct="1">
+        <a:defRPr>
+          <a:solidFill>
+            <a:schemeClr val="tx2"/>
+          </a:solidFill>
+        </a:defRPr>
+      </a:lvl9pPr>
     </p:titleStyle>
     <p:bodyStyle>
-      <a:lvl1pPr marL="228600" indent="-228600" algn="l" defTabSz="914400" rtl="0" eaLnBrk="1" latinLnBrk="0" hangingPunct="1">
-        <a:lnSpc>
-          <a:spcPct val="90000"/>
-        </a:lnSpc>
+      <a:lvl1pPr marL="285750" indent="-285750" algn="l" defTabSz="457200" rtl="0" eaLnBrk="1" latinLnBrk="0" hangingPunct="1">
         <a:spcBef>
-          <a:spcPts val="1000"/>
+          <a:spcPct val="20000"/>
         </a:spcBef>
-        <a:buFont typeface="Arial" panose="020B0604020202020204" pitchFamily="34" charset="0"/>
+        <a:spcAft>
+          <a:spcPts val="600"/>
+        </a:spcAft>
+        <a:buClr>
+          <a:schemeClr val="tx1"/>
+        </a:buClr>
+        <a:buSzPct val="100000"/>
+        <a:buFont typeface="Arial"/>
         <a:buChar char="•"/>
-        <a:defRPr sz="2800" kern="1200">
-          <a:solidFill>
-            <a:schemeClr val="tx1"/>
-          </a:solidFill>
+        <a:defRPr sz="2000" kern="1200" cap="small">
+          <a:gradFill flip="none" rotWithShape="1">
+            <a:gsLst>
+              <a:gs pos="0">
+                <a:schemeClr val="tx1"/>
+              </a:gs>
+              <a:gs pos="100000">
+                <a:schemeClr val="tx1">
+                  <a:lumMod val="75000"/>
+                </a:schemeClr>
+              </a:gs>
+            </a:gsLst>
+            <a:lin ang="5580000" scaled="0"/>
+            <a:tileRect/>
+          </a:gradFill>
+          <a:effectLst>
+            <a:glow rad="38100">
+              <a:schemeClr val="bg1">
+                <a:lumMod val="50000"/>
+                <a:lumOff val="50000"/>
+                <a:alpha val="20000"/>
+              </a:schemeClr>
+            </a:glow>
+            <a:outerShdw blurRad="44450" dist="12700" dir="13860000" algn="tl" rotWithShape="0">
+              <a:srgbClr val="000000">
+                <a:alpha val="20000"/>
+              </a:srgbClr>
+            </a:outerShdw>
+          </a:effectLst>
           <a:latin typeface="+mn-lt"/>
           <a:ea typeface="+mn-ea"/>
           <a:cs typeface="+mn-cs"/>
         </a:defRPr>
       </a:lvl1pPr>
-      <a:lvl2pPr marL="685800" indent="-228600" algn="l" defTabSz="914400" rtl="0" eaLnBrk="1" latinLnBrk="0" hangingPunct="1">
-        <a:lnSpc>
-          <a:spcPct val="90000"/>
-        </a:lnSpc>
+      <a:lvl2pPr marL="742950" indent="-285750" algn="l" defTabSz="457200" rtl="0" eaLnBrk="1" latinLnBrk="0" hangingPunct="1">
         <a:spcBef>
-          <a:spcPts val="500"/>
+          <a:spcPct val="20000"/>
         </a:spcBef>
-        <a:buFont typeface="Arial" panose="020B0604020202020204" pitchFamily="34" charset="0"/>
+        <a:spcAft>
+          <a:spcPts val="600"/>
+        </a:spcAft>
+        <a:buClr>
+          <a:schemeClr val="tx1"/>
+        </a:buClr>
+        <a:buSzPct val="100000"/>
+        <a:buFont typeface="Arial"/>
         <a:buChar char="•"/>
-        <a:defRPr sz="2400" kern="1200">
-          <a:solidFill>
-            <a:schemeClr val="tx1"/>
-          </a:solidFill>
+        <a:defRPr sz="1800" kern="1200" cap="small">
+          <a:gradFill flip="none" rotWithShape="1">
+            <a:gsLst>
+              <a:gs pos="0">
+                <a:schemeClr val="tx1"/>
+              </a:gs>
+              <a:gs pos="100000">
+                <a:schemeClr val="tx1">
+                  <a:lumMod val="75000"/>
+                </a:schemeClr>
+              </a:gs>
+            </a:gsLst>
+            <a:lin ang="5580000" scaled="0"/>
+            <a:tileRect/>
+          </a:gradFill>
+          <a:effectLst>
+            <a:glow rad="38100">
+              <a:schemeClr val="bg1">
+                <a:lumMod val="50000"/>
+                <a:lumOff val="50000"/>
+                <a:alpha val="20000"/>
+              </a:schemeClr>
+            </a:glow>
+            <a:outerShdw blurRad="44450" dist="12700" dir="13860000" algn="tl" rotWithShape="0">
+              <a:srgbClr val="000000">
+                <a:alpha val="20000"/>
+              </a:srgbClr>
+            </a:outerShdw>
+          </a:effectLst>
           <a:latin typeface="+mn-lt"/>
           <a:ea typeface="+mn-ea"/>
           <a:cs typeface="+mn-cs"/>
         </a:defRPr>
       </a:lvl2pPr>
-      <a:lvl3pPr marL="1143000" indent="-228600" algn="l" defTabSz="914400" rtl="0" eaLnBrk="1" latinLnBrk="0" hangingPunct="1">
-        <a:lnSpc>
-          <a:spcPct val="90000"/>
-        </a:lnSpc>
+      <a:lvl3pPr marL="1200150" indent="-285750" algn="l" defTabSz="457200" rtl="0" eaLnBrk="1" latinLnBrk="0" hangingPunct="1">
         <a:spcBef>
-          <a:spcPts val="500"/>
+          <a:spcPct val="20000"/>
         </a:spcBef>
-        <a:buFont typeface="Arial" panose="020B0604020202020204" pitchFamily="34" charset="0"/>
+        <a:spcAft>
+          <a:spcPts val="600"/>
+        </a:spcAft>
+        <a:buClr>
+          <a:schemeClr val="tx1"/>
+        </a:buClr>
+        <a:buSzPct val="100000"/>
+        <a:buFont typeface="Arial"/>
         <a:buChar char="•"/>
-        <a:defRPr sz="2000" kern="1200">
-          <a:solidFill>
-            <a:schemeClr val="tx1"/>
-          </a:solidFill>
+        <a:defRPr sz="1600" kern="1200" cap="small">
+          <a:gradFill flip="none" rotWithShape="1">
+            <a:gsLst>
+              <a:gs pos="0">
+                <a:schemeClr val="tx1"/>
+              </a:gs>
+              <a:gs pos="100000">
+                <a:schemeClr val="tx1">
+                  <a:lumMod val="75000"/>
+                </a:schemeClr>
+              </a:gs>
+            </a:gsLst>
+            <a:lin ang="5580000" scaled="0"/>
+            <a:tileRect/>
+          </a:gradFill>
+          <a:effectLst>
+            <a:glow rad="38100">
+              <a:schemeClr val="bg1">
+                <a:lumMod val="50000"/>
+                <a:lumOff val="50000"/>
+                <a:alpha val="20000"/>
+              </a:schemeClr>
+            </a:glow>
+            <a:outerShdw blurRad="44450" dist="12700" dir="13860000" algn="tl" rotWithShape="0">
+              <a:srgbClr val="000000">
+                <a:alpha val="20000"/>
+              </a:srgbClr>
+            </a:outerShdw>
+          </a:effectLst>
           <a:latin typeface="+mn-lt"/>
           <a:ea typeface="+mn-ea"/>
           <a:cs typeface="+mn-cs"/>
         </a:defRPr>
       </a:lvl3pPr>
-      <a:lvl4pPr marL="1600200" indent="-228600" algn="l" defTabSz="914400" rtl="0" eaLnBrk="1" latinLnBrk="0" hangingPunct="1">
-        <a:lnSpc>
-          <a:spcPct val="90000"/>
-        </a:lnSpc>
+      <a:lvl4pPr marL="1543050" indent="-171450" algn="l" defTabSz="457200" rtl="0" eaLnBrk="1" latinLnBrk="0" hangingPunct="1">
         <a:spcBef>
-          <a:spcPts val="500"/>
+          <a:spcPct val="20000"/>
         </a:spcBef>
-        <a:buFont typeface="Arial" panose="020B0604020202020204" pitchFamily="34" charset="0"/>
+        <a:spcAft>
+          <a:spcPts val="600"/>
+        </a:spcAft>
+        <a:buClr>
+          <a:schemeClr val="tx1"/>
+        </a:buClr>
+        <a:buSzPct val="100000"/>
+        <a:buFont typeface="Arial"/>
         <a:buChar char="•"/>
-        <a:defRPr sz="1800" kern="1200">
-          <a:solidFill>
-            <a:schemeClr val="tx1"/>
-          </a:solidFill>
+        <a:defRPr sz="1400" kern="1200" cap="small">
+          <a:gradFill flip="none" rotWithShape="1">
+            <a:gsLst>
+              <a:gs pos="0">
+                <a:schemeClr val="tx1"/>
+              </a:gs>
+              <a:gs pos="100000">
+                <a:schemeClr val="tx1">
+                  <a:lumMod val="75000"/>
+                </a:schemeClr>
+              </a:gs>
+            </a:gsLst>
+            <a:lin ang="5580000" scaled="0"/>
+            <a:tileRect/>
+          </a:gradFill>
+          <a:effectLst>
+            <a:glow rad="38100">
+              <a:schemeClr val="bg1">
+                <a:lumMod val="50000"/>
+                <a:lumOff val="50000"/>
+                <a:alpha val="20000"/>
+              </a:schemeClr>
+            </a:glow>
+            <a:outerShdw blurRad="44450" dist="12700" dir="13860000" algn="tl" rotWithShape="0">
+              <a:srgbClr val="000000">
+                <a:alpha val="20000"/>
+              </a:srgbClr>
+            </a:outerShdw>
+          </a:effectLst>
           <a:latin typeface="+mn-lt"/>
           <a:ea typeface="+mn-ea"/>
           <a:cs typeface="+mn-cs"/>
         </a:defRPr>
       </a:lvl4pPr>
-      <a:lvl5pPr marL="2057400" indent="-228600" algn="l" defTabSz="914400" rtl="0" eaLnBrk="1" latinLnBrk="0" hangingPunct="1">
-        <a:lnSpc>
-          <a:spcPct val="90000"/>
-        </a:lnSpc>
+      <a:lvl5pPr marL="2000250" indent="-171450" algn="l" defTabSz="457200" rtl="0" eaLnBrk="1" latinLnBrk="0" hangingPunct="1">
         <a:spcBef>
-          <a:spcPts val="500"/>
+          <a:spcPct val="20000"/>
         </a:spcBef>
-        <a:buFont typeface="Arial" panose="020B0604020202020204" pitchFamily="34" charset="0"/>
+        <a:spcAft>
+          <a:spcPts val="600"/>
+        </a:spcAft>
+        <a:buClr>
+          <a:schemeClr val="tx1"/>
+        </a:buClr>
+        <a:buSzPct val="100000"/>
+        <a:buFont typeface="Arial"/>
         <a:buChar char="•"/>
-        <a:defRPr sz="1800" kern="1200">
-          <a:solidFill>
-            <a:schemeClr val="tx1"/>
-          </a:solidFill>
+        <a:defRPr sz="1400" kern="1200" cap="small">
+          <a:gradFill flip="none" rotWithShape="1">
+            <a:gsLst>
+              <a:gs pos="0">
+                <a:schemeClr val="tx1"/>
+              </a:gs>
+              <a:gs pos="100000">
+                <a:schemeClr val="tx1">
+                  <a:lumMod val="75000"/>
+                </a:schemeClr>
+              </a:gs>
+            </a:gsLst>
+            <a:lin ang="5580000" scaled="0"/>
+            <a:tileRect/>
+          </a:gradFill>
+          <a:effectLst>
+            <a:glow rad="38100">
+              <a:schemeClr val="bg1">
+                <a:lumMod val="50000"/>
+                <a:lumOff val="50000"/>
+                <a:alpha val="20000"/>
+              </a:schemeClr>
+            </a:glow>
+            <a:outerShdw blurRad="44450" dist="12700" dir="13860000" algn="tl" rotWithShape="0">
+              <a:srgbClr val="000000">
+                <a:alpha val="20000"/>
+              </a:srgbClr>
+            </a:outerShdw>
+          </a:effectLst>
           <a:latin typeface="+mn-lt"/>
           <a:ea typeface="+mn-ea"/>
           <a:cs typeface="+mn-cs"/>
         </a:defRPr>
       </a:lvl5pPr>
-      <a:lvl6pPr marL="2514600" indent="-228600" algn="l" defTabSz="914400" rtl="0" eaLnBrk="1" latinLnBrk="0" hangingPunct="1">
-        <a:lnSpc>
-          <a:spcPct val="90000"/>
-        </a:lnSpc>
+      <a:lvl6pPr marL="2514600" indent="-228600" algn="l" defTabSz="457200" rtl="0" eaLnBrk="1" latinLnBrk="0" hangingPunct="1">
         <a:spcBef>
-          <a:spcPts val="500"/>
+          <a:spcPct val="20000"/>
         </a:spcBef>
-        <a:buFont typeface="Arial" panose="020B0604020202020204" pitchFamily="34" charset="0"/>
+        <a:spcAft>
+          <a:spcPts val="600"/>
+        </a:spcAft>
+        <a:buClr>
+          <a:schemeClr val="tx1"/>
+        </a:buClr>
+        <a:buSzPct val="100000"/>
+        <a:buFont typeface="Arial"/>
         <a:buChar char="•"/>
-        <a:defRPr sz="1800" kern="1200">
-          <a:solidFill>
-            <a:schemeClr val="tx1"/>
-          </a:solidFill>
+        <a:defRPr sz="1200" kern="1200" cap="small">
+          <a:gradFill flip="none" rotWithShape="1">
+            <a:gsLst>
+              <a:gs pos="0">
+                <a:schemeClr val="tx1"/>
+              </a:gs>
+              <a:gs pos="100000">
+                <a:schemeClr val="tx1">
+                  <a:lumMod val="75000"/>
+                </a:schemeClr>
+              </a:gs>
+            </a:gsLst>
+            <a:lin ang="5580000" scaled="0"/>
+            <a:tileRect/>
+          </a:gradFill>
+          <a:effectLst>
+            <a:glow rad="38100">
+              <a:schemeClr val="bg1">
+                <a:lumMod val="50000"/>
+                <a:lumOff val="50000"/>
+                <a:alpha val="20000"/>
+              </a:schemeClr>
+            </a:glow>
+            <a:outerShdw blurRad="44450" dist="12700" dir="13860000" algn="tl" rotWithShape="0">
+              <a:srgbClr val="000000">
+                <a:alpha val="20000"/>
+              </a:srgbClr>
+            </a:outerShdw>
+          </a:effectLst>
           <a:latin typeface="+mn-lt"/>
           <a:ea typeface="+mn-ea"/>
           <a:cs typeface="+mn-cs"/>
         </a:defRPr>
       </a:lvl6pPr>
-      <a:lvl7pPr marL="2971800" indent="-228600" algn="l" defTabSz="914400" rtl="0" eaLnBrk="1" latinLnBrk="0" hangingPunct="1">
-        <a:lnSpc>
-          <a:spcPct val="90000"/>
-        </a:lnSpc>
+      <a:lvl7pPr marL="2971800" indent="-228600" algn="l" defTabSz="457200" rtl="0" eaLnBrk="1" latinLnBrk="0" hangingPunct="1">
         <a:spcBef>
-          <a:spcPts val="500"/>
+          <a:spcPct val="20000"/>
         </a:spcBef>
-        <a:buFont typeface="Arial" panose="020B0604020202020204" pitchFamily="34" charset="0"/>
+        <a:spcAft>
+          <a:spcPts val="600"/>
+        </a:spcAft>
+        <a:buClr>
+          <a:schemeClr val="tx1"/>
+        </a:buClr>
+        <a:buSzPct val="100000"/>
+        <a:buFont typeface="Arial"/>
         <a:buChar char="•"/>
-        <a:defRPr sz="1800" kern="1200">
-          <a:solidFill>
-            <a:schemeClr val="tx1"/>
-          </a:solidFill>
+        <a:defRPr sz="1200" kern="1200" cap="small">
+          <a:gradFill flip="none" rotWithShape="1">
+            <a:gsLst>
+              <a:gs pos="0">
+                <a:schemeClr val="tx1"/>
+              </a:gs>
+              <a:gs pos="100000">
+                <a:schemeClr val="tx1">
+                  <a:lumMod val="75000"/>
+                </a:schemeClr>
+              </a:gs>
+            </a:gsLst>
+            <a:lin ang="5580000" scaled="0"/>
+            <a:tileRect/>
+          </a:gradFill>
+          <a:effectLst>
+            <a:glow rad="38100">
+              <a:schemeClr val="bg1">
+                <a:lumMod val="50000"/>
+                <a:lumOff val="50000"/>
+                <a:alpha val="20000"/>
+              </a:schemeClr>
+            </a:glow>
+            <a:outerShdw blurRad="44450" dist="12700" dir="13860000" algn="tl" rotWithShape="0">
+              <a:srgbClr val="000000">
+                <a:alpha val="20000"/>
+              </a:srgbClr>
+            </a:outerShdw>
+          </a:effectLst>
           <a:latin typeface="+mn-lt"/>
           <a:ea typeface="+mn-ea"/>
           <a:cs typeface="+mn-cs"/>
         </a:defRPr>
       </a:lvl7pPr>
-      <a:lvl8pPr marL="3429000" indent="-228600" algn="l" defTabSz="914400" rtl="0" eaLnBrk="1" latinLnBrk="0" hangingPunct="1">
-        <a:lnSpc>
-          <a:spcPct val="90000"/>
-        </a:lnSpc>
+      <a:lvl8pPr marL="3429000" indent="-228600" algn="l" defTabSz="457200" rtl="0" eaLnBrk="1" latinLnBrk="0" hangingPunct="1">
         <a:spcBef>
-          <a:spcPts val="500"/>
+          <a:spcPct val="20000"/>
         </a:spcBef>
-        <a:buFont typeface="Arial" panose="020B0604020202020204" pitchFamily="34" charset="0"/>
+        <a:spcAft>
+          <a:spcPts val="600"/>
+        </a:spcAft>
+        <a:buClr>
+          <a:schemeClr val="tx1"/>
+        </a:buClr>
+        <a:buSzPct val="100000"/>
+        <a:buFont typeface="Arial"/>
         <a:buChar char="•"/>
-        <a:defRPr sz="1800" kern="1200">
-          <a:solidFill>
-            <a:schemeClr val="tx1"/>
-          </a:solidFill>
+        <a:defRPr sz="1200" kern="1200" cap="small">
+          <a:gradFill flip="none" rotWithShape="1">
+            <a:gsLst>
+              <a:gs pos="0">
+                <a:schemeClr val="tx1"/>
+              </a:gs>
+              <a:gs pos="100000">
+                <a:schemeClr val="tx1">
+                  <a:lumMod val="75000"/>
+                </a:schemeClr>
+              </a:gs>
+            </a:gsLst>
+            <a:lin ang="5580000" scaled="0"/>
+            <a:tileRect/>
+          </a:gradFill>
+          <a:effectLst>
+            <a:glow rad="38100">
+              <a:schemeClr val="bg1">
+                <a:lumMod val="50000"/>
+                <a:lumOff val="50000"/>
+                <a:alpha val="20000"/>
+              </a:schemeClr>
+            </a:glow>
+            <a:outerShdw blurRad="44450" dist="12700" dir="13860000" algn="tl" rotWithShape="0">
+              <a:srgbClr val="000000">
+                <a:alpha val="20000"/>
+              </a:srgbClr>
+            </a:outerShdw>
+          </a:effectLst>
           <a:latin typeface="+mn-lt"/>
           <a:ea typeface="+mn-ea"/>
           <a:cs typeface="+mn-cs"/>
         </a:defRPr>
       </a:lvl8pPr>
-      <a:lvl9pPr marL="3886200" indent="-228600" algn="l" defTabSz="914400" rtl="0" eaLnBrk="1" latinLnBrk="0" hangingPunct="1">
-        <a:lnSpc>
-          <a:spcPct val="90000"/>
-        </a:lnSpc>
+      <a:lvl9pPr marL="3886200" indent="-228600" algn="l" defTabSz="457200" rtl="0" eaLnBrk="1" latinLnBrk="0" hangingPunct="1">
         <a:spcBef>
-          <a:spcPts val="500"/>
+          <a:spcPct val="20000"/>
         </a:spcBef>
-        <a:buFont typeface="Arial" panose="020B0604020202020204" pitchFamily="34" charset="0"/>
+        <a:spcAft>
+          <a:spcPts val="600"/>
+        </a:spcAft>
+        <a:buClr>
+          <a:schemeClr val="tx1"/>
+        </a:buClr>
+        <a:buSzPct val="100000"/>
+        <a:buFont typeface="Arial"/>
         <a:buChar char="•"/>
-        <a:defRPr sz="1800" kern="1200">
-          <a:solidFill>
-            <a:schemeClr val="tx1"/>
-          </a:solidFill>
+        <a:defRPr sz="1200" kern="1200" cap="small">
+          <a:gradFill flip="none" rotWithShape="1">
+            <a:gsLst>
+              <a:gs pos="0">
+                <a:schemeClr val="tx1"/>
+              </a:gs>
+              <a:gs pos="100000">
+                <a:schemeClr val="tx1">
+                  <a:lumMod val="75000"/>
+                </a:schemeClr>
+              </a:gs>
+            </a:gsLst>
+            <a:lin ang="5580000" scaled="0"/>
+            <a:tileRect/>
+          </a:gradFill>
+          <a:effectLst>
+            <a:glow rad="38100">
+              <a:schemeClr val="bg1">
+                <a:lumMod val="50000"/>
+                <a:lumOff val="50000"/>
+                <a:alpha val="20000"/>
+              </a:schemeClr>
+            </a:glow>
+            <a:outerShdw blurRad="44450" dist="12700" dir="13860000" algn="tl" rotWithShape="0">
+              <a:srgbClr val="000000">
+                <a:alpha val="20000"/>
+              </a:srgbClr>
+            </a:outerShdw>
+          </a:effectLst>
           <a:latin typeface="+mn-lt"/>
           <a:ea typeface="+mn-ea"/>
           <a:cs typeface="+mn-cs"/>
@@ -2858,7 +5613,7 @@
       <a:defPPr>
         <a:defRPr lang="en-US"/>
       </a:defPPr>
-      <a:lvl1pPr marL="0" algn="l" defTabSz="914400" rtl="0" eaLnBrk="1" latinLnBrk="0" hangingPunct="1">
+      <a:lvl1pPr marL="0" algn="l" defTabSz="457200" rtl="0" eaLnBrk="1" latinLnBrk="0" hangingPunct="1">
         <a:defRPr sz="1800" kern="1200">
           <a:solidFill>
             <a:schemeClr val="tx1"/>
@@ -2868,7 +5623,7 @@
           <a:cs typeface="+mn-cs"/>
         </a:defRPr>
       </a:lvl1pPr>
-      <a:lvl2pPr marL="457200" algn="l" defTabSz="914400" rtl="0" eaLnBrk="1" latinLnBrk="0" hangingPunct="1">
+      <a:lvl2pPr marL="457200" algn="l" defTabSz="457200" rtl="0" eaLnBrk="1" latinLnBrk="0" hangingPunct="1">
         <a:defRPr sz="1800" kern="1200">
           <a:solidFill>
             <a:schemeClr val="tx1"/>
@@ -2878,7 +5633,7 @@
           <a:cs typeface="+mn-cs"/>
         </a:defRPr>
       </a:lvl2pPr>
-      <a:lvl3pPr marL="914400" algn="l" defTabSz="914400" rtl="0" eaLnBrk="1" latinLnBrk="0" hangingPunct="1">
+      <a:lvl3pPr marL="914400" algn="l" defTabSz="457200" rtl="0" eaLnBrk="1" latinLnBrk="0" hangingPunct="1">
         <a:defRPr sz="1800" kern="1200">
           <a:solidFill>
             <a:schemeClr val="tx1"/>
@@ -2888,7 +5643,7 @@
           <a:cs typeface="+mn-cs"/>
         </a:defRPr>
       </a:lvl3pPr>
-      <a:lvl4pPr marL="1371600" algn="l" defTabSz="914400" rtl="0" eaLnBrk="1" latinLnBrk="0" hangingPunct="1">
+      <a:lvl4pPr marL="1371600" algn="l" defTabSz="457200" rtl="0" eaLnBrk="1" latinLnBrk="0" hangingPunct="1">
         <a:defRPr sz="1800" kern="1200">
           <a:solidFill>
             <a:schemeClr val="tx1"/>
@@ -2898,7 +5653,7 @@
           <a:cs typeface="+mn-cs"/>
         </a:defRPr>
       </a:lvl4pPr>
-      <a:lvl5pPr marL="1828800" algn="l" defTabSz="914400" rtl="0" eaLnBrk="1" latinLnBrk="0" hangingPunct="1">
+      <a:lvl5pPr marL="1828800" algn="l" defTabSz="457200" rtl="0" eaLnBrk="1" latinLnBrk="0" hangingPunct="1">
         <a:defRPr sz="1800" kern="1200">
           <a:solidFill>
             <a:schemeClr val="tx1"/>
@@ -2908,7 +5663,7 @@
           <a:cs typeface="+mn-cs"/>
         </a:defRPr>
       </a:lvl5pPr>
-      <a:lvl6pPr marL="2286000" algn="l" defTabSz="914400" rtl="0" eaLnBrk="1" latinLnBrk="0" hangingPunct="1">
+      <a:lvl6pPr marL="2286000" algn="l" defTabSz="457200" rtl="0" eaLnBrk="1" latinLnBrk="0" hangingPunct="1">
         <a:defRPr sz="1800" kern="1200">
           <a:solidFill>
             <a:schemeClr val="tx1"/>
@@ -2918,7 +5673,7 @@
           <a:cs typeface="+mn-cs"/>
         </a:defRPr>
       </a:lvl6pPr>
-      <a:lvl7pPr marL="2743200" algn="l" defTabSz="914400" rtl="0" eaLnBrk="1" latinLnBrk="0" hangingPunct="1">
+      <a:lvl7pPr marL="2743200" algn="l" defTabSz="457200" rtl="0" eaLnBrk="1" latinLnBrk="0" hangingPunct="1">
         <a:defRPr sz="1800" kern="1200">
           <a:solidFill>
             <a:schemeClr val="tx1"/>
@@ -2928,7 +5683,7 @@
           <a:cs typeface="+mn-cs"/>
         </a:defRPr>
       </a:lvl7pPr>
-      <a:lvl8pPr marL="3200400" algn="l" defTabSz="914400" rtl="0" eaLnBrk="1" latinLnBrk="0" hangingPunct="1">
+      <a:lvl8pPr marL="3200400" algn="l" defTabSz="457200" rtl="0" eaLnBrk="1" latinLnBrk="0" hangingPunct="1">
         <a:defRPr sz="1800" kern="1200">
           <a:solidFill>
             <a:schemeClr val="tx1"/>
@@ -2938,7 +5693,7 @@
           <a:cs typeface="+mn-cs"/>
         </a:defRPr>
       </a:lvl8pPr>
-      <a:lvl9pPr marL="3657600" algn="l" defTabSz="914400" rtl="0" eaLnBrk="1" latinLnBrk="0" hangingPunct="1">
+      <a:lvl9pPr marL="3657600" algn="l" defTabSz="457200" rtl="0" eaLnBrk="1" latinLnBrk="0" hangingPunct="1">
         <a:defRPr sz="1800" kern="1200">
           <a:solidFill>
             <a:schemeClr val="tx1"/>
@@ -2950,6 +5705,11 @@
       </a:lvl9pPr>
     </p:otherStyle>
   </p:txStyles>
+  <p:extLst>
+    <p:ext uri="{27BBF7A9-308A-43DC-89C8-2F10F3537804}">
+      <p15:sldGuideLst xmlns:p15="http://schemas.microsoft.com/office/powerpoint/2012/main"/>
+    </p:ext>
+  </p:extLst>
 </p:sldMaster>
 </file>
 
@@ -3010,7 +5770,7 @@
         <p:spPr/>
         <p:txBody>
           <a:bodyPr>
-            <a:normAutofit lnSpcReduction="10000"/>
+            <a:normAutofit/>
           </a:bodyPr>
           <a:lstStyle/>
           <a:p>
@@ -3333,7 +6093,7 @@
           <a:p>
             <a:r>
               <a:rPr lang="en-US" dirty="0" smtClean="0"/>
-              <a:t>Gameplay</a:t>
+              <a:t>Architecture of menu</a:t>
             </a:r>
             <a:endParaRPr lang="en-US" dirty="0"/>
           </a:p>
@@ -3354,29 +6114,14 @@
           <a:bodyPr/>
           <a:lstStyle/>
           <a:p>
-            <a:r>
-              <a:rPr lang="en-US" dirty="0" smtClean="0"/>
-              <a:t>You are the </a:t>
-            </a:r>
-            <a:r>
-              <a:rPr lang="en-US" dirty="0" err="1" smtClean="0"/>
-              <a:t>REKTangle</a:t>
-            </a:r>
-            <a:endParaRPr lang="en-US" dirty="0" smtClean="0"/>
-          </a:p>
-          <a:p>
-            <a:r>
-              <a:rPr lang="en-US" dirty="0" smtClean="0"/>
-              <a:t>You try not to get REKT, but it is inevitable…</a:t>
-            </a:r>
-            <a:endParaRPr lang="en-US" dirty="0"/>
+            <a:endParaRPr lang="en-US"/>
           </a:p>
         </p:txBody>
       </p:sp>
     </p:spTree>
     <p:extLst>
       <p:ext uri="{BB962C8B-B14F-4D97-AF65-F5344CB8AC3E}">
-        <p14:creationId xmlns:p14="http://schemas.microsoft.com/office/powerpoint/2010/main" val="2103777319"/>
+        <p14:creationId xmlns:p14="http://schemas.microsoft.com/office/powerpoint/2010/main" val="3200236735"/>
       </p:ext>
     </p:extLst>
   </p:cSld>
@@ -3420,7 +6165,7 @@
           <a:p>
             <a:r>
               <a:rPr lang="en-US" dirty="0" smtClean="0"/>
-              <a:t>Handling movement and Collisions</a:t>
+              <a:t>Gameplay</a:t>
             </a:r>
             <a:endParaRPr lang="en-US" dirty="0"/>
           </a:p>
@@ -3443,22 +6188,27 @@
           <a:p>
             <a:r>
               <a:rPr lang="en-US" dirty="0" smtClean="0"/>
-              <a:t>Lots of back </a:t>
-            </a:r>
-            <a:r>
-              <a:rPr lang="en-US" smtClean="0"/>
-              <a:t>end work</a:t>
-            </a:r>
-          </a:p>
-          <a:p>
-            <a:endParaRPr lang="en-US"/>
+              <a:t>You are the </a:t>
+            </a:r>
+            <a:r>
+              <a:rPr lang="en-US" dirty="0" err="1" smtClean="0"/>
+              <a:t>REKTangle</a:t>
+            </a:r>
+            <a:endParaRPr lang="en-US" dirty="0" smtClean="0"/>
+          </a:p>
+          <a:p>
+            <a:r>
+              <a:rPr lang="en-US" dirty="0" smtClean="0"/>
+              <a:t>You try not to get REKT, but it is inevitable…</a:t>
+            </a:r>
+            <a:endParaRPr lang="en-US" dirty="0"/>
           </a:p>
         </p:txBody>
       </p:sp>
     </p:spTree>
     <p:extLst>
       <p:ext uri="{BB962C8B-B14F-4D97-AF65-F5344CB8AC3E}">
-        <p14:creationId xmlns:p14="http://schemas.microsoft.com/office/powerpoint/2010/main" val="2950191913"/>
+        <p14:creationId xmlns:p14="http://schemas.microsoft.com/office/powerpoint/2010/main" val="2103777319"/>
       </p:ext>
     </p:extLst>
   </p:cSld>
@@ -3502,6 +6252,84 @@
           <a:p>
             <a:r>
               <a:rPr lang="en-US" dirty="0" smtClean="0"/>
+              <a:t>Handling movement and Collisions</a:t>
+            </a:r>
+            <a:endParaRPr lang="en-US" dirty="0"/>
+          </a:p>
+        </p:txBody>
+      </p:sp>
+      <p:sp>
+        <p:nvSpPr>
+          <p:cNvPr id="3" name="Content Placeholder 2"/>
+          <p:cNvSpPr>
+            <a:spLocks noGrp="1"/>
+          </p:cNvSpPr>
+          <p:nvPr>
+            <p:ph idx="1"/>
+          </p:nvPr>
+        </p:nvSpPr>
+        <p:spPr/>
+        <p:txBody>
+          <a:bodyPr/>
+          <a:lstStyle/>
+          <a:p>
+            <a:r>
+              <a:rPr lang="en-US" dirty="0" smtClean="0"/>
+              <a:t>Lots of back end work</a:t>
+            </a:r>
+          </a:p>
+          <a:p>
+            <a:endParaRPr lang="en-US" dirty="0"/>
+          </a:p>
+        </p:txBody>
+      </p:sp>
+    </p:spTree>
+    <p:extLst>
+      <p:ext uri="{BB962C8B-B14F-4D97-AF65-F5344CB8AC3E}">
+        <p14:creationId xmlns:p14="http://schemas.microsoft.com/office/powerpoint/2010/main" val="2950191913"/>
+      </p:ext>
+    </p:extLst>
+  </p:cSld>
+  <p:clrMapOvr>
+    <a:masterClrMapping/>
+  </p:clrMapOvr>
+</p:sld>
+</file>
+
+<file path=ppt/slides/slide8.xml><?xml version="1.0" encoding="utf-8"?>
+<p:sld xmlns:a="http://schemas.openxmlformats.org/drawingml/2006/main" xmlns:r="http://schemas.openxmlformats.org/officeDocument/2006/relationships" xmlns:p="http://schemas.openxmlformats.org/presentationml/2006/main">
+  <p:cSld>
+    <p:spTree>
+      <p:nvGrpSpPr>
+        <p:cNvPr id="1" name=""/>
+        <p:cNvGrpSpPr/>
+        <p:nvPr/>
+      </p:nvGrpSpPr>
+      <p:grpSpPr>
+        <a:xfrm>
+          <a:off x="0" y="0"/>
+          <a:ext cx="0" cy="0"/>
+          <a:chOff x="0" y="0"/>
+          <a:chExt cx="0" cy="0"/>
+        </a:xfrm>
+      </p:grpSpPr>
+      <p:sp>
+        <p:nvSpPr>
+          <p:cNvPr id="2" name="Title 1"/>
+          <p:cNvSpPr>
+            <a:spLocks noGrp="1"/>
+          </p:cNvSpPr>
+          <p:nvPr>
+            <p:ph type="title"/>
+          </p:nvPr>
+        </p:nvSpPr>
+        <p:spPr/>
+        <p:txBody>
+          <a:bodyPr/>
+          <a:lstStyle/>
+          <a:p>
+            <a:r>
+              <a:rPr lang="en-US" dirty="0" smtClean="0"/>
               <a:t>Pause Screen</a:t>
             </a:r>
             <a:endParaRPr lang="en-US" dirty="0"/>
@@ -3545,9 +6373,9 @@
 </file>
 
 <file path=ppt/theme/theme1.xml><?xml version="1.0" encoding="utf-8"?>
-<a:theme xmlns:a="http://schemas.openxmlformats.org/drawingml/2006/main" name="Office Theme">
+<a:theme xmlns:a="http://schemas.openxmlformats.org/drawingml/2006/main" name="Mesh">
   <a:themeElements>
-    <a:clrScheme name="Office">
+    <a:clrScheme name="Mesh">
       <a:dk1>
         <a:sysClr val="windowText" lastClr="000000"/>
       </a:dk1>
@@ -3555,83 +6383,48 @@
         <a:sysClr val="window" lastClr="FFFFFF"/>
       </a:lt1>
       <a:dk2>
-        <a:srgbClr val="44546A"/>
+        <a:srgbClr val="363D46"/>
       </a:dk2>
       <a:lt2>
-        <a:srgbClr val="E7E6E6"/>
+        <a:srgbClr val="EBEBEB"/>
       </a:lt2>
       <a:accent1>
-        <a:srgbClr val="5B9BD5"/>
+        <a:srgbClr val="6F6F6F"/>
       </a:accent1>
       <a:accent2>
-        <a:srgbClr val="ED7D31"/>
+        <a:srgbClr val="BFBFA5"/>
       </a:accent2>
       <a:accent3>
-        <a:srgbClr val="A5A5A5"/>
+        <a:srgbClr val="DCD084"/>
       </a:accent3>
       <a:accent4>
-        <a:srgbClr val="FFC000"/>
+        <a:srgbClr val="E7BF5F"/>
       </a:accent4>
       <a:accent5>
-        <a:srgbClr val="4472C4"/>
+        <a:srgbClr val="E9A039"/>
       </a:accent5>
       <a:accent6>
-        <a:srgbClr val="70AD47"/>
+        <a:srgbClr val="CF7133"/>
       </a:accent6>
       <a:hlink>
-        <a:srgbClr val="0563C1"/>
+        <a:srgbClr val="F28943"/>
       </a:hlink>
       <a:folHlink>
-        <a:srgbClr val="954F72"/>
+        <a:srgbClr val="F1B76C"/>
       </a:folHlink>
     </a:clrScheme>
-    <a:fontScheme name="Office">
+    <a:fontScheme name="Mesh">
       <a:majorFont>
-        <a:latin typeface="Calibri Light" panose="020F0302020204030204"/>
+        <a:latin typeface="Century Gothic" panose="020B0502020202020204"/>
         <a:ea typeface=""/>
         <a:cs typeface=""/>
-        <a:font script="Jpan" typeface="ＭＳ Ｐゴシック"/>
+        <a:font script="Jpan" typeface="ＭＳ ゴシック"/>
         <a:font script="Hang" typeface="맑은 고딕"/>
         <a:font script="Hans" typeface="宋体"/>
         <a:font script="Hant" typeface="新細明體"/>
-        <a:font script="Arab" typeface="Times New Roman"/>
-        <a:font script="Hebr" typeface="Times New Roman"/>
-        <a:font script="Thai" typeface="Angsana New"/>
-        <a:font script="Ethi" typeface="Nyala"/>
-        <a:font script="Beng" typeface="Vrinda"/>
-        <a:font script="Gujr" typeface="Shruti"/>
-        <a:font script="Khmr" typeface="MoolBoran"/>
-        <a:font script="Knda" typeface="Tunga"/>
-        <a:font script="Guru" typeface="Raavi"/>
-        <a:font script="Cans" typeface="Euphemia"/>
-        <a:font script="Cher" typeface="Plantagenet Cherokee"/>
-        <a:font script="Yiii" typeface="Microsoft Yi Baiti"/>
-        <a:font script="Tibt" typeface="Microsoft Himalaya"/>
-        <a:font script="Thaa" typeface="MV Boli"/>
-        <a:font script="Deva" typeface="Mangal"/>
-        <a:font script="Telu" typeface="Gautami"/>
-        <a:font script="Taml" typeface="Latha"/>
-        <a:font script="Syrc" typeface="Estrangelo Edessa"/>
-        <a:font script="Orya" typeface="Kalinga"/>
-        <a:font script="Mlym" typeface="Kartika"/>
-        <a:font script="Laoo" typeface="DokChampa"/>
-        <a:font script="Sinh" typeface="Iskoola Pota"/>
-        <a:font script="Mong" typeface="Mongolian Baiti"/>
-        <a:font script="Viet" typeface="Times New Roman"/>
-        <a:font script="Uigh" typeface="Microsoft Uighur"/>
-        <a:font script="Geor" typeface="Sylfaen"/>
-      </a:majorFont>
-      <a:minorFont>
-        <a:latin typeface="Calibri" panose="020F0502020204030204"/>
-        <a:ea typeface=""/>
-        <a:cs typeface=""/>
-        <a:font script="Jpan" typeface="ＭＳ Ｐゴシック"/>
-        <a:font script="Hang" typeface="맑은 고딕"/>
-        <a:font script="Hans" typeface="宋体"/>
-        <a:font script="Hant" typeface="新細明體"/>
-        <a:font script="Arab" typeface="Arial"/>
-        <a:font script="Hebr" typeface="Arial"/>
-        <a:font script="Thai" typeface="Cordia New"/>
+        <a:font script="Arab" typeface="Tahoma"/>
+        <a:font script="Hebr" typeface="Gisha"/>
+        <a:font script="Thai" typeface="DilleniaUPC"/>
         <a:font script="Ethi" typeface="Nyala"/>
         <a:font script="Beng" typeface="Vrinda"/>
         <a:font script="Gujr" typeface="Shruti"/>
@@ -3652,12 +6445,47 @@
         <a:font script="Laoo" typeface="DokChampa"/>
         <a:font script="Sinh" typeface="Iskoola Pota"/>
         <a:font script="Mong" typeface="Mongolian Baiti"/>
-        <a:font script="Viet" typeface="Arial"/>
+        <a:font script="Viet" typeface="Tahoma"/>
+        <a:font script="Uigh" typeface="Microsoft Uighur"/>
+        <a:font script="Geor" typeface="Sylfaen"/>
+      </a:majorFont>
+      <a:minorFont>
+        <a:latin typeface="Century Gothic" panose="020B0502020202020204"/>
+        <a:ea typeface=""/>
+        <a:cs typeface=""/>
+        <a:font script="Jpan" typeface="ＭＳ ゴシック"/>
+        <a:font script="Hang" typeface="맑은 고딕"/>
+        <a:font script="Hans" typeface="宋体"/>
+        <a:font script="Hant" typeface="新細明體"/>
+        <a:font script="Arab" typeface="Tahoma"/>
+        <a:font script="Hebr" typeface="Gisha"/>
+        <a:font script="Thai" typeface="DilleniaUPC"/>
+        <a:font script="Ethi" typeface="Nyala"/>
+        <a:font script="Beng" typeface="Vrinda"/>
+        <a:font script="Gujr" typeface="Shruti"/>
+        <a:font script="Khmr" typeface="DaunPenh"/>
+        <a:font script="Knda" typeface="Tunga"/>
+        <a:font script="Guru" typeface="Raavi"/>
+        <a:font script="Cans" typeface="Euphemia"/>
+        <a:font script="Cher" typeface="Plantagenet Cherokee"/>
+        <a:font script="Yiii" typeface="Microsoft Yi Baiti"/>
+        <a:font script="Tibt" typeface="Microsoft Himalaya"/>
+        <a:font script="Thaa" typeface="MV Boli"/>
+        <a:font script="Deva" typeface="Mangal"/>
+        <a:font script="Telu" typeface="Gautami"/>
+        <a:font script="Taml" typeface="Latha"/>
+        <a:font script="Syrc" typeface="Estrangelo Edessa"/>
+        <a:font script="Orya" typeface="Kalinga"/>
+        <a:font script="Mlym" typeface="Kartika"/>
+        <a:font script="Laoo" typeface="DokChampa"/>
+        <a:font script="Sinh" typeface="Iskoola Pota"/>
+        <a:font script="Mong" typeface="Mongolian Baiti"/>
+        <a:font script="Viet" typeface="Verdana"/>
         <a:font script="Uigh" typeface="Microsoft Uighur"/>
         <a:font script="Geor" typeface="Sylfaen"/>
       </a:minorFont>
     </a:fontScheme>
-    <a:fmtScheme name="Office">
+    <a:fmtScheme name="Mesh">
       <a:fillStyleLst>
         <a:solidFill>
           <a:schemeClr val="phClr"/>
@@ -3666,23 +6494,13 @@
           <a:gsLst>
             <a:gs pos="0">
               <a:schemeClr val="phClr">
+                <a:tint val="60000"/>
                 <a:lumMod val="110000"/>
-                <a:satMod val="105000"/>
-                <a:tint val="67000"/>
-              </a:schemeClr>
-            </a:gs>
-            <a:gs pos="50000">
-              <a:schemeClr val="phClr">
-                <a:lumMod val="105000"/>
-                <a:satMod val="103000"/>
-                <a:tint val="73000"/>
               </a:schemeClr>
             </a:gs>
             <a:gs pos="100000">
               <a:schemeClr val="phClr">
-                <a:lumMod val="105000"/>
-                <a:satMod val="109000"/>
-                <a:tint val="81000"/>
+                <a:tint val="82000"/>
               </a:schemeClr>
             </a:gs>
           </a:gsLst>
@@ -3692,23 +6510,14 @@
           <a:gsLst>
             <a:gs pos="0">
               <a:schemeClr val="phClr">
-                <a:satMod val="103000"/>
-                <a:lumMod val="102000"/>
-                <a:tint val="94000"/>
-              </a:schemeClr>
-            </a:gs>
-            <a:gs pos="50000">
-              <a:schemeClr val="phClr">
-                <a:satMod val="110000"/>
-                <a:lumMod val="100000"/>
-                <a:shade val="100000"/>
+                <a:tint val="96000"/>
+                <a:lumMod val="104000"/>
               </a:schemeClr>
             </a:gs>
             <a:gs pos="100000">
               <a:schemeClr val="phClr">
-                <a:lumMod val="99000"/>
-                <a:satMod val="120000"/>
-                <a:shade val="78000"/>
+                <a:shade val="84000"/>
+                <a:lumMod val="84000"/>
               </a:schemeClr>
             </a:gs>
           </a:gsLst>
@@ -3716,26 +6525,23 @@
         </a:gradFill>
       </a:fillStyleLst>
       <a:lnStyleLst>
-        <a:ln w="6350" cap="flat" cmpd="sng" algn="ctr">
+        <a:ln w="9525" cap="rnd" cmpd="sng" algn="ctr">
           <a:solidFill>
             <a:schemeClr val="phClr"/>
           </a:solidFill>
           <a:prstDash val="solid"/>
-          <a:miter lim="800000"/>
         </a:ln>
-        <a:ln w="12700" cap="flat" cmpd="sng" algn="ctr">
+        <a:ln w="19050" cap="rnd" cmpd="sng" algn="ctr">
           <a:solidFill>
             <a:schemeClr val="phClr"/>
           </a:solidFill>
           <a:prstDash val="solid"/>
-          <a:miter lim="800000"/>
         </a:ln>
-        <a:ln w="19050" cap="flat" cmpd="sng" algn="ctr">
+        <a:ln w="25400" cap="rnd" cmpd="sng" algn="ctr">
           <a:solidFill>
             <a:schemeClr val="phClr"/>
           </a:solidFill>
           <a:prstDash val="solid"/>
-          <a:miter lim="800000"/>
         </a:ln>
       </a:lnStyleLst>
       <a:effectStyleLst>
@@ -3743,55 +6549,72 @@
           <a:effectLst/>
         </a:effectStyle>
         <a:effectStyle>
-          <a:effectLst/>
+          <a:effectLst>
+            <a:innerShdw blurRad="50800" dist="25400" dir="13500000">
+              <a:srgbClr val="000000">
+                <a:alpha val="55000"/>
+              </a:srgbClr>
+            </a:innerShdw>
+          </a:effectLst>
         </a:effectStyle>
         <a:effectStyle>
           <a:effectLst>
-            <a:outerShdw blurRad="57150" dist="19050" dir="5400000" algn="ctr" rotWithShape="0">
+            <a:outerShdw blurRad="50800" dist="38100" dir="5400000" rotWithShape="0">
               <a:srgbClr val="000000">
-                <a:alpha val="63000"/>
+                <a:alpha val="60000"/>
               </a:srgbClr>
             </a:outerShdw>
           </a:effectLst>
+          <a:scene3d>
+            <a:camera prst="orthographicFront">
+              <a:rot lat="0" lon="0" rev="0"/>
+            </a:camera>
+            <a:lightRig rig="threePt" dir="tl"/>
+          </a:scene3d>
+          <a:sp3d>
+            <a:bevelT w="25400" h="25400" prst="slope"/>
+          </a:sp3d>
         </a:effectStyle>
       </a:effectStyleLst>
       <a:bgFillStyleLst>
         <a:solidFill>
           <a:schemeClr val="phClr"/>
         </a:solidFill>
-        <a:solidFill>
-          <a:schemeClr val="phClr">
-            <a:tint val="95000"/>
-            <a:satMod val="170000"/>
-          </a:schemeClr>
-        </a:solidFill>
         <a:gradFill rotWithShape="1">
           <a:gsLst>
             <a:gs pos="0">
               <a:schemeClr val="phClr">
-                <a:tint val="93000"/>
-                <a:satMod val="150000"/>
-                <a:shade val="98000"/>
-                <a:lumMod val="102000"/>
-              </a:schemeClr>
-            </a:gs>
-            <a:gs pos="50000">
-              <a:schemeClr val="phClr">
-                <a:tint val="98000"/>
-                <a:satMod val="130000"/>
-                <a:shade val="90000"/>
-                <a:lumMod val="103000"/>
+                <a:tint val="90000"/>
+                <a:lumMod val="110000"/>
               </a:schemeClr>
             </a:gs>
             <a:gs pos="100000">
               <a:schemeClr val="phClr">
-                <a:shade val="63000"/>
-                <a:satMod val="120000"/>
+                <a:shade val="64000"/>
+                <a:lumMod val="98000"/>
               </a:schemeClr>
             </a:gs>
           </a:gsLst>
           <a:lin ang="5400000" scaled="0"/>
         </a:gradFill>
+        <a:blipFill rotWithShape="1">
+          <a:blip xmlns:r="http://schemas.openxmlformats.org/officeDocument/2006/relationships" r:embed="rId1">
+            <a:duotone>
+              <a:schemeClr val="phClr">
+                <a:shade val="28000"/>
+                <a:satMod val="94000"/>
+                <a:lumMod val="20000"/>
+              </a:schemeClr>
+              <a:schemeClr val="phClr">
+                <a:tint val="94000"/>
+                <a:shade val="84000"/>
+                <a:satMod val="148000"/>
+                <a:lumMod val="114000"/>
+              </a:schemeClr>
+            </a:duotone>
+          </a:blip>
+          <a:stretch/>
+        </a:blipFill>
       </a:bgFillStyleLst>
     </a:fmtScheme>
   </a:themeElements>
@@ -3799,7 +6622,7 @@
   <a:extraClrSchemeLst/>
   <a:extLst>
     <a:ext uri="{05A4C25C-085E-4340-85A3-A5531E510DB2}">
-      <thm15:themeFamily xmlns:thm15="http://schemas.microsoft.com/office/thememl/2012/main" name="Office Theme" id="{62F939B6-93AF-4DB8-9C6B-D6C7DFDC589F}" vid="{4A3C46E8-61CC-4603-A589-7422A47A8E4A}"/>
+      <thm15:themeFamily xmlns:thm15="http://schemas.microsoft.com/office/thememl/2012/main" name="Mesh" id="{789EC3FE-34FD-429C-9918-760025E6C145}" vid="{B8BE45C0-8141-4D58-8C71-A009BC26FBBB}"/>
     </a:ext>
   </a:extLst>
 </a:theme>

--- a/ProjectDocumentation/ProjectArchitecture.pptx
+++ b/ProjectDocumentation/ProjectArchitecture.pptx
@@ -111,6 +111,11 @@
       </a:defRPr>
     </a:lvl9pPr>
   </p:defaultTextStyle>
+  <p:extLst>
+    <p:ext uri="{EFAFB233-063F-42B5-8137-9DF3F51BA10A}">
+      <p15:sldGuideLst xmlns:p15="http://schemas.microsoft.com/office/powerpoint/2012/main"/>
+    </p:ext>
+  </p:extLst>
 </p:presentation>
 </file>
 
@@ -327,7 +332,7 @@
           <a:p>
             <a:fld id="{012E2821-CEEE-4C36-9372-C58F838928D9}" type="datetimeFigureOut">
               <a:rPr lang="en-US" smtClean="0"/>
-              <a:t>12/5/2015</a:t>
+              <a:t>12/11/2015</a:t>
             </a:fld>
             <a:endParaRPr lang="en-US"/>
           </a:p>
@@ -618,7 +623,7 @@
           <a:p>
             <a:fld id="{012E2821-CEEE-4C36-9372-C58F838928D9}" type="datetimeFigureOut">
               <a:rPr lang="en-US" smtClean="0"/>
-              <a:t>12/5/2015</a:t>
+              <a:t>12/11/2015</a:t>
             </a:fld>
             <a:endParaRPr lang="en-US"/>
           </a:p>
@@ -877,7 +882,7 @@
           <a:p>
             <a:fld id="{012E2821-CEEE-4C36-9372-C58F838928D9}" type="datetimeFigureOut">
               <a:rPr lang="en-US" smtClean="0"/>
-              <a:t>12/5/2015</a:t>
+              <a:t>12/11/2015</a:t>
             </a:fld>
             <a:endParaRPr lang="en-US"/>
           </a:p>
@@ -1346,7 +1351,7 @@
           <a:p>
             <a:fld id="{012E2821-CEEE-4C36-9372-C58F838928D9}" type="datetimeFigureOut">
               <a:rPr lang="en-US" smtClean="0"/>
-              <a:t>12/5/2015</a:t>
+              <a:t>12/11/2015</a:t>
             </a:fld>
             <a:endParaRPr lang="en-US"/>
           </a:p>
@@ -1526,7 +1531,7 @@
           <a:p>
             <a:fld id="{012E2821-CEEE-4C36-9372-C58F838928D9}" type="datetimeFigureOut">
               <a:rPr lang="en-US" smtClean="0"/>
-              <a:t>12/5/2015</a:t>
+              <a:t>12/11/2015</a:t>
             </a:fld>
             <a:endParaRPr lang="en-US"/>
           </a:p>
@@ -2102,7 +2107,7 @@
           <a:p>
             <a:fld id="{012E2821-CEEE-4C36-9372-C58F838928D9}" type="datetimeFigureOut">
               <a:rPr lang="en-US" smtClean="0"/>
-              <a:t>12/5/2015</a:t>
+              <a:t>12/11/2015</a:t>
             </a:fld>
             <a:endParaRPr lang="en-US"/>
           </a:p>
@@ -2434,7 +2439,7 @@
           <a:p>
             <a:fld id="{012E2821-CEEE-4C36-9372-C58F838928D9}" type="datetimeFigureOut">
               <a:rPr lang="en-US" smtClean="0"/>
-              <a:t>12/5/2015</a:t>
+              <a:t>12/11/2015</a:t>
             </a:fld>
             <a:endParaRPr lang="en-US"/>
           </a:p>
@@ -2609,7 +2614,7 @@
           <a:p>
             <a:fld id="{012E2821-CEEE-4C36-9372-C58F838928D9}" type="datetimeFigureOut">
               <a:rPr lang="en-US" smtClean="0"/>
-              <a:t>12/5/2015</a:t>
+              <a:t>12/11/2015</a:t>
             </a:fld>
             <a:endParaRPr lang="en-US"/>
           </a:p>
@@ -2789,7 +2794,7 @@
           <a:p>
             <a:fld id="{012E2821-CEEE-4C36-9372-C58F838928D9}" type="datetimeFigureOut">
               <a:rPr lang="en-US" smtClean="0"/>
-              <a:t>12/5/2015</a:t>
+              <a:t>12/11/2015</a:t>
             </a:fld>
             <a:endParaRPr lang="en-US"/>
           </a:p>
@@ -2959,7 +2964,7 @@
           <a:p>
             <a:fld id="{012E2821-CEEE-4C36-9372-C58F838928D9}" type="datetimeFigureOut">
               <a:rPr lang="en-US" smtClean="0"/>
-              <a:t>12/5/2015</a:t>
+              <a:t>12/11/2015</a:t>
             </a:fld>
             <a:endParaRPr lang="en-US"/>
           </a:p>
@@ -3216,7 +3221,7 @@
           <a:p>
             <a:fld id="{012E2821-CEEE-4C36-9372-C58F838928D9}" type="datetimeFigureOut">
               <a:rPr lang="en-US" smtClean="0"/>
-              <a:t>12/5/2015</a:t>
+              <a:t>12/11/2015</a:t>
             </a:fld>
             <a:endParaRPr lang="en-US"/>
           </a:p>
@@ -3508,7 +3513,7 @@
           <a:p>
             <a:fld id="{012E2821-CEEE-4C36-9372-C58F838928D9}" type="datetimeFigureOut">
               <a:rPr lang="en-US" smtClean="0"/>
-              <a:t>12/5/2015</a:t>
+              <a:t>12/11/2015</a:t>
             </a:fld>
             <a:endParaRPr lang="en-US"/>
           </a:p>
@@ -3938,7 +3943,7 @@
           <a:p>
             <a:fld id="{012E2821-CEEE-4C36-9372-C58F838928D9}" type="datetimeFigureOut">
               <a:rPr lang="en-US" smtClean="0"/>
-              <a:t>12/5/2015</a:t>
+              <a:t>12/11/2015</a:t>
             </a:fld>
             <a:endParaRPr lang="en-US"/>
           </a:p>
@@ -4056,7 +4061,7 @@
           <a:p>
             <a:fld id="{012E2821-CEEE-4C36-9372-C58F838928D9}" type="datetimeFigureOut">
               <a:rPr lang="en-US" smtClean="0"/>
-              <a:t>12/5/2015</a:t>
+              <a:t>12/11/2015</a:t>
             </a:fld>
             <a:endParaRPr lang="en-US"/>
           </a:p>
@@ -4151,7 +4156,7 @@
           <a:p>
             <a:fld id="{012E2821-CEEE-4C36-9372-C58F838928D9}" type="datetimeFigureOut">
               <a:rPr lang="en-US" smtClean="0"/>
-              <a:t>12/5/2015</a:t>
+              <a:t>12/11/2015</a:t>
             </a:fld>
             <a:endParaRPr lang="en-US"/>
           </a:p>
@@ -4434,7 +4439,7 @@
           <a:p>
             <a:fld id="{012E2821-CEEE-4C36-9372-C58F838928D9}" type="datetimeFigureOut">
               <a:rPr lang="en-US" smtClean="0"/>
-              <a:t>12/5/2015</a:t>
+              <a:t>12/11/2015</a:t>
             </a:fld>
             <a:endParaRPr lang="en-US"/>
           </a:p>
@@ -4725,7 +4730,7 @@
           <a:p>
             <a:fld id="{012E2821-CEEE-4C36-9372-C58F838928D9}" type="datetimeFigureOut">
               <a:rPr lang="en-US" smtClean="0"/>
-              <a:t>12/5/2015</a:t>
+              <a:t>12/11/2015</a:t>
             </a:fld>
             <a:endParaRPr lang="en-US"/>
           </a:p>
@@ -4956,7 +4961,7 @@
           <a:p>
             <a:fld id="{012E2821-CEEE-4C36-9372-C58F838928D9}" type="datetimeFigureOut">
               <a:rPr lang="en-US" smtClean="0"/>
-              <a:t>12/5/2015</a:t>
+              <a:t>12/11/2015</a:t>
             </a:fld>
             <a:endParaRPr lang="en-US"/>
           </a:p>
@@ -5770,20 +5775,28 @@
         <p:spPr/>
         <p:txBody>
           <a:bodyPr>
-            <a:normAutofit/>
+            <a:normAutofit fontScale="92500" lnSpcReduction="20000"/>
           </a:bodyPr>
           <a:lstStyle/>
           <a:p>
+            <a:endParaRPr lang="en-US" dirty="0" smtClean="0"/>
+          </a:p>
+          <a:p>
             <a:r>
               <a:rPr lang="en-US" dirty="0" smtClean="0"/>
-              <a:t>Luke Osborn</a:t>
-            </a:r>
-          </a:p>
-          <a:p>
+              <a:t>Isaac </a:t>
+            </a:r>
             <a:r>
               <a:rPr lang="en-US" dirty="0" smtClean="0"/>
-              <a:t>Isaac Goldman</a:t>
-            </a:r>
+              <a:t>Goldman</a:t>
+            </a:r>
+          </a:p>
+          <a:p>
+            <a:r>
+              <a:rPr lang="en-US" dirty="0"/>
+              <a:t>Luke Osborne</a:t>
+            </a:r>
+            <a:endParaRPr lang="en-US" dirty="0" smtClean="0"/>
           </a:p>
           <a:p>
             <a:r>

--- a/ProjectDocumentation/ProjectArchitecture.pptx
+++ b/ProjectDocumentation/ProjectArchitecture.pptx
@@ -1,21 +1,30 @@
 
 <file path=ppt/presentation.xml><?xml version="1.0" encoding="utf-8"?>
-<p:presentation xmlns:a="http://schemas.openxmlformats.org/drawingml/2006/main" xmlns:r="http://schemas.openxmlformats.org/officeDocument/2006/relationships" xmlns:p="http://schemas.openxmlformats.org/presentationml/2006/main" saveSubsetFonts="1">
+<p:presentation xmlns:a="http://schemas.openxmlformats.org/drawingml/2006/main" xmlns:r="http://schemas.openxmlformats.org/officeDocument/2006/relationships" xmlns:p="http://schemas.openxmlformats.org/presentationml/2006/main" embedTrueTypeFonts="1">
   <p:sldMasterIdLst>
     <p:sldMasterId id="2147483744" r:id="rId1"/>
   </p:sldMasterIdLst>
   <p:sldIdLst>
     <p:sldId id="256" r:id="rId2"/>
     <p:sldId id="257" r:id="rId3"/>
-    <p:sldId id="258" r:id="rId4"/>
-    <p:sldId id="259" r:id="rId5"/>
-    <p:sldId id="263" r:id="rId6"/>
+    <p:sldId id="259" r:id="rId4"/>
+    <p:sldId id="263" r:id="rId5"/>
+    <p:sldId id="261" r:id="rId6"/>
     <p:sldId id="260" r:id="rId7"/>
     <p:sldId id="262" r:id="rId8"/>
-    <p:sldId id="261" r:id="rId9"/>
+    <p:sldId id="264" r:id="rId9"/>
   </p:sldIdLst>
   <p:sldSz cx="12192000" cy="6858000"/>
   <p:notesSz cx="6858000" cy="9144000"/>
+  <p:embeddedFontLst>
+    <p:embeddedFont>
+      <p:font typeface="Century Gothic" panose="020B0502020202020204" pitchFamily="34" charset="0"/>
+      <p:regular r:id="rId10"/>
+      <p:bold r:id="rId11"/>
+      <p:italic r:id="rId12"/>
+      <p:boldItalic r:id="rId13"/>
+    </p:embeddedFont>
+  </p:embeddedFontLst>
   <p:defaultTextStyle>
     <a:defPPr>
       <a:defRPr lang="en-US"/>
@@ -5735,33 +5744,66 @@
           <a:chExt cx="0" cy="0"/>
         </a:xfrm>
       </p:grpSpPr>
-      <p:sp>
-        <p:nvSpPr>
-          <p:cNvPr id="2" name="Title 1"/>
-          <p:cNvSpPr>
-            <a:spLocks noGrp="1"/>
-          </p:cNvSpPr>
-          <p:nvPr>
-            <p:ph type="ctrTitle"/>
-          </p:nvPr>
-        </p:nvSpPr>
-        <p:spPr/>
-        <p:txBody>
-          <a:bodyPr/>
-          <a:lstStyle/>
-          <a:p>
-            <a:r>
-              <a:rPr lang="en-US" dirty="0" smtClean="0"/>
-              <a:t>The </a:t>
-            </a:r>
-            <a:r>
-              <a:rPr lang="en-US" dirty="0" err="1" smtClean="0"/>
-              <a:t>REKTangle</a:t>
-            </a:r>
-            <a:endParaRPr lang="en-US" dirty="0"/>
-          </a:p>
-        </p:txBody>
-      </p:sp>
+      <p:pic>
+        <p:nvPicPr>
+          <p:cNvPr id="6" name="Picture 5"/>
+          <p:cNvPicPr>
+            <a:picLocks noChangeAspect="1"/>
+          </p:cNvPicPr>
+          <p:nvPr/>
+        </p:nvPicPr>
+        <p:blipFill>
+          <a:blip r:embed="rId2">
+            <a:extLst>
+              <a:ext uri="{28A0092B-C50C-407E-A947-70E740481C1C}">
+                <a14:useLocalDpi xmlns:a14="http://schemas.microsoft.com/office/drawing/2010/main" val="0"/>
+              </a:ext>
+            </a:extLst>
+          </a:blip>
+          <a:stretch>
+            <a:fillRect/>
+          </a:stretch>
+        </p:blipFill>
+        <p:spPr>
+          <a:xfrm>
+            <a:off x="0" y="0"/>
+            <a:ext cx="12211049" cy="6847317"/>
+          </a:xfrm>
+          <a:prstGeom prst="rect">
+            <a:avLst/>
+          </a:prstGeom>
+        </p:spPr>
+      </p:pic>
+      <p:pic>
+        <p:nvPicPr>
+          <p:cNvPr id="4" name="Picture 3"/>
+          <p:cNvPicPr>
+            <a:picLocks noChangeAspect="1"/>
+          </p:cNvPicPr>
+          <p:nvPr/>
+        </p:nvPicPr>
+        <p:blipFill>
+          <a:blip r:embed="rId3">
+            <a:extLst>
+              <a:ext uri="{28A0092B-C50C-407E-A947-70E740481C1C}">
+                <a14:useLocalDpi xmlns:a14="http://schemas.microsoft.com/office/drawing/2010/main" val="0"/>
+              </a:ext>
+            </a:extLst>
+          </a:blip>
+          <a:stretch>
+            <a:fillRect/>
+          </a:stretch>
+        </p:blipFill>
+        <p:spPr>
+          <a:xfrm>
+            <a:off x="1068770" y="368137"/>
+            <a:ext cx="10073507" cy="5648696"/>
+          </a:xfrm>
+          <a:prstGeom prst="rect">
+            <a:avLst/>
+          </a:prstGeom>
+        </p:spPr>
+      </p:pic>
       <p:sp>
         <p:nvSpPr>
           <p:cNvPr id="3" name="Subtitle 2"/>
@@ -5784,11 +5826,7 @@
           <a:p>
             <a:r>
               <a:rPr lang="en-US" dirty="0" smtClean="0"/>
-              <a:t>Isaac </a:t>
-            </a:r>
-            <a:r>
-              <a:rPr lang="en-US" dirty="0" smtClean="0"/>
-              <a:t>Goldman</a:t>
+              <a:t>Isaac Goldman</a:t>
             </a:r>
           </a:p>
           <a:p>
@@ -5817,6 +5855,96 @@
           </a:p>
         </p:txBody>
       </p:sp>
+      <p:pic>
+        <p:nvPicPr>
+          <p:cNvPr id="7" name="Picture 6"/>
+          <p:cNvPicPr>
+            <a:picLocks noChangeAspect="1"/>
+          </p:cNvPicPr>
+          <p:nvPr/>
+        </p:nvPicPr>
+        <p:blipFill>
+          <a:blip r:embed="rId4">
+            <a:extLst>
+              <a:ext uri="{28A0092B-C50C-407E-A947-70E740481C1C}">
+                <a14:useLocalDpi xmlns:a14="http://schemas.microsoft.com/office/drawing/2010/main" val="0"/>
+              </a:ext>
+            </a:extLst>
+          </a:blip>
+          <a:stretch>
+            <a:fillRect/>
+          </a:stretch>
+        </p:blipFill>
+        <p:spPr>
+          <a:xfrm>
+            <a:off x="1068770" y="3660567"/>
+            <a:ext cx="843158" cy="1108151"/>
+          </a:xfrm>
+          <a:prstGeom prst="rect">
+            <a:avLst/>
+          </a:prstGeom>
+        </p:spPr>
+      </p:pic>
+      <p:pic>
+        <p:nvPicPr>
+          <p:cNvPr id="9" name="Picture 8"/>
+          <p:cNvPicPr>
+            <a:picLocks noChangeAspect="1"/>
+          </p:cNvPicPr>
+          <p:nvPr/>
+        </p:nvPicPr>
+        <p:blipFill>
+          <a:blip r:embed="rId4">
+            <a:extLst>
+              <a:ext uri="{28A0092B-C50C-407E-A947-70E740481C1C}">
+                <a14:useLocalDpi xmlns:a14="http://schemas.microsoft.com/office/drawing/2010/main" val="0"/>
+              </a:ext>
+            </a:extLst>
+          </a:blip>
+          <a:stretch>
+            <a:fillRect/>
+          </a:stretch>
+        </p:blipFill>
+        <p:spPr>
+          <a:xfrm rot="5400000">
+            <a:off x="10448297" y="915389"/>
+            <a:ext cx="843158" cy="1108151"/>
+          </a:xfrm>
+          <a:prstGeom prst="rect">
+            <a:avLst/>
+          </a:prstGeom>
+        </p:spPr>
+      </p:pic>
+      <p:pic>
+        <p:nvPicPr>
+          <p:cNvPr id="10" name="Picture 9"/>
+          <p:cNvPicPr>
+            <a:picLocks noChangeAspect="1"/>
+          </p:cNvPicPr>
+          <p:nvPr/>
+        </p:nvPicPr>
+        <p:blipFill>
+          <a:blip r:embed="rId5">
+            <a:extLst>
+              <a:ext uri="{28A0092B-C50C-407E-A947-70E740481C1C}">
+                <a14:useLocalDpi xmlns:a14="http://schemas.microsoft.com/office/drawing/2010/main" val="0"/>
+              </a:ext>
+            </a:extLst>
+          </a:blip>
+          <a:stretch>
+            <a:fillRect/>
+          </a:stretch>
+        </p:blipFill>
+        <p:spPr>
+          <a:xfrm>
+            <a:off x="8488507" y="3583784"/>
+            <a:ext cx="988001" cy="988001"/>
+          </a:xfrm>
+          <a:prstGeom prst="rect">
+            <a:avLst/>
+          </a:prstGeom>
+        </p:spPr>
+      </p:pic>
     </p:spTree>
     <p:extLst>
       <p:ext uri="{BB962C8B-B14F-4D97-AF65-F5344CB8AC3E}">
@@ -5847,6 +5975,36 @@
           <a:chExt cx="0" cy="0"/>
         </a:xfrm>
       </p:grpSpPr>
+      <p:pic>
+        <p:nvPicPr>
+          <p:cNvPr id="4" name="Picture 3"/>
+          <p:cNvPicPr>
+            <a:picLocks noChangeAspect="1"/>
+          </p:cNvPicPr>
+          <p:nvPr/>
+        </p:nvPicPr>
+        <p:blipFill>
+          <a:blip r:embed="rId2">
+            <a:extLst>
+              <a:ext uri="{28A0092B-C50C-407E-A947-70E740481C1C}">
+                <a14:useLocalDpi xmlns:a14="http://schemas.microsoft.com/office/drawing/2010/main" val="0"/>
+              </a:ext>
+            </a:extLst>
+          </a:blip>
+          <a:stretch>
+            <a:fillRect/>
+          </a:stretch>
+        </p:blipFill>
+        <p:spPr>
+          <a:xfrm>
+            <a:off x="0" y="0"/>
+            <a:ext cx="12211049" cy="6847317"/>
+          </a:xfrm>
+          <a:prstGeom prst="rect">
+            <a:avLst/>
+          </a:prstGeom>
+        </p:spPr>
+      </p:pic>
       <p:sp>
         <p:nvSpPr>
           <p:cNvPr id="2" name="Title 1"/>
@@ -5911,6 +6069,66 @@
           </a:p>
         </p:txBody>
       </p:sp>
+      <p:pic>
+        <p:nvPicPr>
+          <p:cNvPr id="5" name="Picture 4"/>
+          <p:cNvPicPr>
+            <a:picLocks noChangeAspect="1"/>
+          </p:cNvPicPr>
+          <p:nvPr/>
+        </p:nvPicPr>
+        <p:blipFill>
+          <a:blip r:embed="rId3">
+            <a:extLst>
+              <a:ext uri="{28A0092B-C50C-407E-A947-70E740481C1C}">
+                <a14:useLocalDpi xmlns:a14="http://schemas.microsoft.com/office/drawing/2010/main" val="0"/>
+              </a:ext>
+            </a:extLst>
+          </a:blip>
+          <a:stretch>
+            <a:fillRect/>
+          </a:stretch>
+        </p:blipFill>
+        <p:spPr>
+          <a:xfrm>
+            <a:off x="9060910" y="3826541"/>
+            <a:ext cx="2117058" cy="2117058"/>
+          </a:xfrm>
+          <a:prstGeom prst="rect">
+            <a:avLst/>
+          </a:prstGeom>
+        </p:spPr>
+      </p:pic>
+      <p:pic>
+        <p:nvPicPr>
+          <p:cNvPr id="6" name="Picture 5"/>
+          <p:cNvPicPr>
+            <a:picLocks noChangeAspect="1"/>
+          </p:cNvPicPr>
+          <p:nvPr/>
+        </p:nvPicPr>
+        <p:blipFill>
+          <a:blip r:embed="rId4">
+            <a:extLst>
+              <a:ext uri="{28A0092B-C50C-407E-A947-70E740481C1C}">
+                <a14:useLocalDpi xmlns:a14="http://schemas.microsoft.com/office/drawing/2010/main" val="0"/>
+              </a:ext>
+            </a:extLst>
+          </a:blip>
+          <a:stretch>
+            <a:fillRect/>
+          </a:stretch>
+        </p:blipFill>
+        <p:spPr>
+          <a:xfrm rot="5400000">
+            <a:off x="8999423" y="2523048"/>
+            <a:ext cx="846780" cy="1112911"/>
+          </a:xfrm>
+          <a:prstGeom prst="rect">
+            <a:avLst/>
+          </a:prstGeom>
+        </p:spPr>
+      </p:pic>
     </p:spTree>
     <p:extLst>
       <p:ext uri="{BB962C8B-B14F-4D97-AF65-F5344CB8AC3E}">
@@ -5941,6 +6159,36 @@
           <a:chExt cx="0" cy="0"/>
         </a:xfrm>
       </p:grpSpPr>
+      <p:pic>
+        <p:nvPicPr>
+          <p:cNvPr id="4" name="Picture 3"/>
+          <p:cNvPicPr>
+            <a:picLocks noChangeAspect="1"/>
+          </p:cNvPicPr>
+          <p:nvPr/>
+        </p:nvPicPr>
+        <p:blipFill>
+          <a:blip r:embed="rId2">
+            <a:extLst>
+              <a:ext uri="{28A0092B-C50C-407E-A947-70E740481C1C}">
+                <a14:useLocalDpi xmlns:a14="http://schemas.microsoft.com/office/drawing/2010/main" val="0"/>
+              </a:ext>
+            </a:extLst>
+          </a:blip>
+          <a:stretch>
+            <a:fillRect/>
+          </a:stretch>
+        </p:blipFill>
+        <p:spPr>
+          <a:xfrm>
+            <a:off x="0" y="0"/>
+            <a:ext cx="12211049" cy="6847317"/>
+          </a:xfrm>
+          <a:prstGeom prst="rect">
+            <a:avLst/>
+          </a:prstGeom>
+        </p:spPr>
+      </p:pic>
       <p:sp>
         <p:nvSpPr>
           <p:cNvPr id="2" name="Title 1"/>
@@ -5958,39 +6206,45 @@
           <a:p>
             <a:r>
               <a:rPr lang="en-US" dirty="0" smtClean="0"/>
-              <a:t>Splash Screen</a:t>
+              <a:t>Menu</a:t>
             </a:r>
             <a:endParaRPr lang="en-US" dirty="0"/>
           </a:p>
         </p:txBody>
       </p:sp>
-      <p:sp>
-        <p:nvSpPr>
-          <p:cNvPr id="3" name="Content Placeholder 2"/>
-          <p:cNvSpPr>
-            <a:spLocks noGrp="1"/>
-          </p:cNvSpPr>
+      <p:pic>
+        <p:nvPicPr>
+          <p:cNvPr id="5" name="Content Placeholder 4"/>
+          <p:cNvPicPr>
+            <a:picLocks noGrp="1" noChangeAspect="1"/>
+          </p:cNvPicPr>
           <p:nvPr>
             <p:ph idx="1"/>
           </p:nvPr>
-        </p:nvSpPr>
-        <p:spPr/>
-        <p:txBody>
-          <a:bodyPr/>
-          <a:lstStyle/>
-          <a:p>
-            <a:r>
-              <a:rPr lang="en-US" dirty="0" smtClean="0"/>
-              <a:t>Starts with App splash screen</a:t>
-            </a:r>
-            <a:endParaRPr lang="en-US" dirty="0"/>
-          </a:p>
-        </p:txBody>
-      </p:sp>
+        </p:nvPicPr>
+        <p:blipFill>
+          <a:blip r:embed="rId3">
+            <a:extLst>
+              <a:ext uri="{28A0092B-C50C-407E-A947-70E740481C1C}">
+                <a14:useLocalDpi xmlns:a14="http://schemas.microsoft.com/office/drawing/2010/main" val="0"/>
+              </a:ext>
+            </a:extLst>
+          </a:blip>
+          <a:stretch>
+            <a:fillRect/>
+          </a:stretch>
+        </p:blipFill>
+        <p:spPr>
+          <a:xfrm>
+            <a:off x="6105524" y="609600"/>
+            <a:ext cx="5571489" cy="3124200"/>
+          </a:xfrm>
+        </p:spPr>
+      </p:pic>
     </p:spTree>
     <p:extLst>
       <p:ext uri="{BB962C8B-B14F-4D97-AF65-F5344CB8AC3E}">
-        <p14:creationId xmlns:p14="http://schemas.microsoft.com/office/powerpoint/2010/main" val="671286379"/>
+        <p14:creationId xmlns:p14="http://schemas.microsoft.com/office/powerpoint/2010/main" val="3819403296"/>
       </p:ext>
     </p:extLst>
   </p:cSld>
@@ -6017,6 +6271,36 @@
           <a:chExt cx="0" cy="0"/>
         </a:xfrm>
       </p:grpSpPr>
+      <p:pic>
+        <p:nvPicPr>
+          <p:cNvPr id="5" name="Picture 4"/>
+          <p:cNvPicPr>
+            <a:picLocks noChangeAspect="1"/>
+          </p:cNvPicPr>
+          <p:nvPr/>
+        </p:nvPicPr>
+        <p:blipFill>
+          <a:blip r:embed="rId2">
+            <a:extLst>
+              <a:ext uri="{28A0092B-C50C-407E-A947-70E740481C1C}">
+                <a14:useLocalDpi xmlns:a14="http://schemas.microsoft.com/office/drawing/2010/main" val="0"/>
+              </a:ext>
+            </a:extLst>
+          </a:blip>
+          <a:stretch>
+            <a:fillRect/>
+          </a:stretch>
+        </p:blipFill>
+        <p:spPr>
+          <a:xfrm>
+            <a:off x="0" y="0"/>
+            <a:ext cx="12211049" cy="6847317"/>
+          </a:xfrm>
+          <a:prstGeom prst="rect">
+            <a:avLst/>
+          </a:prstGeom>
+        </p:spPr>
+      </p:pic>
       <p:sp>
         <p:nvSpPr>
           <p:cNvPr id="2" name="Title 1"/>
@@ -6034,27 +6318,8 @@
           <a:p>
             <a:r>
               <a:rPr lang="en-US" dirty="0" smtClean="0"/>
-              <a:t>Menu</a:t>
-            </a:r>
-            <a:endParaRPr lang="en-US" dirty="0"/>
-          </a:p>
-        </p:txBody>
-      </p:sp>
-      <p:sp>
-        <p:nvSpPr>
-          <p:cNvPr id="3" name="Content Placeholder 2"/>
-          <p:cNvSpPr>
-            <a:spLocks noGrp="1"/>
-          </p:cNvSpPr>
-          <p:nvPr>
-            <p:ph idx="1"/>
-          </p:nvPr>
-        </p:nvSpPr>
-        <p:spPr/>
-        <p:txBody>
-          <a:bodyPr/>
-          <a:lstStyle/>
-          <a:p>
+              <a:t>Architecture of menu</a:t>
+            </a:r>
             <a:endParaRPr lang="en-US" dirty="0"/>
           </a:p>
         </p:txBody>
@@ -6062,7 +6327,7 @@
     </p:spTree>
     <p:extLst>
       <p:ext uri="{BB962C8B-B14F-4D97-AF65-F5344CB8AC3E}">
-        <p14:creationId xmlns:p14="http://schemas.microsoft.com/office/powerpoint/2010/main" val="3819403296"/>
+        <p14:creationId xmlns:p14="http://schemas.microsoft.com/office/powerpoint/2010/main" val="3200236735"/>
       </p:ext>
     </p:extLst>
   </p:cSld>
@@ -6089,6 +6354,36 @@
           <a:chExt cx="0" cy="0"/>
         </a:xfrm>
       </p:grpSpPr>
+      <p:pic>
+        <p:nvPicPr>
+          <p:cNvPr id="4" name="Picture 3"/>
+          <p:cNvPicPr>
+            <a:picLocks noChangeAspect="1"/>
+          </p:cNvPicPr>
+          <p:nvPr/>
+        </p:nvPicPr>
+        <p:blipFill>
+          <a:blip r:embed="rId2">
+            <a:extLst>
+              <a:ext uri="{28A0092B-C50C-407E-A947-70E740481C1C}">
+                <a14:useLocalDpi xmlns:a14="http://schemas.microsoft.com/office/drawing/2010/main" val="0"/>
+              </a:ext>
+            </a:extLst>
+          </a:blip>
+          <a:stretch>
+            <a:fillRect/>
+          </a:stretch>
+        </p:blipFill>
+        <p:spPr>
+          <a:xfrm>
+            <a:off x="0" y="0"/>
+            <a:ext cx="12211049" cy="6847317"/>
+          </a:xfrm>
+          <a:prstGeom prst="rect">
+            <a:avLst/>
+          </a:prstGeom>
+        </p:spPr>
+      </p:pic>
       <p:sp>
         <p:nvSpPr>
           <p:cNvPr id="2" name="Title 1"/>
@@ -6106,7 +6401,7 @@
           <a:p>
             <a:r>
               <a:rPr lang="en-US" dirty="0" smtClean="0"/>
-              <a:t>Architecture of menu</a:t>
+              <a:t>Instructions</a:t>
             </a:r>
             <a:endParaRPr lang="en-US" dirty="0"/>
           </a:p>
@@ -6127,14 +6422,47 @@
           <a:bodyPr/>
           <a:lstStyle/>
           <a:p>
-            <a:endParaRPr lang="en-US"/>
-          </a:p>
-        </p:txBody>
-      </p:sp>
+            <a:pPr marL="0" indent="0">
+              <a:buNone/>
+            </a:pPr>
+            <a:endParaRPr lang="en-US" dirty="0"/>
+          </a:p>
+        </p:txBody>
+      </p:sp>
+      <p:pic>
+        <p:nvPicPr>
+          <p:cNvPr id="5" name="Picture 4"/>
+          <p:cNvPicPr>
+            <a:picLocks noChangeAspect="1"/>
+          </p:cNvPicPr>
+          <p:nvPr/>
+        </p:nvPicPr>
+        <p:blipFill>
+          <a:blip r:embed="rId3">
+            <a:extLst>
+              <a:ext uri="{28A0092B-C50C-407E-A947-70E740481C1C}">
+                <a14:useLocalDpi xmlns:a14="http://schemas.microsoft.com/office/drawing/2010/main" val="0"/>
+              </a:ext>
+            </a:extLst>
+          </a:blip>
+          <a:stretch>
+            <a:fillRect/>
+          </a:stretch>
+        </p:blipFill>
+        <p:spPr>
+          <a:xfrm>
+            <a:off x="3622979" y="1770697"/>
+            <a:ext cx="8152381" cy="4571429"/>
+          </a:xfrm>
+          <a:prstGeom prst="rect">
+            <a:avLst/>
+          </a:prstGeom>
+        </p:spPr>
+      </p:pic>
     </p:spTree>
     <p:extLst>
       <p:ext uri="{BB962C8B-B14F-4D97-AF65-F5344CB8AC3E}">
-        <p14:creationId xmlns:p14="http://schemas.microsoft.com/office/powerpoint/2010/main" val="3200236735"/>
+        <p14:creationId xmlns:p14="http://schemas.microsoft.com/office/powerpoint/2010/main" val="2434724047"/>
       </p:ext>
     </p:extLst>
   </p:cSld>
@@ -6161,6 +6489,36 @@
           <a:chExt cx="0" cy="0"/>
         </a:xfrm>
       </p:grpSpPr>
+      <p:pic>
+        <p:nvPicPr>
+          <p:cNvPr id="5" name="Picture 4"/>
+          <p:cNvPicPr>
+            <a:picLocks noChangeAspect="1"/>
+          </p:cNvPicPr>
+          <p:nvPr/>
+        </p:nvPicPr>
+        <p:blipFill>
+          <a:blip r:embed="rId2">
+            <a:extLst>
+              <a:ext uri="{28A0092B-C50C-407E-A947-70E740481C1C}">
+                <a14:useLocalDpi xmlns:a14="http://schemas.microsoft.com/office/drawing/2010/main" val="0"/>
+              </a:ext>
+            </a:extLst>
+          </a:blip>
+          <a:stretch>
+            <a:fillRect/>
+          </a:stretch>
+        </p:blipFill>
+        <p:spPr>
+          <a:xfrm>
+            <a:off x="0" y="22557"/>
+            <a:ext cx="12189873" cy="6835443"/>
+          </a:xfrm>
+          <a:prstGeom prst="rect">
+            <a:avLst/>
+          </a:prstGeom>
+        </p:spPr>
+      </p:pic>
       <p:sp>
         <p:nvSpPr>
           <p:cNvPr id="2" name="Title 1"/>
@@ -6194,7 +6552,12 @@
             <p:ph idx="1"/>
           </p:nvPr>
         </p:nvSpPr>
-        <p:spPr/>
+        <p:spPr>
+          <a:xfrm>
+            <a:off x="678275" y="2652678"/>
+            <a:ext cx="9905998" cy="3124201"/>
+          </a:xfrm>
+        </p:spPr>
         <p:txBody>
           <a:bodyPr/>
           <a:lstStyle/>
@@ -6212,12 +6575,60 @@
           <a:p>
             <a:r>
               <a:rPr lang="en-US" dirty="0" smtClean="0"/>
-              <a:t>You try not to get REKT, but it is inevitable…</a:t>
+              <a:t>You avoid enemies, which come from all around the screen</a:t>
+            </a:r>
+          </a:p>
+          <a:p>
+            <a:r>
+              <a:rPr lang="en-US" dirty="0" smtClean="0"/>
+              <a:t>The longer you last, the higher your score goes</a:t>
             </a:r>
             <a:endParaRPr lang="en-US" dirty="0"/>
           </a:p>
-        </p:txBody>
-      </p:sp>
+          <a:p>
+            <a:r>
+              <a:rPr lang="en-US" dirty="0" smtClean="0"/>
+              <a:t>The higher the score, the faster the enemies come</a:t>
+            </a:r>
+          </a:p>
+          <a:p>
+            <a:r>
+              <a:rPr lang="en-US" dirty="0" smtClean="0"/>
+              <a:t>Get hit, and it’s game over</a:t>
+            </a:r>
+          </a:p>
+        </p:txBody>
+      </p:sp>
+      <p:pic>
+        <p:nvPicPr>
+          <p:cNvPr id="6" name="Picture 5"/>
+          <p:cNvPicPr>
+            <a:picLocks noChangeAspect="1"/>
+          </p:cNvPicPr>
+          <p:nvPr/>
+        </p:nvPicPr>
+        <p:blipFill>
+          <a:blip r:embed="rId3">
+            <a:extLst>
+              <a:ext uri="{28A0092B-C50C-407E-A947-70E740481C1C}">
+                <a14:useLocalDpi xmlns:a14="http://schemas.microsoft.com/office/drawing/2010/main" val="0"/>
+              </a:ext>
+            </a:extLst>
+          </a:blip>
+          <a:stretch>
+            <a:fillRect/>
+          </a:stretch>
+        </p:blipFill>
+        <p:spPr>
+          <a:xfrm>
+            <a:off x="5237018" y="228886"/>
+            <a:ext cx="6740222" cy="3779564"/>
+          </a:xfrm>
+          <a:prstGeom prst="rect">
+            <a:avLst/>
+          </a:prstGeom>
+        </p:spPr>
+      </p:pic>
     </p:spTree>
     <p:extLst>
       <p:ext uri="{BB962C8B-B14F-4D97-AF65-F5344CB8AC3E}">
@@ -6248,6 +6659,36 @@
           <a:chExt cx="0" cy="0"/>
         </a:xfrm>
       </p:grpSpPr>
+      <p:pic>
+        <p:nvPicPr>
+          <p:cNvPr id="4" name="Picture 3"/>
+          <p:cNvPicPr>
+            <a:picLocks noChangeAspect="1"/>
+          </p:cNvPicPr>
+          <p:nvPr/>
+        </p:nvPicPr>
+        <p:blipFill>
+          <a:blip r:embed="rId2">
+            <a:extLst>
+              <a:ext uri="{28A0092B-C50C-407E-A947-70E740481C1C}">
+                <a14:useLocalDpi xmlns:a14="http://schemas.microsoft.com/office/drawing/2010/main" val="0"/>
+              </a:ext>
+            </a:extLst>
+          </a:blip>
+          <a:stretch>
+            <a:fillRect/>
+          </a:stretch>
+        </p:blipFill>
+        <p:spPr>
+          <a:xfrm>
+            <a:off x="0" y="0"/>
+            <a:ext cx="12211049" cy="6847317"/>
+          </a:xfrm>
+          <a:prstGeom prst="rect">
+            <a:avLst/>
+          </a:prstGeom>
+        </p:spPr>
+      </p:pic>
       <p:sp>
         <p:nvSpPr>
           <p:cNvPr id="2" name="Title 1"/>
@@ -6326,6 +6767,36 @@
           <a:chExt cx="0" cy="0"/>
         </a:xfrm>
       </p:grpSpPr>
+      <p:pic>
+        <p:nvPicPr>
+          <p:cNvPr id="4" name="Picture 3"/>
+          <p:cNvPicPr>
+            <a:picLocks noChangeAspect="1"/>
+          </p:cNvPicPr>
+          <p:nvPr/>
+        </p:nvPicPr>
+        <p:blipFill>
+          <a:blip r:embed="rId2">
+            <a:extLst>
+              <a:ext uri="{28A0092B-C50C-407E-A947-70E740481C1C}">
+                <a14:useLocalDpi xmlns:a14="http://schemas.microsoft.com/office/drawing/2010/main" val="0"/>
+              </a:ext>
+            </a:extLst>
+          </a:blip>
+          <a:stretch>
+            <a:fillRect/>
+          </a:stretch>
+        </p:blipFill>
+        <p:spPr>
+          <a:xfrm>
+            <a:off x="0" y="0"/>
+            <a:ext cx="12211049" cy="6847317"/>
+          </a:xfrm>
+          <a:prstGeom prst="rect">
+            <a:avLst/>
+          </a:prstGeom>
+        </p:spPr>
+      </p:pic>
       <p:sp>
         <p:nvSpPr>
           <p:cNvPr id="2" name="Title 1"/>
@@ -6343,39 +6814,45 @@
           <a:p>
             <a:r>
               <a:rPr lang="en-US" dirty="0" smtClean="0"/>
-              <a:t>Pause Screen</a:t>
+              <a:t>Game Over</a:t>
             </a:r>
             <a:endParaRPr lang="en-US" dirty="0"/>
           </a:p>
         </p:txBody>
       </p:sp>
-      <p:sp>
-        <p:nvSpPr>
-          <p:cNvPr id="3" name="Content Placeholder 2"/>
-          <p:cNvSpPr>
-            <a:spLocks noGrp="1"/>
-          </p:cNvSpPr>
+      <p:pic>
+        <p:nvPicPr>
+          <p:cNvPr id="5" name="Content Placeholder 4"/>
+          <p:cNvPicPr>
+            <a:picLocks noGrp="1" noChangeAspect="1"/>
+          </p:cNvPicPr>
           <p:nvPr>
             <p:ph idx="1"/>
           </p:nvPr>
-        </p:nvSpPr>
-        <p:spPr/>
-        <p:txBody>
-          <a:bodyPr/>
-          <a:lstStyle/>
-          <a:p>
-            <a:r>
-              <a:rPr lang="en-US" dirty="0" smtClean="0"/>
-              <a:t>Options, save, quit</a:t>
-            </a:r>
-            <a:endParaRPr lang="en-US" dirty="0"/>
-          </a:p>
-        </p:txBody>
-      </p:sp>
+        </p:nvPicPr>
+        <p:blipFill>
+          <a:blip r:embed="rId3">
+            <a:extLst>
+              <a:ext uri="{28A0092B-C50C-407E-A947-70E740481C1C}">
+                <a14:useLocalDpi xmlns:a14="http://schemas.microsoft.com/office/drawing/2010/main" val="0"/>
+              </a:ext>
+            </a:extLst>
+          </a:blip>
+          <a:stretch>
+            <a:fillRect/>
+          </a:stretch>
+        </p:blipFill>
+        <p:spPr>
+          <a:xfrm>
+            <a:off x="5266888" y="2624447"/>
+            <a:ext cx="5990568" cy="3359196"/>
+          </a:xfrm>
+        </p:spPr>
+      </p:pic>
     </p:spTree>
     <p:extLst>
       <p:ext uri="{BB962C8B-B14F-4D97-AF65-F5344CB8AC3E}">
-        <p14:creationId xmlns:p14="http://schemas.microsoft.com/office/powerpoint/2010/main" val="2434724047"/>
+        <p14:creationId xmlns:p14="http://schemas.microsoft.com/office/powerpoint/2010/main" val="2692947153"/>
       </p:ext>
     </p:extLst>
   </p:cSld>

--- a/ProjectDocumentation/ProjectArchitecture.pptx
+++ b/ProjectDocumentation/ProjectArchitecture.pptx
@@ -8,21 +8,23 @@
     <p:sldId id="256" r:id="rId2"/>
     <p:sldId id="257" r:id="rId3"/>
     <p:sldId id="259" r:id="rId4"/>
-    <p:sldId id="263" r:id="rId5"/>
-    <p:sldId id="261" r:id="rId6"/>
-    <p:sldId id="260" r:id="rId7"/>
-    <p:sldId id="262" r:id="rId8"/>
-    <p:sldId id="264" r:id="rId9"/>
+    <p:sldId id="261" r:id="rId5"/>
+    <p:sldId id="260" r:id="rId6"/>
+    <p:sldId id="267" r:id="rId7"/>
+    <p:sldId id="266" r:id="rId8"/>
+    <p:sldId id="262" r:id="rId9"/>
+    <p:sldId id="268" r:id="rId10"/>
+    <p:sldId id="264" r:id="rId11"/>
   </p:sldIdLst>
   <p:sldSz cx="12192000" cy="6858000"/>
   <p:notesSz cx="6858000" cy="9144000"/>
   <p:embeddedFontLst>
     <p:embeddedFont>
       <p:font typeface="Century Gothic" panose="020B0502020202020204" pitchFamily="34" charset="0"/>
-      <p:regular r:id="rId10"/>
-      <p:bold r:id="rId11"/>
-      <p:italic r:id="rId12"/>
-      <p:boldItalic r:id="rId13"/>
+      <p:regular r:id="rId12"/>
+      <p:bold r:id="rId13"/>
+      <p:italic r:id="rId14"/>
+      <p:boldItalic r:id="rId15"/>
     </p:embeddedFont>
   </p:embeddedFontLst>
   <p:defaultTextStyle>
@@ -5958,6 +5960,588 @@
 </p:sld>
 </file>
 
+<file path=ppt/slides/slide10.xml><?xml version="1.0" encoding="utf-8"?>
+<p:sld xmlns:a="http://schemas.openxmlformats.org/drawingml/2006/main" xmlns:r="http://schemas.openxmlformats.org/officeDocument/2006/relationships" xmlns:p="http://schemas.openxmlformats.org/presentationml/2006/main">
+  <p:cSld>
+    <p:spTree>
+      <p:nvGrpSpPr>
+        <p:cNvPr id="1" name=""/>
+        <p:cNvGrpSpPr/>
+        <p:nvPr/>
+      </p:nvGrpSpPr>
+      <p:grpSpPr>
+        <a:xfrm>
+          <a:off x="0" y="0"/>
+          <a:ext cx="0" cy="0"/>
+          <a:chOff x="0" y="0"/>
+          <a:chExt cx="0" cy="0"/>
+        </a:xfrm>
+      </p:grpSpPr>
+      <p:pic>
+        <p:nvPicPr>
+          <p:cNvPr id="4" name="Picture 3"/>
+          <p:cNvPicPr>
+            <a:picLocks noChangeAspect="1"/>
+          </p:cNvPicPr>
+          <p:nvPr/>
+        </p:nvPicPr>
+        <p:blipFill>
+          <a:blip r:embed="rId2">
+            <a:extLst>
+              <a:ext uri="{28A0092B-C50C-407E-A947-70E740481C1C}">
+                <a14:useLocalDpi xmlns:a14="http://schemas.microsoft.com/office/drawing/2010/main" val="0"/>
+              </a:ext>
+            </a:extLst>
+          </a:blip>
+          <a:stretch>
+            <a:fillRect/>
+          </a:stretch>
+        </p:blipFill>
+        <p:spPr>
+          <a:xfrm>
+            <a:off x="0" y="0"/>
+            <a:ext cx="12211049" cy="6847317"/>
+          </a:xfrm>
+          <a:prstGeom prst="rect">
+            <a:avLst/>
+          </a:prstGeom>
+        </p:spPr>
+      </p:pic>
+      <p:sp>
+        <p:nvSpPr>
+          <p:cNvPr id="2" name="Title 1"/>
+          <p:cNvSpPr>
+            <a:spLocks noGrp="1"/>
+          </p:cNvSpPr>
+          <p:nvPr>
+            <p:ph type="title"/>
+          </p:nvPr>
+        </p:nvSpPr>
+        <p:spPr/>
+        <p:txBody>
+          <a:bodyPr/>
+          <a:lstStyle/>
+          <a:p>
+            <a:r>
+              <a:rPr lang="en-US" dirty="0" smtClean="0"/>
+              <a:t>Game Over</a:t>
+            </a:r>
+            <a:endParaRPr lang="en-US" dirty="0"/>
+          </a:p>
+        </p:txBody>
+      </p:sp>
+      <p:sp>
+        <p:nvSpPr>
+          <p:cNvPr id="8" name="Content Placeholder 2"/>
+          <p:cNvSpPr txBox="1">
+            <a:spLocks/>
+          </p:cNvSpPr>
+          <p:nvPr/>
+        </p:nvSpPr>
+        <p:spPr>
+          <a:xfrm>
+            <a:off x="725777" y="2514600"/>
+            <a:ext cx="3739345" cy="3124201"/>
+          </a:xfrm>
+          <a:prstGeom prst="rect">
+            <a:avLst/>
+          </a:prstGeom>
+        </p:spPr>
+        <p:txBody>
+          <a:bodyPr vert="horz" lIns="91440" tIns="45720" rIns="91440" bIns="45720" rtlCol="0" anchor="ctr">
+            <a:normAutofit/>
+          </a:bodyPr>
+          <a:lstStyle>
+            <a:lvl1pPr marL="285750" indent="-285750" algn="l" defTabSz="457200" rtl="0" eaLnBrk="1" latinLnBrk="0" hangingPunct="1">
+              <a:spcBef>
+                <a:spcPct val="20000"/>
+              </a:spcBef>
+              <a:spcAft>
+                <a:spcPts val="600"/>
+              </a:spcAft>
+              <a:buClr>
+                <a:schemeClr val="tx1"/>
+              </a:buClr>
+              <a:buSzPct val="100000"/>
+              <a:buFont typeface="Arial"/>
+              <a:buChar char="•"/>
+              <a:defRPr sz="2000" kern="1200" cap="small">
+                <a:gradFill flip="none" rotWithShape="1">
+                  <a:gsLst>
+                    <a:gs pos="0">
+                      <a:schemeClr val="tx1"/>
+                    </a:gs>
+                    <a:gs pos="100000">
+                      <a:schemeClr val="tx1">
+                        <a:lumMod val="75000"/>
+                      </a:schemeClr>
+                    </a:gs>
+                  </a:gsLst>
+                  <a:lin ang="5580000" scaled="0"/>
+                  <a:tileRect/>
+                </a:gradFill>
+                <a:effectLst>
+                  <a:glow rad="38100">
+                    <a:schemeClr val="bg1">
+                      <a:lumMod val="50000"/>
+                      <a:lumOff val="50000"/>
+                      <a:alpha val="20000"/>
+                    </a:schemeClr>
+                  </a:glow>
+                  <a:outerShdw blurRad="44450" dist="12700" dir="13860000" algn="tl" rotWithShape="0">
+                    <a:srgbClr val="000000">
+                      <a:alpha val="20000"/>
+                    </a:srgbClr>
+                  </a:outerShdw>
+                </a:effectLst>
+                <a:latin typeface="+mn-lt"/>
+                <a:ea typeface="+mn-ea"/>
+                <a:cs typeface="+mn-cs"/>
+              </a:defRPr>
+            </a:lvl1pPr>
+            <a:lvl2pPr marL="742950" indent="-285750" algn="l" defTabSz="457200" rtl="0" eaLnBrk="1" latinLnBrk="0" hangingPunct="1">
+              <a:spcBef>
+                <a:spcPct val="20000"/>
+              </a:spcBef>
+              <a:spcAft>
+                <a:spcPts val="600"/>
+              </a:spcAft>
+              <a:buClr>
+                <a:schemeClr val="tx1"/>
+              </a:buClr>
+              <a:buSzPct val="100000"/>
+              <a:buFont typeface="Arial"/>
+              <a:buChar char="•"/>
+              <a:defRPr sz="1800" kern="1200" cap="small">
+                <a:gradFill flip="none" rotWithShape="1">
+                  <a:gsLst>
+                    <a:gs pos="0">
+                      <a:schemeClr val="tx1"/>
+                    </a:gs>
+                    <a:gs pos="100000">
+                      <a:schemeClr val="tx1">
+                        <a:lumMod val="75000"/>
+                      </a:schemeClr>
+                    </a:gs>
+                  </a:gsLst>
+                  <a:lin ang="5580000" scaled="0"/>
+                  <a:tileRect/>
+                </a:gradFill>
+                <a:effectLst>
+                  <a:glow rad="38100">
+                    <a:schemeClr val="bg1">
+                      <a:lumMod val="50000"/>
+                      <a:lumOff val="50000"/>
+                      <a:alpha val="20000"/>
+                    </a:schemeClr>
+                  </a:glow>
+                  <a:outerShdw blurRad="44450" dist="12700" dir="13860000" algn="tl" rotWithShape="0">
+                    <a:srgbClr val="000000">
+                      <a:alpha val="20000"/>
+                    </a:srgbClr>
+                  </a:outerShdw>
+                </a:effectLst>
+                <a:latin typeface="+mn-lt"/>
+                <a:ea typeface="+mn-ea"/>
+                <a:cs typeface="+mn-cs"/>
+              </a:defRPr>
+            </a:lvl2pPr>
+            <a:lvl3pPr marL="1200150" indent="-285750" algn="l" defTabSz="457200" rtl="0" eaLnBrk="1" latinLnBrk="0" hangingPunct="1">
+              <a:spcBef>
+                <a:spcPct val="20000"/>
+              </a:spcBef>
+              <a:spcAft>
+                <a:spcPts val="600"/>
+              </a:spcAft>
+              <a:buClr>
+                <a:schemeClr val="tx1"/>
+              </a:buClr>
+              <a:buSzPct val="100000"/>
+              <a:buFont typeface="Arial"/>
+              <a:buChar char="•"/>
+              <a:defRPr sz="1600" kern="1200" cap="small">
+                <a:gradFill flip="none" rotWithShape="1">
+                  <a:gsLst>
+                    <a:gs pos="0">
+                      <a:schemeClr val="tx1"/>
+                    </a:gs>
+                    <a:gs pos="100000">
+                      <a:schemeClr val="tx1">
+                        <a:lumMod val="75000"/>
+                      </a:schemeClr>
+                    </a:gs>
+                  </a:gsLst>
+                  <a:lin ang="5580000" scaled="0"/>
+                  <a:tileRect/>
+                </a:gradFill>
+                <a:effectLst>
+                  <a:glow rad="38100">
+                    <a:schemeClr val="bg1">
+                      <a:lumMod val="50000"/>
+                      <a:lumOff val="50000"/>
+                      <a:alpha val="20000"/>
+                    </a:schemeClr>
+                  </a:glow>
+                  <a:outerShdw blurRad="44450" dist="12700" dir="13860000" algn="tl" rotWithShape="0">
+                    <a:srgbClr val="000000">
+                      <a:alpha val="20000"/>
+                    </a:srgbClr>
+                  </a:outerShdw>
+                </a:effectLst>
+                <a:latin typeface="+mn-lt"/>
+                <a:ea typeface="+mn-ea"/>
+                <a:cs typeface="+mn-cs"/>
+              </a:defRPr>
+            </a:lvl3pPr>
+            <a:lvl4pPr marL="1543050" indent="-171450" algn="l" defTabSz="457200" rtl="0" eaLnBrk="1" latinLnBrk="0" hangingPunct="1">
+              <a:spcBef>
+                <a:spcPct val="20000"/>
+              </a:spcBef>
+              <a:spcAft>
+                <a:spcPts val="600"/>
+              </a:spcAft>
+              <a:buClr>
+                <a:schemeClr val="tx1"/>
+              </a:buClr>
+              <a:buSzPct val="100000"/>
+              <a:buFont typeface="Arial"/>
+              <a:buChar char="•"/>
+              <a:defRPr sz="1400" kern="1200" cap="small">
+                <a:gradFill flip="none" rotWithShape="1">
+                  <a:gsLst>
+                    <a:gs pos="0">
+                      <a:schemeClr val="tx1"/>
+                    </a:gs>
+                    <a:gs pos="100000">
+                      <a:schemeClr val="tx1">
+                        <a:lumMod val="75000"/>
+                      </a:schemeClr>
+                    </a:gs>
+                  </a:gsLst>
+                  <a:lin ang="5580000" scaled="0"/>
+                  <a:tileRect/>
+                </a:gradFill>
+                <a:effectLst>
+                  <a:glow rad="38100">
+                    <a:schemeClr val="bg1">
+                      <a:lumMod val="50000"/>
+                      <a:lumOff val="50000"/>
+                      <a:alpha val="20000"/>
+                    </a:schemeClr>
+                  </a:glow>
+                  <a:outerShdw blurRad="44450" dist="12700" dir="13860000" algn="tl" rotWithShape="0">
+                    <a:srgbClr val="000000">
+                      <a:alpha val="20000"/>
+                    </a:srgbClr>
+                  </a:outerShdw>
+                </a:effectLst>
+                <a:latin typeface="+mn-lt"/>
+                <a:ea typeface="+mn-ea"/>
+                <a:cs typeface="+mn-cs"/>
+              </a:defRPr>
+            </a:lvl4pPr>
+            <a:lvl5pPr marL="2000250" indent="-171450" algn="l" defTabSz="457200" rtl="0" eaLnBrk="1" latinLnBrk="0" hangingPunct="1">
+              <a:spcBef>
+                <a:spcPct val="20000"/>
+              </a:spcBef>
+              <a:spcAft>
+                <a:spcPts val="600"/>
+              </a:spcAft>
+              <a:buClr>
+                <a:schemeClr val="tx1"/>
+              </a:buClr>
+              <a:buSzPct val="100000"/>
+              <a:buFont typeface="Arial"/>
+              <a:buChar char="•"/>
+              <a:defRPr sz="1400" kern="1200" cap="small">
+                <a:gradFill flip="none" rotWithShape="1">
+                  <a:gsLst>
+                    <a:gs pos="0">
+                      <a:schemeClr val="tx1"/>
+                    </a:gs>
+                    <a:gs pos="100000">
+                      <a:schemeClr val="tx1">
+                        <a:lumMod val="75000"/>
+                      </a:schemeClr>
+                    </a:gs>
+                  </a:gsLst>
+                  <a:lin ang="5580000" scaled="0"/>
+                  <a:tileRect/>
+                </a:gradFill>
+                <a:effectLst>
+                  <a:glow rad="38100">
+                    <a:schemeClr val="bg1">
+                      <a:lumMod val="50000"/>
+                      <a:lumOff val="50000"/>
+                      <a:alpha val="20000"/>
+                    </a:schemeClr>
+                  </a:glow>
+                  <a:outerShdw blurRad="44450" dist="12700" dir="13860000" algn="tl" rotWithShape="0">
+                    <a:srgbClr val="000000">
+                      <a:alpha val="20000"/>
+                    </a:srgbClr>
+                  </a:outerShdw>
+                </a:effectLst>
+                <a:latin typeface="+mn-lt"/>
+                <a:ea typeface="+mn-ea"/>
+                <a:cs typeface="+mn-cs"/>
+              </a:defRPr>
+            </a:lvl5pPr>
+            <a:lvl6pPr marL="2514600" indent="-228600" algn="l" defTabSz="457200" rtl="0" eaLnBrk="1" latinLnBrk="0" hangingPunct="1">
+              <a:spcBef>
+                <a:spcPct val="20000"/>
+              </a:spcBef>
+              <a:spcAft>
+                <a:spcPts val="600"/>
+              </a:spcAft>
+              <a:buClr>
+                <a:schemeClr val="tx1"/>
+              </a:buClr>
+              <a:buSzPct val="100000"/>
+              <a:buFont typeface="Arial"/>
+              <a:buChar char="•"/>
+              <a:defRPr sz="1200" kern="1200" cap="small">
+                <a:gradFill flip="none" rotWithShape="1">
+                  <a:gsLst>
+                    <a:gs pos="0">
+                      <a:schemeClr val="tx1"/>
+                    </a:gs>
+                    <a:gs pos="100000">
+                      <a:schemeClr val="tx1">
+                        <a:lumMod val="75000"/>
+                      </a:schemeClr>
+                    </a:gs>
+                  </a:gsLst>
+                  <a:lin ang="5580000" scaled="0"/>
+                  <a:tileRect/>
+                </a:gradFill>
+                <a:effectLst>
+                  <a:glow rad="38100">
+                    <a:schemeClr val="bg1">
+                      <a:lumMod val="50000"/>
+                      <a:lumOff val="50000"/>
+                      <a:alpha val="20000"/>
+                    </a:schemeClr>
+                  </a:glow>
+                  <a:outerShdw blurRad="44450" dist="12700" dir="13860000" algn="tl" rotWithShape="0">
+                    <a:srgbClr val="000000">
+                      <a:alpha val="20000"/>
+                    </a:srgbClr>
+                  </a:outerShdw>
+                </a:effectLst>
+                <a:latin typeface="+mn-lt"/>
+                <a:ea typeface="+mn-ea"/>
+                <a:cs typeface="+mn-cs"/>
+              </a:defRPr>
+            </a:lvl6pPr>
+            <a:lvl7pPr marL="2971800" indent="-228600" algn="l" defTabSz="457200" rtl="0" eaLnBrk="1" latinLnBrk="0" hangingPunct="1">
+              <a:spcBef>
+                <a:spcPct val="20000"/>
+              </a:spcBef>
+              <a:spcAft>
+                <a:spcPts val="600"/>
+              </a:spcAft>
+              <a:buClr>
+                <a:schemeClr val="tx1"/>
+              </a:buClr>
+              <a:buSzPct val="100000"/>
+              <a:buFont typeface="Arial"/>
+              <a:buChar char="•"/>
+              <a:defRPr sz="1200" kern="1200" cap="small">
+                <a:gradFill flip="none" rotWithShape="1">
+                  <a:gsLst>
+                    <a:gs pos="0">
+                      <a:schemeClr val="tx1"/>
+                    </a:gs>
+                    <a:gs pos="100000">
+                      <a:schemeClr val="tx1">
+                        <a:lumMod val="75000"/>
+                      </a:schemeClr>
+                    </a:gs>
+                  </a:gsLst>
+                  <a:lin ang="5580000" scaled="0"/>
+                  <a:tileRect/>
+                </a:gradFill>
+                <a:effectLst>
+                  <a:glow rad="38100">
+                    <a:schemeClr val="bg1">
+                      <a:lumMod val="50000"/>
+                      <a:lumOff val="50000"/>
+                      <a:alpha val="20000"/>
+                    </a:schemeClr>
+                  </a:glow>
+                  <a:outerShdw blurRad="44450" dist="12700" dir="13860000" algn="tl" rotWithShape="0">
+                    <a:srgbClr val="000000">
+                      <a:alpha val="20000"/>
+                    </a:srgbClr>
+                  </a:outerShdw>
+                </a:effectLst>
+                <a:latin typeface="+mn-lt"/>
+                <a:ea typeface="+mn-ea"/>
+                <a:cs typeface="+mn-cs"/>
+              </a:defRPr>
+            </a:lvl7pPr>
+            <a:lvl8pPr marL="3429000" indent="-228600" algn="l" defTabSz="457200" rtl="0" eaLnBrk="1" latinLnBrk="0" hangingPunct="1">
+              <a:spcBef>
+                <a:spcPct val="20000"/>
+              </a:spcBef>
+              <a:spcAft>
+                <a:spcPts val="600"/>
+              </a:spcAft>
+              <a:buClr>
+                <a:schemeClr val="tx1"/>
+              </a:buClr>
+              <a:buSzPct val="100000"/>
+              <a:buFont typeface="Arial"/>
+              <a:buChar char="•"/>
+              <a:defRPr sz="1200" kern="1200" cap="small">
+                <a:gradFill flip="none" rotWithShape="1">
+                  <a:gsLst>
+                    <a:gs pos="0">
+                      <a:schemeClr val="tx1"/>
+                    </a:gs>
+                    <a:gs pos="100000">
+                      <a:schemeClr val="tx1">
+                        <a:lumMod val="75000"/>
+                      </a:schemeClr>
+                    </a:gs>
+                  </a:gsLst>
+                  <a:lin ang="5580000" scaled="0"/>
+                  <a:tileRect/>
+                </a:gradFill>
+                <a:effectLst>
+                  <a:glow rad="38100">
+                    <a:schemeClr val="bg1">
+                      <a:lumMod val="50000"/>
+                      <a:lumOff val="50000"/>
+                      <a:alpha val="20000"/>
+                    </a:schemeClr>
+                  </a:glow>
+                  <a:outerShdw blurRad="44450" dist="12700" dir="13860000" algn="tl" rotWithShape="0">
+                    <a:srgbClr val="000000">
+                      <a:alpha val="20000"/>
+                    </a:srgbClr>
+                  </a:outerShdw>
+                </a:effectLst>
+                <a:latin typeface="+mn-lt"/>
+                <a:ea typeface="+mn-ea"/>
+                <a:cs typeface="+mn-cs"/>
+              </a:defRPr>
+            </a:lvl8pPr>
+            <a:lvl9pPr marL="3886200" indent="-228600" algn="l" defTabSz="457200" rtl="0" eaLnBrk="1" latinLnBrk="0" hangingPunct="1">
+              <a:spcBef>
+                <a:spcPct val="20000"/>
+              </a:spcBef>
+              <a:spcAft>
+                <a:spcPts val="600"/>
+              </a:spcAft>
+              <a:buClr>
+                <a:schemeClr val="tx1"/>
+              </a:buClr>
+              <a:buSzPct val="100000"/>
+              <a:buFont typeface="Arial"/>
+              <a:buChar char="•"/>
+              <a:defRPr sz="1200" kern="1200" cap="small">
+                <a:gradFill flip="none" rotWithShape="1">
+                  <a:gsLst>
+                    <a:gs pos="0">
+                      <a:schemeClr val="tx1"/>
+                    </a:gs>
+                    <a:gs pos="100000">
+                      <a:schemeClr val="tx1">
+                        <a:lumMod val="75000"/>
+                      </a:schemeClr>
+                    </a:gs>
+                  </a:gsLst>
+                  <a:lin ang="5580000" scaled="0"/>
+                  <a:tileRect/>
+                </a:gradFill>
+                <a:effectLst>
+                  <a:glow rad="38100">
+                    <a:schemeClr val="bg1">
+                      <a:lumMod val="50000"/>
+                      <a:lumOff val="50000"/>
+                      <a:alpha val="20000"/>
+                    </a:schemeClr>
+                  </a:glow>
+                  <a:outerShdw blurRad="44450" dist="12700" dir="13860000" algn="tl" rotWithShape="0">
+                    <a:srgbClr val="000000">
+                      <a:alpha val="20000"/>
+                    </a:srgbClr>
+                  </a:outerShdw>
+                </a:effectLst>
+                <a:latin typeface="+mn-lt"/>
+                <a:ea typeface="+mn-ea"/>
+                <a:cs typeface="+mn-cs"/>
+              </a:defRPr>
+            </a:lvl9pPr>
+          </a:lstStyle>
+          <a:p>
+            <a:r>
+              <a:rPr lang="en-US" dirty="0" smtClean="0"/>
+              <a:t>Plays a death jingle</a:t>
+            </a:r>
+          </a:p>
+          <a:p>
+            <a:r>
+              <a:rPr lang="en-US" dirty="0" smtClean="0"/>
+              <a:t>Displays your final score versus the high score</a:t>
+            </a:r>
+          </a:p>
+          <a:p>
+            <a:r>
+              <a:rPr lang="en-US" dirty="0" smtClean="0"/>
+              <a:t>Tap to play again</a:t>
+            </a:r>
+          </a:p>
+          <a:p>
+            <a:endParaRPr lang="en-US" dirty="0"/>
+          </a:p>
+        </p:txBody>
+      </p:sp>
+      <p:pic>
+        <p:nvPicPr>
+          <p:cNvPr id="9" name="Picture 8"/>
+          <p:cNvPicPr>
+            <a:picLocks noChangeAspect="1"/>
+          </p:cNvPicPr>
+          <p:nvPr/>
+        </p:nvPicPr>
+        <p:blipFill>
+          <a:blip r:embed="rId3">
+            <a:extLst>
+              <a:ext uri="{28A0092B-C50C-407E-A947-70E740481C1C}">
+                <a14:useLocalDpi xmlns:a14="http://schemas.microsoft.com/office/drawing/2010/main" val="0"/>
+              </a:ext>
+            </a:extLst>
+          </a:blip>
+          <a:stretch>
+            <a:fillRect/>
+          </a:stretch>
+        </p:blipFill>
+        <p:spPr>
+          <a:xfrm>
+            <a:off x="4269656" y="1516649"/>
+            <a:ext cx="7619048" cy="4571429"/>
+          </a:xfrm>
+          <a:prstGeom prst="rect">
+            <a:avLst/>
+          </a:prstGeom>
+        </p:spPr>
+      </p:pic>
+    </p:spTree>
+    <p:extLst>
+      <p:ext uri="{BB962C8B-B14F-4D97-AF65-F5344CB8AC3E}">
+        <p14:creationId xmlns:p14="http://schemas.microsoft.com/office/powerpoint/2010/main" val="2692947153"/>
+      </p:ext>
+    </p:extLst>
+  </p:cSld>
+  <p:clrMapOvr>
+    <a:masterClrMapping/>
+  </p:clrMapOvr>
+</p:sld>
+</file>
+
 <file path=ppt/slides/slide2.xml><?xml version="1.0" encoding="utf-8"?>
 <p:sld xmlns:a="http://schemas.openxmlformats.org/drawingml/2006/main" xmlns:r="http://schemas.openxmlformats.org/officeDocument/2006/relationships" xmlns:p="http://schemas.openxmlformats.org/presentationml/2006/main">
   <p:cSld>
@@ -6236,11 +6820,477 @@
         </p:blipFill>
         <p:spPr>
           <a:xfrm>
-            <a:off x="6105524" y="609600"/>
-            <a:ext cx="5571489" cy="3124200"/>
+            <a:off x="5330776" y="609599"/>
+            <a:ext cx="6346238" cy="3558639"/>
           </a:xfrm>
         </p:spPr>
       </p:pic>
+      <p:sp>
+        <p:nvSpPr>
+          <p:cNvPr id="6" name="Content Placeholder 2"/>
+          <p:cNvSpPr txBox="1">
+            <a:spLocks/>
+          </p:cNvSpPr>
+          <p:nvPr/>
+        </p:nvSpPr>
+        <p:spPr>
+          <a:xfrm>
+            <a:off x="1141413" y="3035134"/>
+            <a:ext cx="9905998" cy="3124201"/>
+          </a:xfrm>
+          <a:prstGeom prst="rect">
+            <a:avLst/>
+          </a:prstGeom>
+        </p:spPr>
+        <p:txBody>
+          <a:bodyPr vert="horz" lIns="91440" tIns="45720" rIns="91440" bIns="45720" rtlCol="0" anchor="ctr">
+            <a:normAutofit/>
+          </a:bodyPr>
+          <a:lstStyle>
+            <a:lvl1pPr marL="285750" indent="-285750" algn="l" defTabSz="457200" rtl="0" eaLnBrk="1" latinLnBrk="0" hangingPunct="1">
+              <a:spcBef>
+                <a:spcPct val="20000"/>
+              </a:spcBef>
+              <a:spcAft>
+                <a:spcPts val="600"/>
+              </a:spcAft>
+              <a:buClr>
+                <a:schemeClr val="tx1"/>
+              </a:buClr>
+              <a:buSzPct val="100000"/>
+              <a:buFont typeface="Arial"/>
+              <a:buChar char="•"/>
+              <a:defRPr sz="2000" kern="1200" cap="small">
+                <a:gradFill flip="none" rotWithShape="1">
+                  <a:gsLst>
+                    <a:gs pos="0">
+                      <a:schemeClr val="tx1"/>
+                    </a:gs>
+                    <a:gs pos="100000">
+                      <a:schemeClr val="tx1">
+                        <a:lumMod val="75000"/>
+                      </a:schemeClr>
+                    </a:gs>
+                  </a:gsLst>
+                  <a:lin ang="5580000" scaled="0"/>
+                  <a:tileRect/>
+                </a:gradFill>
+                <a:effectLst>
+                  <a:glow rad="38100">
+                    <a:schemeClr val="bg1">
+                      <a:lumMod val="50000"/>
+                      <a:lumOff val="50000"/>
+                      <a:alpha val="20000"/>
+                    </a:schemeClr>
+                  </a:glow>
+                  <a:outerShdw blurRad="44450" dist="12700" dir="13860000" algn="tl" rotWithShape="0">
+                    <a:srgbClr val="000000">
+                      <a:alpha val="20000"/>
+                    </a:srgbClr>
+                  </a:outerShdw>
+                </a:effectLst>
+                <a:latin typeface="+mn-lt"/>
+                <a:ea typeface="+mn-ea"/>
+                <a:cs typeface="+mn-cs"/>
+              </a:defRPr>
+            </a:lvl1pPr>
+            <a:lvl2pPr marL="742950" indent="-285750" algn="l" defTabSz="457200" rtl="0" eaLnBrk="1" latinLnBrk="0" hangingPunct="1">
+              <a:spcBef>
+                <a:spcPct val="20000"/>
+              </a:spcBef>
+              <a:spcAft>
+                <a:spcPts val="600"/>
+              </a:spcAft>
+              <a:buClr>
+                <a:schemeClr val="tx1"/>
+              </a:buClr>
+              <a:buSzPct val="100000"/>
+              <a:buFont typeface="Arial"/>
+              <a:buChar char="•"/>
+              <a:defRPr sz="1800" kern="1200" cap="small">
+                <a:gradFill flip="none" rotWithShape="1">
+                  <a:gsLst>
+                    <a:gs pos="0">
+                      <a:schemeClr val="tx1"/>
+                    </a:gs>
+                    <a:gs pos="100000">
+                      <a:schemeClr val="tx1">
+                        <a:lumMod val="75000"/>
+                      </a:schemeClr>
+                    </a:gs>
+                  </a:gsLst>
+                  <a:lin ang="5580000" scaled="0"/>
+                  <a:tileRect/>
+                </a:gradFill>
+                <a:effectLst>
+                  <a:glow rad="38100">
+                    <a:schemeClr val="bg1">
+                      <a:lumMod val="50000"/>
+                      <a:lumOff val="50000"/>
+                      <a:alpha val="20000"/>
+                    </a:schemeClr>
+                  </a:glow>
+                  <a:outerShdw blurRad="44450" dist="12700" dir="13860000" algn="tl" rotWithShape="0">
+                    <a:srgbClr val="000000">
+                      <a:alpha val="20000"/>
+                    </a:srgbClr>
+                  </a:outerShdw>
+                </a:effectLst>
+                <a:latin typeface="+mn-lt"/>
+                <a:ea typeface="+mn-ea"/>
+                <a:cs typeface="+mn-cs"/>
+              </a:defRPr>
+            </a:lvl2pPr>
+            <a:lvl3pPr marL="1200150" indent="-285750" algn="l" defTabSz="457200" rtl="0" eaLnBrk="1" latinLnBrk="0" hangingPunct="1">
+              <a:spcBef>
+                <a:spcPct val="20000"/>
+              </a:spcBef>
+              <a:spcAft>
+                <a:spcPts val="600"/>
+              </a:spcAft>
+              <a:buClr>
+                <a:schemeClr val="tx1"/>
+              </a:buClr>
+              <a:buSzPct val="100000"/>
+              <a:buFont typeface="Arial"/>
+              <a:buChar char="•"/>
+              <a:defRPr sz="1600" kern="1200" cap="small">
+                <a:gradFill flip="none" rotWithShape="1">
+                  <a:gsLst>
+                    <a:gs pos="0">
+                      <a:schemeClr val="tx1"/>
+                    </a:gs>
+                    <a:gs pos="100000">
+                      <a:schemeClr val="tx1">
+                        <a:lumMod val="75000"/>
+                      </a:schemeClr>
+                    </a:gs>
+                  </a:gsLst>
+                  <a:lin ang="5580000" scaled="0"/>
+                  <a:tileRect/>
+                </a:gradFill>
+                <a:effectLst>
+                  <a:glow rad="38100">
+                    <a:schemeClr val="bg1">
+                      <a:lumMod val="50000"/>
+                      <a:lumOff val="50000"/>
+                      <a:alpha val="20000"/>
+                    </a:schemeClr>
+                  </a:glow>
+                  <a:outerShdw blurRad="44450" dist="12700" dir="13860000" algn="tl" rotWithShape="0">
+                    <a:srgbClr val="000000">
+                      <a:alpha val="20000"/>
+                    </a:srgbClr>
+                  </a:outerShdw>
+                </a:effectLst>
+                <a:latin typeface="+mn-lt"/>
+                <a:ea typeface="+mn-ea"/>
+                <a:cs typeface="+mn-cs"/>
+              </a:defRPr>
+            </a:lvl3pPr>
+            <a:lvl4pPr marL="1543050" indent="-171450" algn="l" defTabSz="457200" rtl="0" eaLnBrk="1" latinLnBrk="0" hangingPunct="1">
+              <a:spcBef>
+                <a:spcPct val="20000"/>
+              </a:spcBef>
+              <a:spcAft>
+                <a:spcPts val="600"/>
+              </a:spcAft>
+              <a:buClr>
+                <a:schemeClr val="tx1"/>
+              </a:buClr>
+              <a:buSzPct val="100000"/>
+              <a:buFont typeface="Arial"/>
+              <a:buChar char="•"/>
+              <a:defRPr sz="1400" kern="1200" cap="small">
+                <a:gradFill flip="none" rotWithShape="1">
+                  <a:gsLst>
+                    <a:gs pos="0">
+                      <a:schemeClr val="tx1"/>
+                    </a:gs>
+                    <a:gs pos="100000">
+                      <a:schemeClr val="tx1">
+                        <a:lumMod val="75000"/>
+                      </a:schemeClr>
+                    </a:gs>
+                  </a:gsLst>
+                  <a:lin ang="5580000" scaled="0"/>
+                  <a:tileRect/>
+                </a:gradFill>
+                <a:effectLst>
+                  <a:glow rad="38100">
+                    <a:schemeClr val="bg1">
+                      <a:lumMod val="50000"/>
+                      <a:lumOff val="50000"/>
+                      <a:alpha val="20000"/>
+                    </a:schemeClr>
+                  </a:glow>
+                  <a:outerShdw blurRad="44450" dist="12700" dir="13860000" algn="tl" rotWithShape="0">
+                    <a:srgbClr val="000000">
+                      <a:alpha val="20000"/>
+                    </a:srgbClr>
+                  </a:outerShdw>
+                </a:effectLst>
+                <a:latin typeface="+mn-lt"/>
+                <a:ea typeface="+mn-ea"/>
+                <a:cs typeface="+mn-cs"/>
+              </a:defRPr>
+            </a:lvl4pPr>
+            <a:lvl5pPr marL="2000250" indent="-171450" algn="l" defTabSz="457200" rtl="0" eaLnBrk="1" latinLnBrk="0" hangingPunct="1">
+              <a:spcBef>
+                <a:spcPct val="20000"/>
+              </a:spcBef>
+              <a:spcAft>
+                <a:spcPts val="600"/>
+              </a:spcAft>
+              <a:buClr>
+                <a:schemeClr val="tx1"/>
+              </a:buClr>
+              <a:buSzPct val="100000"/>
+              <a:buFont typeface="Arial"/>
+              <a:buChar char="•"/>
+              <a:defRPr sz="1400" kern="1200" cap="small">
+                <a:gradFill flip="none" rotWithShape="1">
+                  <a:gsLst>
+                    <a:gs pos="0">
+                      <a:schemeClr val="tx1"/>
+                    </a:gs>
+                    <a:gs pos="100000">
+                      <a:schemeClr val="tx1">
+                        <a:lumMod val="75000"/>
+                      </a:schemeClr>
+                    </a:gs>
+                  </a:gsLst>
+                  <a:lin ang="5580000" scaled="0"/>
+                  <a:tileRect/>
+                </a:gradFill>
+                <a:effectLst>
+                  <a:glow rad="38100">
+                    <a:schemeClr val="bg1">
+                      <a:lumMod val="50000"/>
+                      <a:lumOff val="50000"/>
+                      <a:alpha val="20000"/>
+                    </a:schemeClr>
+                  </a:glow>
+                  <a:outerShdw blurRad="44450" dist="12700" dir="13860000" algn="tl" rotWithShape="0">
+                    <a:srgbClr val="000000">
+                      <a:alpha val="20000"/>
+                    </a:srgbClr>
+                  </a:outerShdw>
+                </a:effectLst>
+                <a:latin typeface="+mn-lt"/>
+                <a:ea typeface="+mn-ea"/>
+                <a:cs typeface="+mn-cs"/>
+              </a:defRPr>
+            </a:lvl5pPr>
+            <a:lvl6pPr marL="2514600" indent="-228600" algn="l" defTabSz="457200" rtl="0" eaLnBrk="1" latinLnBrk="0" hangingPunct="1">
+              <a:spcBef>
+                <a:spcPct val="20000"/>
+              </a:spcBef>
+              <a:spcAft>
+                <a:spcPts val="600"/>
+              </a:spcAft>
+              <a:buClr>
+                <a:schemeClr val="tx1"/>
+              </a:buClr>
+              <a:buSzPct val="100000"/>
+              <a:buFont typeface="Arial"/>
+              <a:buChar char="•"/>
+              <a:defRPr sz="1200" kern="1200" cap="small">
+                <a:gradFill flip="none" rotWithShape="1">
+                  <a:gsLst>
+                    <a:gs pos="0">
+                      <a:schemeClr val="tx1"/>
+                    </a:gs>
+                    <a:gs pos="100000">
+                      <a:schemeClr val="tx1">
+                        <a:lumMod val="75000"/>
+                      </a:schemeClr>
+                    </a:gs>
+                  </a:gsLst>
+                  <a:lin ang="5580000" scaled="0"/>
+                  <a:tileRect/>
+                </a:gradFill>
+                <a:effectLst>
+                  <a:glow rad="38100">
+                    <a:schemeClr val="bg1">
+                      <a:lumMod val="50000"/>
+                      <a:lumOff val="50000"/>
+                      <a:alpha val="20000"/>
+                    </a:schemeClr>
+                  </a:glow>
+                  <a:outerShdw blurRad="44450" dist="12700" dir="13860000" algn="tl" rotWithShape="0">
+                    <a:srgbClr val="000000">
+                      <a:alpha val="20000"/>
+                    </a:srgbClr>
+                  </a:outerShdw>
+                </a:effectLst>
+                <a:latin typeface="+mn-lt"/>
+                <a:ea typeface="+mn-ea"/>
+                <a:cs typeface="+mn-cs"/>
+              </a:defRPr>
+            </a:lvl6pPr>
+            <a:lvl7pPr marL="2971800" indent="-228600" algn="l" defTabSz="457200" rtl="0" eaLnBrk="1" latinLnBrk="0" hangingPunct="1">
+              <a:spcBef>
+                <a:spcPct val="20000"/>
+              </a:spcBef>
+              <a:spcAft>
+                <a:spcPts val="600"/>
+              </a:spcAft>
+              <a:buClr>
+                <a:schemeClr val="tx1"/>
+              </a:buClr>
+              <a:buSzPct val="100000"/>
+              <a:buFont typeface="Arial"/>
+              <a:buChar char="•"/>
+              <a:defRPr sz="1200" kern="1200" cap="small">
+                <a:gradFill flip="none" rotWithShape="1">
+                  <a:gsLst>
+                    <a:gs pos="0">
+                      <a:schemeClr val="tx1"/>
+                    </a:gs>
+                    <a:gs pos="100000">
+                      <a:schemeClr val="tx1">
+                        <a:lumMod val="75000"/>
+                      </a:schemeClr>
+                    </a:gs>
+                  </a:gsLst>
+                  <a:lin ang="5580000" scaled="0"/>
+                  <a:tileRect/>
+                </a:gradFill>
+                <a:effectLst>
+                  <a:glow rad="38100">
+                    <a:schemeClr val="bg1">
+                      <a:lumMod val="50000"/>
+                      <a:lumOff val="50000"/>
+                      <a:alpha val="20000"/>
+                    </a:schemeClr>
+                  </a:glow>
+                  <a:outerShdw blurRad="44450" dist="12700" dir="13860000" algn="tl" rotWithShape="0">
+                    <a:srgbClr val="000000">
+                      <a:alpha val="20000"/>
+                    </a:srgbClr>
+                  </a:outerShdw>
+                </a:effectLst>
+                <a:latin typeface="+mn-lt"/>
+                <a:ea typeface="+mn-ea"/>
+                <a:cs typeface="+mn-cs"/>
+              </a:defRPr>
+            </a:lvl7pPr>
+            <a:lvl8pPr marL="3429000" indent="-228600" algn="l" defTabSz="457200" rtl="0" eaLnBrk="1" latinLnBrk="0" hangingPunct="1">
+              <a:spcBef>
+                <a:spcPct val="20000"/>
+              </a:spcBef>
+              <a:spcAft>
+                <a:spcPts val="600"/>
+              </a:spcAft>
+              <a:buClr>
+                <a:schemeClr val="tx1"/>
+              </a:buClr>
+              <a:buSzPct val="100000"/>
+              <a:buFont typeface="Arial"/>
+              <a:buChar char="•"/>
+              <a:defRPr sz="1200" kern="1200" cap="small">
+                <a:gradFill flip="none" rotWithShape="1">
+                  <a:gsLst>
+                    <a:gs pos="0">
+                      <a:schemeClr val="tx1"/>
+                    </a:gs>
+                    <a:gs pos="100000">
+                      <a:schemeClr val="tx1">
+                        <a:lumMod val="75000"/>
+                      </a:schemeClr>
+                    </a:gs>
+                  </a:gsLst>
+                  <a:lin ang="5580000" scaled="0"/>
+                  <a:tileRect/>
+                </a:gradFill>
+                <a:effectLst>
+                  <a:glow rad="38100">
+                    <a:schemeClr val="bg1">
+                      <a:lumMod val="50000"/>
+                      <a:lumOff val="50000"/>
+                      <a:alpha val="20000"/>
+                    </a:schemeClr>
+                  </a:glow>
+                  <a:outerShdw blurRad="44450" dist="12700" dir="13860000" algn="tl" rotWithShape="0">
+                    <a:srgbClr val="000000">
+                      <a:alpha val="20000"/>
+                    </a:srgbClr>
+                  </a:outerShdw>
+                </a:effectLst>
+                <a:latin typeface="+mn-lt"/>
+                <a:ea typeface="+mn-ea"/>
+                <a:cs typeface="+mn-cs"/>
+              </a:defRPr>
+            </a:lvl8pPr>
+            <a:lvl9pPr marL="3886200" indent="-228600" algn="l" defTabSz="457200" rtl="0" eaLnBrk="1" latinLnBrk="0" hangingPunct="1">
+              <a:spcBef>
+                <a:spcPct val="20000"/>
+              </a:spcBef>
+              <a:spcAft>
+                <a:spcPts val="600"/>
+              </a:spcAft>
+              <a:buClr>
+                <a:schemeClr val="tx1"/>
+              </a:buClr>
+              <a:buSzPct val="100000"/>
+              <a:buFont typeface="Arial"/>
+              <a:buChar char="•"/>
+              <a:defRPr sz="1200" kern="1200" cap="small">
+                <a:gradFill flip="none" rotWithShape="1">
+                  <a:gsLst>
+                    <a:gs pos="0">
+                      <a:schemeClr val="tx1"/>
+                    </a:gs>
+                    <a:gs pos="100000">
+                      <a:schemeClr val="tx1">
+                        <a:lumMod val="75000"/>
+                      </a:schemeClr>
+                    </a:gs>
+                  </a:gsLst>
+                  <a:lin ang="5580000" scaled="0"/>
+                  <a:tileRect/>
+                </a:gradFill>
+                <a:effectLst>
+                  <a:glow rad="38100">
+                    <a:schemeClr val="bg1">
+                      <a:lumMod val="50000"/>
+                      <a:lumOff val="50000"/>
+                      <a:alpha val="20000"/>
+                    </a:schemeClr>
+                  </a:glow>
+                  <a:outerShdw blurRad="44450" dist="12700" dir="13860000" algn="tl" rotWithShape="0">
+                    <a:srgbClr val="000000">
+                      <a:alpha val="20000"/>
+                    </a:srgbClr>
+                  </a:outerShdw>
+                </a:effectLst>
+                <a:latin typeface="+mn-lt"/>
+                <a:ea typeface="+mn-ea"/>
+                <a:cs typeface="+mn-cs"/>
+              </a:defRPr>
+            </a:lvl9pPr>
+          </a:lstStyle>
+          <a:p>
+            <a:r>
+              <a:rPr lang="en-US" dirty="0" smtClean="0"/>
+              <a:t>It’s the Main Menu</a:t>
+            </a:r>
+          </a:p>
+          <a:p>
+            <a:r>
+              <a:rPr lang="en-US" dirty="0" smtClean="0"/>
+              <a:t>Press Play to play</a:t>
+            </a:r>
+          </a:p>
+          <a:p>
+            <a:r>
+              <a:rPr lang="en-US" dirty="0" smtClean="0"/>
+              <a:t>Press Instructions to learn how to play</a:t>
+            </a:r>
+          </a:p>
+        </p:txBody>
+      </p:sp>
     </p:spTree>
     <p:extLst>
       <p:ext uri="{BB962C8B-B14F-4D97-AF65-F5344CB8AC3E}">
@@ -6255,89 +7305,6 @@
 </file>
 
 <file path=ppt/slides/slide4.xml><?xml version="1.0" encoding="utf-8"?>
-<p:sld xmlns:a="http://schemas.openxmlformats.org/drawingml/2006/main" xmlns:r="http://schemas.openxmlformats.org/officeDocument/2006/relationships" xmlns:p="http://schemas.openxmlformats.org/presentationml/2006/main">
-  <p:cSld>
-    <p:spTree>
-      <p:nvGrpSpPr>
-        <p:cNvPr id="1" name=""/>
-        <p:cNvGrpSpPr/>
-        <p:nvPr/>
-      </p:nvGrpSpPr>
-      <p:grpSpPr>
-        <a:xfrm>
-          <a:off x="0" y="0"/>
-          <a:ext cx="0" cy="0"/>
-          <a:chOff x="0" y="0"/>
-          <a:chExt cx="0" cy="0"/>
-        </a:xfrm>
-      </p:grpSpPr>
-      <p:pic>
-        <p:nvPicPr>
-          <p:cNvPr id="5" name="Picture 4"/>
-          <p:cNvPicPr>
-            <a:picLocks noChangeAspect="1"/>
-          </p:cNvPicPr>
-          <p:nvPr/>
-        </p:nvPicPr>
-        <p:blipFill>
-          <a:blip r:embed="rId2">
-            <a:extLst>
-              <a:ext uri="{28A0092B-C50C-407E-A947-70E740481C1C}">
-                <a14:useLocalDpi xmlns:a14="http://schemas.microsoft.com/office/drawing/2010/main" val="0"/>
-              </a:ext>
-            </a:extLst>
-          </a:blip>
-          <a:stretch>
-            <a:fillRect/>
-          </a:stretch>
-        </p:blipFill>
-        <p:spPr>
-          <a:xfrm>
-            <a:off x="0" y="0"/>
-            <a:ext cx="12211049" cy="6847317"/>
-          </a:xfrm>
-          <a:prstGeom prst="rect">
-            <a:avLst/>
-          </a:prstGeom>
-        </p:spPr>
-      </p:pic>
-      <p:sp>
-        <p:nvSpPr>
-          <p:cNvPr id="2" name="Title 1"/>
-          <p:cNvSpPr>
-            <a:spLocks noGrp="1"/>
-          </p:cNvSpPr>
-          <p:nvPr>
-            <p:ph type="title"/>
-          </p:nvPr>
-        </p:nvSpPr>
-        <p:spPr/>
-        <p:txBody>
-          <a:bodyPr/>
-          <a:lstStyle/>
-          <a:p>
-            <a:r>
-              <a:rPr lang="en-US" dirty="0" smtClean="0"/>
-              <a:t>Architecture of menu</a:t>
-            </a:r>
-            <a:endParaRPr lang="en-US" dirty="0"/>
-          </a:p>
-        </p:txBody>
-      </p:sp>
-    </p:spTree>
-    <p:extLst>
-      <p:ext uri="{BB962C8B-B14F-4D97-AF65-F5344CB8AC3E}">
-        <p14:creationId xmlns:p14="http://schemas.microsoft.com/office/powerpoint/2010/main" val="3200236735"/>
-      </p:ext>
-    </p:extLst>
-  </p:cSld>
-  <p:clrMapOvr>
-    <a:masterClrMapping/>
-  </p:clrMapOvr>
-</p:sld>
-</file>
-
-<file path=ppt/slides/slide5.xml><?xml version="1.0" encoding="utf-8"?>
 <p:sld xmlns:a="http://schemas.openxmlformats.org/drawingml/2006/main" xmlns:r="http://schemas.openxmlformats.org/officeDocument/2006/relationships" xmlns:p="http://schemas.openxmlformats.org/presentationml/2006/main">
   <p:cSld>
     <p:spTree>
@@ -6417,14 +7384,51 @@
             <p:ph idx="1"/>
           </p:nvPr>
         </p:nvSpPr>
-        <p:spPr/>
+        <p:spPr>
+          <a:xfrm>
+            <a:off x="1058286" y="2710127"/>
+            <a:ext cx="9905998" cy="3276600"/>
+          </a:xfrm>
+        </p:spPr>
         <p:txBody>
           <a:bodyPr/>
           <a:lstStyle/>
           <a:p>
-            <a:pPr marL="0" indent="0">
-              <a:buNone/>
-            </a:pPr>
+            <a:r>
+              <a:rPr lang="en-US" dirty="0"/>
+              <a:t>You are the </a:t>
+            </a:r>
+            <a:r>
+              <a:rPr lang="en-US" dirty="0" err="1"/>
+              <a:t>REKTangle</a:t>
+            </a:r>
+            <a:endParaRPr lang="en-US" dirty="0"/>
+          </a:p>
+          <a:p>
+            <a:r>
+              <a:rPr lang="en-US" dirty="0"/>
+              <a:t>You avoid enemies coming from all around you</a:t>
+            </a:r>
+          </a:p>
+          <a:p>
+            <a:r>
+              <a:rPr lang="en-US" dirty="0"/>
+              <a:t>The longer you last, the higher your score goes</a:t>
+            </a:r>
+          </a:p>
+          <a:p>
+            <a:r>
+              <a:rPr lang="en-US" dirty="0"/>
+              <a:t>The higher the score, the faster the enemies come</a:t>
+            </a:r>
+          </a:p>
+          <a:p>
+            <a:r>
+              <a:rPr lang="en-US" dirty="0"/>
+              <a:t>Get hit, and it’s game over</a:t>
+            </a:r>
+          </a:p>
+          <a:p>
             <a:endParaRPr lang="en-US" dirty="0"/>
           </a:p>
         </p:txBody>
@@ -6451,8 +7455,8 @@
         </p:blipFill>
         <p:spPr>
           <a:xfrm>
-            <a:off x="3622979" y="1770697"/>
-            <a:ext cx="8152381" cy="4571429"/>
+            <a:off x="6483927" y="396910"/>
+            <a:ext cx="5339094" cy="2993885"/>
           </a:xfrm>
           <a:prstGeom prst="rect">
             <a:avLst/>
@@ -6463,6 +7467,166 @@
     <p:extLst>
       <p:ext uri="{BB962C8B-B14F-4D97-AF65-F5344CB8AC3E}">
         <p14:creationId xmlns:p14="http://schemas.microsoft.com/office/powerpoint/2010/main" val="2434724047"/>
+      </p:ext>
+    </p:extLst>
+  </p:cSld>
+  <p:clrMapOvr>
+    <a:masterClrMapping/>
+  </p:clrMapOvr>
+</p:sld>
+</file>
+
+<file path=ppt/slides/slide5.xml><?xml version="1.0" encoding="utf-8"?>
+<p:sld xmlns:a="http://schemas.openxmlformats.org/drawingml/2006/main" xmlns:r="http://schemas.openxmlformats.org/officeDocument/2006/relationships" xmlns:p="http://schemas.openxmlformats.org/presentationml/2006/main">
+  <p:cSld>
+    <p:spTree>
+      <p:nvGrpSpPr>
+        <p:cNvPr id="1" name=""/>
+        <p:cNvGrpSpPr/>
+        <p:nvPr/>
+      </p:nvGrpSpPr>
+      <p:grpSpPr>
+        <a:xfrm>
+          <a:off x="0" y="0"/>
+          <a:ext cx="0" cy="0"/>
+          <a:chOff x="0" y="0"/>
+          <a:chExt cx="0" cy="0"/>
+        </a:xfrm>
+      </p:grpSpPr>
+      <p:pic>
+        <p:nvPicPr>
+          <p:cNvPr id="5" name="Picture 4"/>
+          <p:cNvPicPr>
+            <a:picLocks noChangeAspect="1"/>
+          </p:cNvPicPr>
+          <p:nvPr/>
+        </p:nvPicPr>
+        <p:blipFill>
+          <a:blip r:embed="rId2">
+            <a:extLst>
+              <a:ext uri="{28A0092B-C50C-407E-A947-70E740481C1C}">
+                <a14:useLocalDpi xmlns:a14="http://schemas.microsoft.com/office/drawing/2010/main" val="0"/>
+              </a:ext>
+            </a:extLst>
+          </a:blip>
+          <a:stretch>
+            <a:fillRect/>
+          </a:stretch>
+        </p:blipFill>
+        <p:spPr>
+          <a:xfrm>
+            <a:off x="0" y="22557"/>
+            <a:ext cx="12189873" cy="6835443"/>
+          </a:xfrm>
+          <a:prstGeom prst="rect">
+            <a:avLst/>
+          </a:prstGeom>
+        </p:spPr>
+      </p:pic>
+      <p:sp>
+        <p:nvSpPr>
+          <p:cNvPr id="2" name="Title 1"/>
+          <p:cNvSpPr>
+            <a:spLocks noGrp="1"/>
+          </p:cNvSpPr>
+          <p:nvPr>
+            <p:ph type="title"/>
+          </p:nvPr>
+        </p:nvSpPr>
+        <p:spPr/>
+        <p:txBody>
+          <a:bodyPr/>
+          <a:lstStyle/>
+          <a:p>
+            <a:r>
+              <a:rPr lang="en-US" dirty="0" smtClean="0"/>
+              <a:t>Menu flow</a:t>
+            </a:r>
+            <a:endParaRPr lang="en-US" dirty="0"/>
+          </a:p>
+        </p:txBody>
+      </p:sp>
+      <p:sp>
+        <p:nvSpPr>
+          <p:cNvPr id="3" name="Content Placeholder 2"/>
+          <p:cNvSpPr>
+            <a:spLocks noGrp="1"/>
+          </p:cNvSpPr>
+          <p:nvPr>
+            <p:ph idx="1"/>
+          </p:nvPr>
+        </p:nvSpPr>
+        <p:spPr>
+          <a:xfrm>
+            <a:off x="666398" y="2514600"/>
+            <a:ext cx="4606245" cy="3124201"/>
+          </a:xfrm>
+        </p:spPr>
+        <p:txBody>
+          <a:bodyPr/>
+          <a:lstStyle/>
+          <a:p>
+            <a:r>
+              <a:rPr lang="en-US" dirty="0" smtClean="0"/>
+              <a:t>The menu screen has two options:</a:t>
+            </a:r>
+            <a:r>
+              <a:rPr lang="en-US" dirty="0"/>
+              <a:t> </a:t>
+            </a:r>
+            <a:r>
+              <a:rPr lang="en-US" dirty="0" smtClean="0"/>
+              <a:t>play and instructions</a:t>
+            </a:r>
+          </a:p>
+          <a:p>
+            <a:r>
+              <a:rPr lang="en-US" dirty="0" smtClean="0"/>
+              <a:t>Play brings you to the game</a:t>
+            </a:r>
+          </a:p>
+          <a:p>
+            <a:r>
+              <a:rPr lang="en-US" dirty="0" smtClean="0"/>
+              <a:t>instructions tells you how to play, and tapping brings you to the game</a:t>
+            </a:r>
+          </a:p>
+        </p:txBody>
+      </p:sp>
+      <p:pic>
+        <p:nvPicPr>
+          <p:cNvPr id="7" name="Picture 6"/>
+          <p:cNvPicPr>
+            <a:picLocks noChangeAspect="1"/>
+          </p:cNvPicPr>
+          <p:nvPr/>
+        </p:nvPicPr>
+        <p:blipFill>
+          <a:blip r:embed="rId3">
+            <a:extLst>
+              <a:ext uri="{28A0092B-C50C-407E-A947-70E740481C1C}">
+                <a14:useLocalDpi xmlns:a14="http://schemas.microsoft.com/office/drawing/2010/main" val="0"/>
+              </a:ext>
+            </a:extLst>
+          </a:blip>
+          <a:stretch>
+            <a:fillRect/>
+          </a:stretch>
+        </p:blipFill>
+        <p:spPr>
+          <a:xfrm>
+            <a:off x="5492470" y="1192793"/>
+            <a:ext cx="6304468" cy="5065503"/>
+          </a:xfrm>
+          <a:prstGeom prst="rect">
+            <a:avLst/>
+          </a:prstGeom>
+        </p:spPr>
+      </p:pic>
+    </p:spTree>
+    <p:extLst>
+      <p:ext uri="{BB962C8B-B14F-4D97-AF65-F5344CB8AC3E}">
+        <p14:creationId xmlns:p14="http://schemas.microsoft.com/office/powerpoint/2010/main" val="2103777319"/>
       </p:ext>
     </p:extLst>
   </p:cSld>
@@ -6536,7 +7700,7 @@
           <a:p>
             <a:r>
               <a:rPr lang="en-US" dirty="0" smtClean="0"/>
-              <a:t>Gameplay</a:t>
+              <a:t>Menu Architecture</a:t>
             </a:r>
             <a:endParaRPr lang="en-US" dirty="0"/>
           </a:p>
@@ -6554,8 +7718,8 @@
         </p:nvSpPr>
         <p:spPr>
           <a:xfrm>
-            <a:off x="678275" y="2652678"/>
-            <a:ext cx="9905998" cy="3124201"/>
+            <a:off x="666399" y="2514600"/>
+            <a:ext cx="4701248" cy="3124201"/>
           </a:xfrm>
         </p:spPr>
         <p:txBody>
@@ -6564,37 +7728,198 @@
           <a:p>
             <a:r>
               <a:rPr lang="en-US" dirty="0" smtClean="0"/>
-              <a:t>You are the </a:t>
+              <a:t>Game: Main Activity, sets the Menu layout as screen</a:t>
+            </a:r>
+          </a:p>
+          <a:p>
+            <a:r>
+              <a:rPr lang="en-US" dirty="0" smtClean="0"/>
+              <a:t>Menu: controls menu music and sets the menu image</a:t>
+            </a:r>
+          </a:p>
+          <a:p>
+            <a:r>
+              <a:rPr lang="en-US" dirty="0" err="1" smtClean="0"/>
+              <a:t>GamePanel</a:t>
+            </a:r>
+            <a:r>
+              <a:rPr lang="en-US" dirty="0" smtClean="0"/>
+              <a:t>: Starts gameplay</a:t>
+            </a:r>
+            <a:endParaRPr lang="en-US" dirty="0" smtClean="0"/>
+          </a:p>
+        </p:txBody>
+      </p:sp>
+      <p:pic>
+        <p:nvPicPr>
+          <p:cNvPr id="4" name="Picture 3"/>
+          <p:cNvPicPr>
+            <a:picLocks noChangeAspect="1"/>
+          </p:cNvPicPr>
+          <p:nvPr/>
+        </p:nvPicPr>
+        <p:blipFill>
+          <a:blip r:embed="rId3">
+            <a:extLst>
+              <a:ext uri="{28A0092B-C50C-407E-A947-70E740481C1C}">
+                <a14:useLocalDpi xmlns:a14="http://schemas.microsoft.com/office/drawing/2010/main" val="0"/>
+              </a:ext>
+            </a:extLst>
+          </a:blip>
+          <a:stretch>
+            <a:fillRect/>
+          </a:stretch>
+        </p:blipFill>
+        <p:spPr>
+          <a:xfrm>
+            <a:off x="5798055" y="609600"/>
+            <a:ext cx="5820587" cy="5477639"/>
+          </a:xfrm>
+          <a:prstGeom prst="rect">
+            <a:avLst/>
+          </a:prstGeom>
+        </p:spPr>
+      </p:pic>
+    </p:spTree>
+    <p:extLst>
+      <p:ext uri="{BB962C8B-B14F-4D97-AF65-F5344CB8AC3E}">
+        <p14:creationId xmlns:p14="http://schemas.microsoft.com/office/powerpoint/2010/main" val="1612271134"/>
+      </p:ext>
+    </p:extLst>
+  </p:cSld>
+  <p:clrMapOvr>
+    <a:masterClrMapping/>
+  </p:clrMapOvr>
+</p:sld>
+</file>
+
+<file path=ppt/slides/slide7.xml><?xml version="1.0" encoding="utf-8"?>
+<p:sld xmlns:a="http://schemas.openxmlformats.org/drawingml/2006/main" xmlns:r="http://schemas.openxmlformats.org/officeDocument/2006/relationships" xmlns:p="http://schemas.openxmlformats.org/presentationml/2006/main">
+  <p:cSld>
+    <p:spTree>
+      <p:nvGrpSpPr>
+        <p:cNvPr id="1" name=""/>
+        <p:cNvGrpSpPr/>
+        <p:nvPr/>
+      </p:nvGrpSpPr>
+      <p:grpSpPr>
+        <a:xfrm>
+          <a:off x="0" y="0"/>
+          <a:ext cx="0" cy="0"/>
+          <a:chOff x="0" y="0"/>
+          <a:chExt cx="0" cy="0"/>
+        </a:xfrm>
+      </p:grpSpPr>
+      <p:pic>
+        <p:nvPicPr>
+          <p:cNvPr id="5" name="Picture 4"/>
+          <p:cNvPicPr>
+            <a:picLocks noChangeAspect="1"/>
+          </p:cNvPicPr>
+          <p:nvPr/>
+        </p:nvPicPr>
+        <p:blipFill>
+          <a:blip r:embed="rId2">
+            <a:extLst>
+              <a:ext uri="{28A0092B-C50C-407E-A947-70E740481C1C}">
+                <a14:useLocalDpi xmlns:a14="http://schemas.microsoft.com/office/drawing/2010/main" val="0"/>
+              </a:ext>
+            </a:extLst>
+          </a:blip>
+          <a:stretch>
+            <a:fillRect/>
+          </a:stretch>
+        </p:blipFill>
+        <p:spPr>
+          <a:xfrm>
+            <a:off x="0" y="22557"/>
+            <a:ext cx="12189873" cy="6835443"/>
+          </a:xfrm>
+          <a:prstGeom prst="rect">
+            <a:avLst/>
+          </a:prstGeom>
+        </p:spPr>
+      </p:pic>
+      <p:sp>
+        <p:nvSpPr>
+          <p:cNvPr id="2" name="Title 1"/>
+          <p:cNvSpPr>
+            <a:spLocks noGrp="1"/>
+          </p:cNvSpPr>
+          <p:nvPr>
+            <p:ph type="title"/>
+          </p:nvPr>
+        </p:nvSpPr>
+        <p:spPr/>
+        <p:txBody>
+          <a:bodyPr/>
+          <a:lstStyle/>
+          <a:p>
+            <a:r>
+              <a:rPr lang="en-US" dirty="0" smtClean="0"/>
+              <a:t>Gameplay</a:t>
+            </a:r>
+            <a:endParaRPr lang="en-US" dirty="0"/>
+          </a:p>
+        </p:txBody>
+      </p:sp>
+      <p:sp>
+        <p:nvSpPr>
+          <p:cNvPr id="3" name="Content Placeholder 2"/>
+          <p:cNvSpPr>
+            <a:spLocks noGrp="1"/>
+          </p:cNvSpPr>
+          <p:nvPr>
+            <p:ph idx="1"/>
+          </p:nvPr>
+        </p:nvSpPr>
+        <p:spPr>
+          <a:xfrm>
+            <a:off x="666399" y="2208810"/>
+            <a:ext cx="4566041" cy="3429991"/>
+          </a:xfrm>
+        </p:spPr>
+        <p:txBody>
+          <a:bodyPr/>
+          <a:lstStyle/>
+          <a:p>
+            <a:r>
+              <a:rPr lang="en-US" dirty="0" smtClean="0"/>
+              <a:t>Enemies come from every side</a:t>
+            </a:r>
+          </a:p>
+          <a:p>
+            <a:r>
+              <a:rPr lang="en-US" dirty="0" smtClean="0"/>
+              <a:t>To move, drag or press the screen</a:t>
+            </a:r>
+          </a:p>
+          <a:p>
+            <a:r>
+              <a:rPr lang="en-US" dirty="0" smtClean="0"/>
+              <a:t>The </a:t>
             </a:r>
             <a:r>
               <a:rPr lang="en-US" dirty="0" err="1" smtClean="0"/>
               <a:t>REKTangle</a:t>
             </a:r>
-            <a:endParaRPr lang="en-US" dirty="0" smtClean="0"/>
-          </a:p>
-          <a:p>
             <a:r>
               <a:rPr lang="en-US" dirty="0" smtClean="0"/>
-              <a:t>You avoid enemies, which come from all around the screen</a:t>
+              <a:t> will follow you</a:t>
             </a:r>
           </a:p>
           <a:p>
             <a:r>
               <a:rPr lang="en-US" dirty="0" smtClean="0"/>
-              <a:t>The longer you last, the higher your score goes</a:t>
-            </a:r>
-            <a:endParaRPr lang="en-US" dirty="0"/>
-          </a:p>
-          <a:p>
+              <a:t>The further you press from the </a:t>
+            </a:r>
+            <a:r>
+              <a:rPr lang="en-US" dirty="0" err="1" smtClean="0"/>
+              <a:t>REKTangle</a:t>
+            </a:r>
             <a:r>
               <a:rPr lang="en-US" dirty="0" smtClean="0"/>
-              <a:t>The higher the score, the faster the enemies come</a:t>
-            </a:r>
-          </a:p>
-          <a:p>
-            <a:r>
-              <a:rPr lang="en-US" dirty="0" smtClean="0"/>
-              <a:t>Get hit, and it’s game over</a:t>
+              <a:t>, the faster it moves, like a rubber band</a:t>
             </a:r>
           </a:p>
         </p:txBody>
@@ -6629,36 +7954,6 @@
           </a:prstGeom>
         </p:spPr>
       </p:pic>
-    </p:spTree>
-    <p:extLst>
-      <p:ext uri="{BB962C8B-B14F-4D97-AF65-F5344CB8AC3E}">
-        <p14:creationId xmlns:p14="http://schemas.microsoft.com/office/powerpoint/2010/main" val="2103777319"/>
-      </p:ext>
-    </p:extLst>
-  </p:cSld>
-  <p:clrMapOvr>
-    <a:masterClrMapping/>
-  </p:clrMapOvr>
-</p:sld>
-</file>
-
-<file path=ppt/slides/slide7.xml><?xml version="1.0" encoding="utf-8"?>
-<p:sld xmlns:a="http://schemas.openxmlformats.org/drawingml/2006/main" xmlns:r="http://schemas.openxmlformats.org/officeDocument/2006/relationships" xmlns:p="http://schemas.openxmlformats.org/presentationml/2006/main">
-  <p:cSld>
-    <p:spTree>
-      <p:nvGrpSpPr>
-        <p:cNvPr id="1" name=""/>
-        <p:cNvGrpSpPr/>
-        <p:nvPr/>
-      </p:nvGrpSpPr>
-      <p:grpSpPr>
-        <a:xfrm>
-          <a:off x="0" y="0"/>
-          <a:ext cx="0" cy="0"/>
-          <a:chOff x="0" y="0"/>
-          <a:chExt cx="0" cy="0"/>
-        </a:xfrm>
-      </p:grpSpPr>
       <p:pic>
         <p:nvPicPr>
           <p:cNvPr id="4" name="Picture 3"/>
@@ -6668,7 +7963,7 @@
           <p:nvPr/>
         </p:nvPicPr>
         <p:blipFill>
-          <a:blip r:embed="rId2">
+          <a:blip r:embed="rId4">
             <a:extLst>
               <a:ext uri="{28A0092B-C50C-407E-A947-70E740481C1C}">
                 <a14:useLocalDpi xmlns:a14="http://schemas.microsoft.com/office/drawing/2010/main" val="0"/>
@@ -6681,8 +7976,8 @@
         </p:blipFill>
         <p:spPr>
           <a:xfrm>
-            <a:off x="0" y="0"/>
-            <a:ext cx="12211049" cy="6847317"/>
+            <a:off x="5682813" y="2328664"/>
+            <a:ext cx="5698322" cy="3418993"/>
           </a:xfrm>
           <a:prstGeom prst="rect">
             <a:avLst/>
@@ -6691,22 +7986,239 @@
       </p:pic>
       <p:sp>
         <p:nvSpPr>
-          <p:cNvPr id="2" name="Title 1"/>
-          <p:cNvSpPr>
-            <a:spLocks noGrp="1"/>
-          </p:cNvSpPr>
-          <p:nvPr>
-            <p:ph type="title"/>
-          </p:nvPr>
-        </p:nvSpPr>
-        <p:spPr/>
-        <p:txBody>
-          <a:bodyPr/>
+          <p:cNvPr id="7" name="Rectangle 6"/>
+          <p:cNvSpPr/>
+          <p:nvPr/>
+        </p:nvSpPr>
+        <p:spPr>
+          <a:xfrm>
+            <a:off x="5682813" y="2328664"/>
+            <a:ext cx="5698322" cy="3418993"/>
+          </a:xfrm>
+          <a:prstGeom prst="rect">
+            <a:avLst/>
+          </a:prstGeom>
+          <a:noFill/>
+          <a:ln w="38100">
+            <a:solidFill>
+              <a:schemeClr val="tx1"/>
+            </a:solidFill>
+          </a:ln>
+        </p:spPr>
+        <p:style>
+          <a:lnRef idx="2">
+            <a:schemeClr val="accent1">
+              <a:shade val="50000"/>
+            </a:schemeClr>
+          </a:lnRef>
+          <a:fillRef idx="1">
+            <a:schemeClr val="accent1"/>
+          </a:fillRef>
+          <a:effectRef idx="0">
+            <a:schemeClr val="accent1"/>
+          </a:effectRef>
+          <a:fontRef idx="minor">
+            <a:schemeClr val="lt1"/>
+          </a:fontRef>
+        </p:style>
+        <p:txBody>
+          <a:bodyPr rtlCol="0" anchor="ctr"/>
           <a:lstStyle/>
           <a:p>
+            <a:pPr algn="ctr"/>
+            <a:endParaRPr lang="en-US"/>
+          </a:p>
+        </p:txBody>
+      </p:sp>
+      <p:sp>
+        <p:nvSpPr>
+          <p:cNvPr id="8" name="Oval 7"/>
+          <p:cNvSpPr/>
+          <p:nvPr/>
+        </p:nvSpPr>
+        <p:spPr>
+          <a:xfrm>
+            <a:off x="7695208" y="3813210"/>
+            <a:ext cx="1223159" cy="1151907"/>
+          </a:xfrm>
+          <a:prstGeom prst="ellipse">
+            <a:avLst/>
+          </a:prstGeom>
+          <a:noFill/>
+          <a:ln w="57150">
+            <a:solidFill>
+              <a:srgbClr val="FFFF00"/>
+            </a:solidFill>
+          </a:ln>
+        </p:spPr>
+        <p:style>
+          <a:lnRef idx="2">
+            <a:schemeClr val="accent1">
+              <a:shade val="50000"/>
+            </a:schemeClr>
+          </a:lnRef>
+          <a:fillRef idx="1">
+            <a:schemeClr val="accent1"/>
+          </a:fillRef>
+          <a:effectRef idx="0">
+            <a:schemeClr val="accent1"/>
+          </a:effectRef>
+          <a:fontRef idx="minor">
+            <a:schemeClr val="lt1"/>
+          </a:fontRef>
+        </p:style>
+        <p:txBody>
+          <a:bodyPr rtlCol="0" anchor="ctr"/>
+          <a:lstStyle/>
+          <a:p>
+            <a:pPr algn="ctr"/>
+            <a:endParaRPr lang="en-US"/>
+          </a:p>
+        </p:txBody>
+      </p:sp>
+      <p:sp>
+        <p:nvSpPr>
+          <p:cNvPr id="9" name="Oval 8"/>
+          <p:cNvSpPr/>
+          <p:nvPr/>
+        </p:nvSpPr>
+        <p:spPr>
+          <a:xfrm>
+            <a:off x="10417328" y="3293996"/>
+            <a:ext cx="785152" cy="868416"/>
+          </a:xfrm>
+          <a:prstGeom prst="ellipse">
+            <a:avLst/>
+          </a:prstGeom>
+          <a:noFill/>
+          <a:ln w="57150">
+            <a:solidFill>
+              <a:srgbClr val="FFC000"/>
+            </a:solidFill>
+          </a:ln>
+        </p:spPr>
+        <p:style>
+          <a:lnRef idx="2">
+            <a:schemeClr val="accent1">
+              <a:shade val="50000"/>
+            </a:schemeClr>
+          </a:lnRef>
+          <a:fillRef idx="1">
+            <a:schemeClr val="accent1"/>
+          </a:fillRef>
+          <a:effectRef idx="0">
+            <a:schemeClr val="accent1"/>
+          </a:effectRef>
+          <a:fontRef idx="minor">
+            <a:schemeClr val="lt1"/>
+          </a:fontRef>
+        </p:style>
+        <p:txBody>
+          <a:bodyPr rtlCol="0" anchor="ctr"/>
+          <a:lstStyle/>
+          <a:p>
+            <a:pPr algn="ctr"/>
+            <a:endParaRPr lang="en-US"/>
+          </a:p>
+        </p:txBody>
+      </p:sp>
+      <p:cxnSp>
+        <p:nvCxnSpPr>
+          <p:cNvPr id="11" name="Straight Arrow Connector 10"/>
+          <p:cNvCxnSpPr/>
+          <p:nvPr/>
+        </p:nvCxnSpPr>
+        <p:spPr>
+          <a:xfrm flipV="1">
+            <a:off x="10548565" y="4187922"/>
+            <a:ext cx="222355" cy="371946"/>
+          </a:xfrm>
+          <a:prstGeom prst="straightConnector1">
+            <a:avLst/>
+          </a:prstGeom>
+          <a:ln w="57150">
+            <a:solidFill>
+              <a:srgbClr val="FFC000"/>
+            </a:solidFill>
+            <a:tailEnd type="triangle"/>
+          </a:ln>
+        </p:spPr>
+        <p:style>
+          <a:lnRef idx="1">
+            <a:schemeClr val="accent1"/>
+          </a:lnRef>
+          <a:fillRef idx="0">
+            <a:schemeClr val="accent1"/>
+          </a:fillRef>
+          <a:effectRef idx="0">
+            <a:schemeClr val="accent1"/>
+          </a:effectRef>
+          <a:fontRef idx="minor">
+            <a:schemeClr val="tx1"/>
+          </a:fontRef>
+        </p:style>
+      </p:cxnSp>
+      <p:cxnSp>
+        <p:nvCxnSpPr>
+          <p:cNvPr id="13" name="Straight Arrow Connector 12"/>
+          <p:cNvCxnSpPr/>
+          <p:nvPr/>
+        </p:nvCxnSpPr>
+        <p:spPr>
+          <a:xfrm>
+            <a:off x="7564581" y="3491807"/>
+            <a:ext cx="332510" cy="419526"/>
+          </a:xfrm>
+          <a:prstGeom prst="straightConnector1">
+            <a:avLst/>
+          </a:prstGeom>
+          <a:ln w="57150">
+            <a:solidFill>
+              <a:srgbClr val="FFFF00"/>
+            </a:solidFill>
+            <a:tailEnd type="triangle"/>
+          </a:ln>
+        </p:spPr>
+        <p:style>
+          <a:lnRef idx="1">
+            <a:schemeClr val="accent1"/>
+          </a:lnRef>
+          <a:fillRef idx="0">
+            <a:schemeClr val="accent1"/>
+          </a:fillRef>
+          <a:effectRef idx="0">
+            <a:schemeClr val="accent1"/>
+          </a:effectRef>
+          <a:fontRef idx="minor">
+            <a:schemeClr val="tx1"/>
+          </a:fontRef>
+        </p:style>
+      </p:cxnSp>
+      <p:sp>
+        <p:nvSpPr>
+          <p:cNvPr id="14" name="TextBox 13"/>
+          <p:cNvSpPr txBox="1"/>
+          <p:nvPr/>
+        </p:nvSpPr>
+        <p:spPr>
+          <a:xfrm>
+            <a:off x="6844041" y="3100694"/>
+            <a:ext cx="1349933" cy="369332"/>
+          </a:xfrm>
+          <a:prstGeom prst="rect">
+            <a:avLst/>
+          </a:prstGeom>
+          <a:noFill/>
+        </p:spPr>
+        <p:txBody>
+          <a:bodyPr wrap="square" rtlCol="0">
+            <a:spAutoFit/>
+          </a:bodyPr>
+          <a:lstStyle/>
+          <a:p>
             <a:r>
               <a:rPr lang="en-US" dirty="0" smtClean="0"/>
-              <a:t>Handling movement and Collisions</a:t>
+              <a:t>This is you</a:t>
             </a:r>
             <a:endParaRPr lang="en-US" dirty="0"/>
           </a:p>
@@ -6714,25 +8226,30 @@
       </p:sp>
       <p:sp>
         <p:nvSpPr>
-          <p:cNvPr id="3" name="Content Placeholder 2"/>
-          <p:cNvSpPr>
-            <a:spLocks noGrp="1"/>
-          </p:cNvSpPr>
-          <p:nvPr>
-            <p:ph idx="1"/>
-          </p:nvPr>
-        </p:nvSpPr>
-        <p:spPr/>
-        <p:txBody>
-          <a:bodyPr/>
+          <p:cNvPr id="15" name="TextBox 14"/>
+          <p:cNvSpPr txBox="1"/>
+          <p:nvPr/>
+        </p:nvSpPr>
+        <p:spPr>
+          <a:xfrm>
+            <a:off x="9908447" y="4590339"/>
+            <a:ext cx="1341533" cy="646331"/>
+          </a:xfrm>
+          <a:prstGeom prst="rect">
+            <a:avLst/>
+          </a:prstGeom>
+          <a:noFill/>
+        </p:spPr>
+        <p:txBody>
+          <a:bodyPr wrap="square" rtlCol="0">
+            <a:spAutoFit/>
+          </a:bodyPr>
           <a:lstStyle/>
           <a:p>
             <a:r>
               <a:rPr lang="en-US" dirty="0" smtClean="0"/>
-              <a:t>Lots of back end work</a:t>
-            </a:r>
-          </a:p>
-          <a:p>
+              <a:t>This is the enemy</a:t>
+            </a:r>
             <a:endParaRPr lang="en-US" dirty="0"/>
           </a:p>
         </p:txBody>
@@ -6740,7 +8257,7 @@
     </p:spTree>
     <p:extLst>
       <p:ext uri="{BB962C8B-B14F-4D97-AF65-F5344CB8AC3E}">
-        <p14:creationId xmlns:p14="http://schemas.microsoft.com/office/powerpoint/2010/main" val="2950191913"/>
+        <p14:creationId xmlns:p14="http://schemas.microsoft.com/office/powerpoint/2010/main" val="2677938709"/>
       </p:ext>
     </p:extLst>
   </p:cSld>
@@ -6814,7 +8331,47 @@
           <a:p>
             <a:r>
               <a:rPr lang="en-US" dirty="0" smtClean="0"/>
-              <a:t>Game Over</a:t>
+              <a:t>Game flow</a:t>
+            </a:r>
+            <a:endParaRPr lang="en-US" dirty="0"/>
+          </a:p>
+        </p:txBody>
+      </p:sp>
+      <p:sp>
+        <p:nvSpPr>
+          <p:cNvPr id="3" name="Content Placeholder 2"/>
+          <p:cNvSpPr>
+            <a:spLocks noGrp="1"/>
+          </p:cNvSpPr>
+          <p:nvPr>
+            <p:ph idx="1"/>
+          </p:nvPr>
+        </p:nvSpPr>
+        <p:spPr>
+          <a:xfrm>
+            <a:off x="915788" y="886690"/>
+            <a:ext cx="4202483" cy="3124201"/>
+          </a:xfrm>
+        </p:spPr>
+        <p:txBody>
+          <a:bodyPr/>
+          <a:lstStyle/>
+          <a:p>
+            <a:pPr marL="0" indent="0">
+              <a:buNone/>
+            </a:pPr>
+            <a:r>
+              <a:rPr lang="en-US" dirty="0" smtClean="0"/>
+              <a:t>General Progression</a:t>
+            </a:r>
+          </a:p>
+          <a:p>
+            <a:pPr marL="0" indent="0">
+              <a:buNone/>
+            </a:pPr>
+            <a:r>
+              <a:rPr lang="en-US" dirty="0" smtClean="0"/>
+              <a:t>of the Game</a:t>
             </a:r>
             <a:endParaRPr lang="en-US" dirty="0"/>
           </a:p>
@@ -6822,13 +8379,11 @@
       </p:sp>
       <p:pic>
         <p:nvPicPr>
-          <p:cNvPr id="5" name="Content Placeholder 4"/>
+          <p:cNvPr id="7" name="Picture 6"/>
           <p:cNvPicPr>
-            <a:picLocks noGrp="1" noChangeAspect="1"/>
+            <a:picLocks noChangeAspect="1"/>
           </p:cNvPicPr>
-          <p:nvPr>
-            <p:ph idx="1"/>
-          </p:nvPr>
+          <p:nvPr/>
         </p:nvPicPr>
         <p:blipFill>
           <a:blip r:embed="rId3">
@@ -6844,15 +8399,136 @@
         </p:blipFill>
         <p:spPr>
           <a:xfrm>
-            <a:off x="5266888" y="2624447"/>
-            <a:ext cx="5990568" cy="3359196"/>
+            <a:off x="4399049" y="1496291"/>
+            <a:ext cx="7597960" cy="5069719"/>
           </a:xfrm>
+          <a:prstGeom prst="rect">
+            <a:avLst/>
+          </a:prstGeom>
         </p:spPr>
       </p:pic>
     </p:spTree>
     <p:extLst>
       <p:ext uri="{BB962C8B-B14F-4D97-AF65-F5344CB8AC3E}">
-        <p14:creationId xmlns:p14="http://schemas.microsoft.com/office/powerpoint/2010/main" val="2692947153"/>
+        <p14:creationId xmlns:p14="http://schemas.microsoft.com/office/powerpoint/2010/main" val="2950191913"/>
+      </p:ext>
+    </p:extLst>
+  </p:cSld>
+  <p:clrMapOvr>
+    <a:masterClrMapping/>
+  </p:clrMapOvr>
+</p:sld>
+</file>
+
+<file path=ppt/slides/slide9.xml><?xml version="1.0" encoding="utf-8"?>
+<p:sld xmlns:a="http://schemas.openxmlformats.org/drawingml/2006/main" xmlns:r="http://schemas.openxmlformats.org/officeDocument/2006/relationships" xmlns:p="http://schemas.openxmlformats.org/presentationml/2006/main">
+  <p:cSld>
+    <p:spTree>
+      <p:nvGrpSpPr>
+        <p:cNvPr id="1" name=""/>
+        <p:cNvGrpSpPr/>
+        <p:nvPr/>
+      </p:nvGrpSpPr>
+      <p:grpSpPr>
+        <a:xfrm>
+          <a:off x="0" y="0"/>
+          <a:ext cx="0" cy="0"/>
+          <a:chOff x="0" y="0"/>
+          <a:chExt cx="0" cy="0"/>
+        </a:xfrm>
+      </p:grpSpPr>
+      <p:pic>
+        <p:nvPicPr>
+          <p:cNvPr id="4" name="Picture 3"/>
+          <p:cNvPicPr>
+            <a:picLocks noChangeAspect="1"/>
+          </p:cNvPicPr>
+          <p:nvPr/>
+        </p:nvPicPr>
+        <p:blipFill>
+          <a:blip r:embed="rId2">
+            <a:extLst>
+              <a:ext uri="{28A0092B-C50C-407E-A947-70E740481C1C}">
+                <a14:useLocalDpi xmlns:a14="http://schemas.microsoft.com/office/drawing/2010/main" val="0"/>
+              </a:ext>
+            </a:extLst>
+          </a:blip>
+          <a:stretch>
+            <a:fillRect/>
+          </a:stretch>
+        </p:blipFill>
+        <p:spPr>
+          <a:xfrm>
+            <a:off x="0" y="0"/>
+            <a:ext cx="12211049" cy="6847317"/>
+          </a:xfrm>
+          <a:prstGeom prst="rect">
+            <a:avLst/>
+          </a:prstGeom>
+        </p:spPr>
+      </p:pic>
+      <p:sp>
+        <p:nvSpPr>
+          <p:cNvPr id="2" name="Title 1"/>
+          <p:cNvSpPr>
+            <a:spLocks noGrp="1"/>
+          </p:cNvSpPr>
+          <p:nvPr>
+            <p:ph type="title"/>
+          </p:nvPr>
+        </p:nvSpPr>
+        <p:spPr>
+          <a:xfrm>
+            <a:off x="820780" y="193964"/>
+            <a:ext cx="9905998" cy="1905000"/>
+          </a:xfrm>
+        </p:spPr>
+        <p:txBody>
+          <a:bodyPr/>
+          <a:lstStyle/>
+          <a:p>
+            <a:r>
+              <a:rPr lang="en-US" dirty="0" smtClean="0"/>
+              <a:t>Handling movement and Collisions</a:t>
+            </a:r>
+            <a:endParaRPr lang="en-US" dirty="0"/>
+          </a:p>
+        </p:txBody>
+      </p:sp>
+      <p:pic>
+        <p:nvPicPr>
+          <p:cNvPr id="6" name="Picture 5"/>
+          <p:cNvPicPr>
+            <a:picLocks noChangeAspect="1"/>
+          </p:cNvPicPr>
+          <p:nvPr/>
+        </p:nvPicPr>
+        <p:blipFill>
+          <a:blip r:embed="rId3">
+            <a:extLst>
+              <a:ext uri="{28A0092B-C50C-407E-A947-70E740481C1C}">
+                <a14:useLocalDpi xmlns:a14="http://schemas.microsoft.com/office/drawing/2010/main" val="0"/>
+              </a:ext>
+            </a:extLst>
+          </a:blip>
+          <a:stretch>
+            <a:fillRect/>
+          </a:stretch>
+        </p:blipFill>
+        <p:spPr>
+          <a:xfrm>
+            <a:off x="1409610" y="1876305"/>
+            <a:ext cx="9342301" cy="4544280"/>
+          </a:xfrm>
+          <a:prstGeom prst="rect">
+            <a:avLst/>
+          </a:prstGeom>
+        </p:spPr>
+      </p:pic>
+    </p:spTree>
+    <p:extLst>
+      <p:ext uri="{BB962C8B-B14F-4D97-AF65-F5344CB8AC3E}">
+        <p14:creationId xmlns:p14="http://schemas.microsoft.com/office/powerpoint/2010/main" val="3355634868"/>
       </p:ext>
     </p:extLst>
   </p:cSld>
